--- a/Präsentationen/PP_notenbonus.pptx
+++ b/Präsentationen/PP_notenbonus.pptx
@@ -10,27 +10,31 @@
     <p:sldMasterId id="2147483697" r:id="rId6"/>
   </p:sldMasterIdLst>
   <p:notesMasterIdLst>
-    <p:notesMasterId r:id="rId17"/>
+    <p:notesMasterId r:id="rId21"/>
   </p:notesMasterIdLst>
   <p:handoutMasterIdLst>
-    <p:handoutMasterId r:id="rId18"/>
+    <p:handoutMasterId r:id="rId22"/>
   </p:handoutMasterIdLst>
   <p:sldIdLst>
     <p:sldId id="356" r:id="rId7"/>
-    <p:sldId id="371" r:id="rId8"/>
-    <p:sldId id="376" r:id="rId9"/>
-    <p:sldId id="375" r:id="rId10"/>
-    <p:sldId id="374" r:id="rId11"/>
-    <p:sldId id="370" r:id="rId12"/>
-    <p:sldId id="372" r:id="rId13"/>
-    <p:sldId id="373" r:id="rId14"/>
-    <p:sldId id="377" r:id="rId15"/>
-    <p:sldId id="279" r:id="rId16"/>
+    <p:sldId id="378" r:id="rId8"/>
+    <p:sldId id="379" r:id="rId9"/>
+    <p:sldId id="380" r:id="rId10"/>
+    <p:sldId id="381" r:id="rId11"/>
+    <p:sldId id="371" r:id="rId12"/>
+    <p:sldId id="376" r:id="rId13"/>
+    <p:sldId id="375" r:id="rId14"/>
+    <p:sldId id="374" r:id="rId15"/>
+    <p:sldId id="370" r:id="rId16"/>
+    <p:sldId id="372" r:id="rId17"/>
+    <p:sldId id="373" r:id="rId18"/>
+    <p:sldId id="377" r:id="rId19"/>
+    <p:sldId id="279" r:id="rId20"/>
   </p:sldIdLst>
   <p:sldSz cx="9144000" cy="5143500" type="screen16x9"/>
   <p:notesSz cx="9925050" cy="6665913"/>
   <p:custDataLst>
-    <p:tags r:id="rId19"/>
+    <p:tags r:id="rId23"/>
   </p:custDataLst>
   <p:defaultTextStyle>
     <a:defPPr>
@@ -1030,7 +1034,7 @@
               <a:pPr>
                 <a:defRPr/>
               </a:pPr>
-              <a:t>3</a:t>
+              <a:t>2</a:t>
             </a:fld>
             <a:endParaRPr lang="en-GB"/>
           </a:p>
@@ -1039,7 +1043,7 @@
     </p:spTree>
     <p:extLst>
       <p:ext uri="{BB962C8B-B14F-4D97-AF65-F5344CB8AC3E}">
-        <p14:creationId xmlns:p14="http://schemas.microsoft.com/office/powerpoint/2010/main" val="252278236"/>
+        <p14:creationId xmlns:p14="http://schemas.microsoft.com/office/powerpoint/2010/main" val="2681794317"/>
       </p:ext>
     </p:extLst>
   </p:cSld>
@@ -1125,7 +1129,387 @@
               <a:pPr>
                 <a:defRPr/>
               </a:pPr>
-              <a:t>6</a:t>
+              <a:t>3</a:t>
+            </a:fld>
+            <a:endParaRPr lang="en-GB"/>
+          </a:p>
+        </p:txBody>
+      </p:sp>
+    </p:spTree>
+    <p:extLst>
+      <p:ext uri="{BB962C8B-B14F-4D97-AF65-F5344CB8AC3E}">
+        <p14:creationId xmlns:p14="http://schemas.microsoft.com/office/powerpoint/2010/main" val="2703758414"/>
+      </p:ext>
+    </p:extLst>
+  </p:cSld>
+  <p:clrMapOvr>
+    <a:masterClrMapping/>
+  </p:clrMapOvr>
+</p:notes>
+</file>
+
+<file path=ppt/notesSlides/notesSlide4.xml><?xml version="1.0" encoding="utf-8"?>
+<p:notes xmlns:a="http://schemas.openxmlformats.org/drawingml/2006/main" xmlns:r="http://schemas.openxmlformats.org/officeDocument/2006/relationships" xmlns:p="http://schemas.openxmlformats.org/presentationml/2006/main">
+  <p:cSld>
+    <p:spTree>
+      <p:nvGrpSpPr>
+        <p:cNvPr id="1" name=""/>
+        <p:cNvGrpSpPr/>
+        <p:nvPr/>
+      </p:nvGrpSpPr>
+      <p:grpSpPr>
+        <a:xfrm>
+          <a:off x="0" y="0"/>
+          <a:ext cx="0" cy="0"/>
+          <a:chOff x="0" y="0"/>
+          <a:chExt cx="0" cy="0"/>
+        </a:xfrm>
+      </p:grpSpPr>
+      <p:sp>
+        <p:nvSpPr>
+          <p:cNvPr id="2" name="Folienbildplatzhalter 1"/>
+          <p:cNvSpPr>
+            <a:spLocks noGrp="1" noRot="1" noChangeAspect="1"/>
+          </p:cNvSpPr>
+          <p:nvPr>
+            <p:ph type="sldImg"/>
+          </p:nvPr>
+        </p:nvSpPr>
+        <p:spPr>
+          <a:xfrm>
+            <a:off x="2740025" y="500063"/>
+            <a:ext cx="4445000" cy="2500312"/>
+          </a:xfrm>
+        </p:spPr>
+      </p:sp>
+      <p:sp>
+        <p:nvSpPr>
+          <p:cNvPr id="3" name="Notizenplatzhalter 2"/>
+          <p:cNvSpPr>
+            <a:spLocks noGrp="1"/>
+          </p:cNvSpPr>
+          <p:nvPr>
+            <p:ph type="body" idx="1"/>
+          </p:nvPr>
+        </p:nvSpPr>
+        <p:spPr/>
+        <p:txBody>
+          <a:bodyPr/>
+          <a:lstStyle/>
+          <a:p>
+            <a:endParaRPr lang="de-DE" dirty="0"/>
+          </a:p>
+        </p:txBody>
+      </p:sp>
+      <p:sp>
+        <p:nvSpPr>
+          <p:cNvPr id="4" name="Foliennummernplatzhalter 3"/>
+          <p:cNvSpPr>
+            <a:spLocks noGrp="1"/>
+          </p:cNvSpPr>
+          <p:nvPr>
+            <p:ph type="sldNum" sz="quarter" idx="5"/>
+          </p:nvPr>
+        </p:nvSpPr>
+        <p:spPr/>
+        <p:txBody>
+          <a:bodyPr/>
+          <a:lstStyle/>
+          <a:p>
+            <a:pPr>
+              <a:defRPr/>
+            </a:pPr>
+            <a:fld id="{00AFC6D0-44D5-4EB7-828F-6F464F83D79A}" type="slidenum">
+              <a:rPr lang="en-GB" smtClean="0"/>
+              <a:pPr>
+                <a:defRPr/>
+              </a:pPr>
+              <a:t>4</a:t>
+            </a:fld>
+            <a:endParaRPr lang="en-GB"/>
+          </a:p>
+        </p:txBody>
+      </p:sp>
+    </p:spTree>
+    <p:extLst>
+      <p:ext uri="{BB962C8B-B14F-4D97-AF65-F5344CB8AC3E}">
+        <p14:creationId xmlns:p14="http://schemas.microsoft.com/office/powerpoint/2010/main" val="515473603"/>
+      </p:ext>
+    </p:extLst>
+  </p:cSld>
+  <p:clrMapOvr>
+    <a:masterClrMapping/>
+  </p:clrMapOvr>
+</p:notes>
+</file>
+
+<file path=ppt/notesSlides/notesSlide5.xml><?xml version="1.0" encoding="utf-8"?>
+<p:notes xmlns:a="http://schemas.openxmlformats.org/drawingml/2006/main" xmlns:r="http://schemas.openxmlformats.org/officeDocument/2006/relationships" xmlns:p="http://schemas.openxmlformats.org/presentationml/2006/main">
+  <p:cSld>
+    <p:spTree>
+      <p:nvGrpSpPr>
+        <p:cNvPr id="1" name=""/>
+        <p:cNvGrpSpPr/>
+        <p:nvPr/>
+      </p:nvGrpSpPr>
+      <p:grpSpPr>
+        <a:xfrm>
+          <a:off x="0" y="0"/>
+          <a:ext cx="0" cy="0"/>
+          <a:chOff x="0" y="0"/>
+          <a:chExt cx="0" cy="0"/>
+        </a:xfrm>
+      </p:grpSpPr>
+      <p:sp>
+        <p:nvSpPr>
+          <p:cNvPr id="2" name="Folienbildplatzhalter 1"/>
+          <p:cNvSpPr>
+            <a:spLocks noGrp="1" noRot="1" noChangeAspect="1"/>
+          </p:cNvSpPr>
+          <p:nvPr>
+            <p:ph type="sldImg"/>
+          </p:nvPr>
+        </p:nvSpPr>
+        <p:spPr>
+          <a:xfrm>
+            <a:off x="2740025" y="500063"/>
+            <a:ext cx="4445000" cy="2500312"/>
+          </a:xfrm>
+        </p:spPr>
+      </p:sp>
+      <p:sp>
+        <p:nvSpPr>
+          <p:cNvPr id="3" name="Notizenplatzhalter 2"/>
+          <p:cNvSpPr>
+            <a:spLocks noGrp="1"/>
+          </p:cNvSpPr>
+          <p:nvPr>
+            <p:ph type="body" idx="1"/>
+          </p:nvPr>
+        </p:nvSpPr>
+        <p:spPr/>
+        <p:txBody>
+          <a:bodyPr/>
+          <a:lstStyle/>
+          <a:p>
+            <a:endParaRPr lang="de-DE" dirty="0"/>
+          </a:p>
+        </p:txBody>
+      </p:sp>
+      <p:sp>
+        <p:nvSpPr>
+          <p:cNvPr id="4" name="Foliennummernplatzhalter 3"/>
+          <p:cNvSpPr>
+            <a:spLocks noGrp="1"/>
+          </p:cNvSpPr>
+          <p:nvPr>
+            <p:ph type="sldNum" sz="quarter" idx="5"/>
+          </p:nvPr>
+        </p:nvSpPr>
+        <p:spPr/>
+        <p:txBody>
+          <a:bodyPr/>
+          <a:lstStyle/>
+          <a:p>
+            <a:pPr>
+              <a:defRPr/>
+            </a:pPr>
+            <a:fld id="{00AFC6D0-44D5-4EB7-828F-6F464F83D79A}" type="slidenum">
+              <a:rPr lang="en-GB" smtClean="0"/>
+              <a:pPr>
+                <a:defRPr/>
+              </a:pPr>
+              <a:t>5</a:t>
+            </a:fld>
+            <a:endParaRPr lang="en-GB"/>
+          </a:p>
+        </p:txBody>
+      </p:sp>
+    </p:spTree>
+    <p:extLst>
+      <p:ext uri="{BB962C8B-B14F-4D97-AF65-F5344CB8AC3E}">
+        <p14:creationId xmlns:p14="http://schemas.microsoft.com/office/powerpoint/2010/main" val="2937379131"/>
+      </p:ext>
+    </p:extLst>
+  </p:cSld>
+  <p:clrMapOvr>
+    <a:masterClrMapping/>
+  </p:clrMapOvr>
+</p:notes>
+</file>
+
+<file path=ppt/notesSlides/notesSlide6.xml><?xml version="1.0" encoding="utf-8"?>
+<p:notes xmlns:a="http://schemas.openxmlformats.org/drawingml/2006/main" xmlns:r="http://schemas.openxmlformats.org/officeDocument/2006/relationships" xmlns:p="http://schemas.openxmlformats.org/presentationml/2006/main">
+  <p:cSld>
+    <p:spTree>
+      <p:nvGrpSpPr>
+        <p:cNvPr id="1" name=""/>
+        <p:cNvGrpSpPr/>
+        <p:nvPr/>
+      </p:nvGrpSpPr>
+      <p:grpSpPr>
+        <a:xfrm>
+          <a:off x="0" y="0"/>
+          <a:ext cx="0" cy="0"/>
+          <a:chOff x="0" y="0"/>
+          <a:chExt cx="0" cy="0"/>
+        </a:xfrm>
+      </p:grpSpPr>
+      <p:sp>
+        <p:nvSpPr>
+          <p:cNvPr id="2" name="Folienbildplatzhalter 1"/>
+          <p:cNvSpPr>
+            <a:spLocks noGrp="1" noRot="1" noChangeAspect="1"/>
+          </p:cNvSpPr>
+          <p:nvPr>
+            <p:ph type="sldImg"/>
+          </p:nvPr>
+        </p:nvSpPr>
+        <p:spPr>
+          <a:xfrm>
+            <a:off x="2740025" y="500063"/>
+            <a:ext cx="4445000" cy="2500312"/>
+          </a:xfrm>
+        </p:spPr>
+      </p:sp>
+      <p:sp>
+        <p:nvSpPr>
+          <p:cNvPr id="3" name="Notizenplatzhalter 2"/>
+          <p:cNvSpPr>
+            <a:spLocks noGrp="1"/>
+          </p:cNvSpPr>
+          <p:nvPr>
+            <p:ph type="body" idx="1"/>
+          </p:nvPr>
+        </p:nvSpPr>
+        <p:spPr/>
+        <p:txBody>
+          <a:bodyPr/>
+          <a:lstStyle/>
+          <a:p>
+            <a:endParaRPr lang="de-DE" dirty="0"/>
+          </a:p>
+        </p:txBody>
+      </p:sp>
+      <p:sp>
+        <p:nvSpPr>
+          <p:cNvPr id="4" name="Foliennummernplatzhalter 3"/>
+          <p:cNvSpPr>
+            <a:spLocks noGrp="1"/>
+          </p:cNvSpPr>
+          <p:nvPr>
+            <p:ph type="sldNum" sz="quarter" idx="5"/>
+          </p:nvPr>
+        </p:nvSpPr>
+        <p:spPr/>
+        <p:txBody>
+          <a:bodyPr/>
+          <a:lstStyle/>
+          <a:p>
+            <a:pPr>
+              <a:defRPr/>
+            </a:pPr>
+            <a:fld id="{00AFC6D0-44D5-4EB7-828F-6F464F83D79A}" type="slidenum">
+              <a:rPr lang="en-GB" smtClean="0"/>
+              <a:pPr>
+                <a:defRPr/>
+              </a:pPr>
+              <a:t>7</a:t>
+            </a:fld>
+            <a:endParaRPr lang="en-GB"/>
+          </a:p>
+        </p:txBody>
+      </p:sp>
+    </p:spTree>
+    <p:extLst>
+      <p:ext uri="{BB962C8B-B14F-4D97-AF65-F5344CB8AC3E}">
+        <p14:creationId xmlns:p14="http://schemas.microsoft.com/office/powerpoint/2010/main" val="252278236"/>
+      </p:ext>
+    </p:extLst>
+  </p:cSld>
+  <p:clrMapOvr>
+    <a:masterClrMapping/>
+  </p:clrMapOvr>
+</p:notes>
+</file>
+
+<file path=ppt/notesSlides/notesSlide7.xml><?xml version="1.0" encoding="utf-8"?>
+<p:notes xmlns:a="http://schemas.openxmlformats.org/drawingml/2006/main" xmlns:r="http://schemas.openxmlformats.org/officeDocument/2006/relationships" xmlns:p="http://schemas.openxmlformats.org/presentationml/2006/main">
+  <p:cSld>
+    <p:spTree>
+      <p:nvGrpSpPr>
+        <p:cNvPr id="1" name=""/>
+        <p:cNvGrpSpPr/>
+        <p:nvPr/>
+      </p:nvGrpSpPr>
+      <p:grpSpPr>
+        <a:xfrm>
+          <a:off x="0" y="0"/>
+          <a:ext cx="0" cy="0"/>
+          <a:chOff x="0" y="0"/>
+          <a:chExt cx="0" cy="0"/>
+        </a:xfrm>
+      </p:grpSpPr>
+      <p:sp>
+        <p:nvSpPr>
+          <p:cNvPr id="2" name="Folienbildplatzhalter 1"/>
+          <p:cNvSpPr>
+            <a:spLocks noGrp="1" noRot="1" noChangeAspect="1"/>
+          </p:cNvSpPr>
+          <p:nvPr>
+            <p:ph type="sldImg"/>
+          </p:nvPr>
+        </p:nvSpPr>
+        <p:spPr>
+          <a:xfrm>
+            <a:off x="2740025" y="500063"/>
+            <a:ext cx="4445000" cy="2500312"/>
+          </a:xfrm>
+        </p:spPr>
+      </p:sp>
+      <p:sp>
+        <p:nvSpPr>
+          <p:cNvPr id="3" name="Notizenplatzhalter 2"/>
+          <p:cNvSpPr>
+            <a:spLocks noGrp="1"/>
+          </p:cNvSpPr>
+          <p:nvPr>
+            <p:ph type="body" idx="1"/>
+          </p:nvPr>
+        </p:nvSpPr>
+        <p:spPr/>
+        <p:txBody>
+          <a:bodyPr/>
+          <a:lstStyle/>
+          <a:p>
+            <a:endParaRPr lang="de-DE" dirty="0"/>
+          </a:p>
+        </p:txBody>
+      </p:sp>
+      <p:sp>
+        <p:nvSpPr>
+          <p:cNvPr id="4" name="Foliennummernplatzhalter 3"/>
+          <p:cNvSpPr>
+            <a:spLocks noGrp="1"/>
+          </p:cNvSpPr>
+          <p:nvPr>
+            <p:ph type="sldNum" sz="quarter" idx="5"/>
+          </p:nvPr>
+        </p:nvSpPr>
+        <p:spPr/>
+        <p:txBody>
+          <a:bodyPr/>
+          <a:lstStyle/>
+          <a:p>
+            <a:pPr>
+              <a:defRPr/>
+            </a:pPr>
+            <a:fld id="{00AFC6D0-44D5-4EB7-828F-6F464F83D79A}" type="slidenum">
+              <a:rPr lang="en-GB" smtClean="0"/>
+              <a:pPr>
+                <a:defRPr/>
+              </a:pPr>
+              <a:t>10</a:t>
             </a:fld>
             <a:endParaRPr lang="en-GB"/>
           </a:p>
@@ -8187,559 +8571,6 @@
       </p:grpSpPr>
       <p:sp>
         <p:nvSpPr>
-          <p:cNvPr id="180" name="Freeform 180"/>
-          <p:cNvSpPr/>
-          <p:nvPr/>
-        </p:nvSpPr>
-        <p:spPr>
-          <a:xfrm>
-            <a:off x="8210550" y="311150"/>
-            <a:ext cx="603250" cy="323850"/>
-          </a:xfrm>
-          <a:custGeom>
-            <a:avLst/>
-            <a:gdLst>
-              <a:gd name="connsiteX0" fmla="*/ 8308 w 603250"/>
-              <a:gd name="connsiteY0" fmla="*/ 13394 h 323850"/>
-              <a:gd name="connsiteX1" fmla="*/ 245253 w 603250"/>
-              <a:gd name="connsiteY1" fmla="*/ 13394 h 323850"/>
-              <a:gd name="connsiteX2" fmla="*/ 245254 w 603250"/>
-              <a:gd name="connsiteY2" fmla="*/ 274824 h 323850"/>
-              <a:gd name="connsiteX3" fmla="*/ 310553 w 603250"/>
-              <a:gd name="connsiteY3" fmla="*/ 274824 h 323850"/>
-              <a:gd name="connsiteX4" fmla="*/ 310553 w 603250"/>
-              <a:gd name="connsiteY4" fmla="*/ 13394 h 323850"/>
-              <a:gd name="connsiteX5" fmla="*/ 613305 w 603250"/>
-              <a:gd name="connsiteY5" fmla="*/ 13394 h 323850"/>
-              <a:gd name="connsiteX6" fmla="*/ 613305 w 603250"/>
-              <a:gd name="connsiteY6" fmla="*/ 331987 h 323850"/>
-              <a:gd name="connsiteX7" fmla="*/ 556135 w 603250"/>
-              <a:gd name="connsiteY7" fmla="*/ 331987 h 323850"/>
-              <a:gd name="connsiteX8" fmla="*/ 556135 w 603250"/>
-              <a:gd name="connsiteY8" fmla="*/ 70559 h 323850"/>
-              <a:gd name="connsiteX9" fmla="*/ 490453 w 603250"/>
-              <a:gd name="connsiteY9" fmla="*/ 70559 h 323850"/>
-              <a:gd name="connsiteX10" fmla="*/ 490454 w 603250"/>
-              <a:gd name="connsiteY10" fmla="*/ 331987 h 323850"/>
-              <a:gd name="connsiteX11" fmla="*/ 433283 w 603250"/>
-              <a:gd name="connsiteY11" fmla="*/ 331987 h 323850"/>
-              <a:gd name="connsiteX12" fmla="*/ 433283 w 603250"/>
-              <a:gd name="connsiteY12" fmla="*/ 70559 h 323850"/>
-              <a:gd name="connsiteX13" fmla="*/ 367724 w 603250"/>
-              <a:gd name="connsiteY13" fmla="*/ 70558 h 323850"/>
-              <a:gd name="connsiteX14" fmla="*/ 367724 w 603250"/>
-              <a:gd name="connsiteY14" fmla="*/ 331987 h 323850"/>
-              <a:gd name="connsiteX15" fmla="*/ 187951 w 603250"/>
-              <a:gd name="connsiteY15" fmla="*/ 331987 h 323850"/>
-              <a:gd name="connsiteX16" fmla="*/ 187951 w 603250"/>
-              <a:gd name="connsiteY16" fmla="*/ 70558 h 323850"/>
-              <a:gd name="connsiteX17" fmla="*/ 122651 w 603250"/>
-              <a:gd name="connsiteY17" fmla="*/ 70558 h 323850"/>
-              <a:gd name="connsiteX18" fmla="*/ 122651 w 603250"/>
-              <a:gd name="connsiteY18" fmla="*/ 331987 h 323850"/>
-              <a:gd name="connsiteX19" fmla="*/ 65481 w 603250"/>
-              <a:gd name="connsiteY19" fmla="*/ 331987 h 323850"/>
-              <a:gd name="connsiteX20" fmla="*/ 65480 w 603250"/>
-              <a:gd name="connsiteY20" fmla="*/ 70558 h 323850"/>
-              <a:gd name="connsiteX21" fmla="*/ 8308 w 603250"/>
-              <a:gd name="connsiteY21" fmla="*/ 70558 h 323850"/>
-              <a:gd name="connsiteX22" fmla="*/ 8308 w 603250"/>
-              <a:gd name="connsiteY22" fmla="*/ 13394 h 323850"/>
-            </a:gdLst>
-            <a:ahLst/>
-            <a:cxnLst>
-              <a:cxn ang="0">
-                <a:pos x="connsiteX0" y="connsiteY0"/>
-              </a:cxn>
-              <a:cxn ang="0">
-                <a:pos x="connsiteX1" y="connsiteY1"/>
-              </a:cxn>
-              <a:cxn ang="0">
-                <a:pos x="connsiteX2" y="connsiteY2"/>
-              </a:cxn>
-              <a:cxn ang="0">
-                <a:pos x="connsiteX3" y="connsiteY3"/>
-              </a:cxn>
-              <a:cxn ang="0">
-                <a:pos x="connsiteX4" y="connsiteY4"/>
-              </a:cxn>
-              <a:cxn ang="0">
-                <a:pos x="connsiteX5" y="connsiteY5"/>
-              </a:cxn>
-              <a:cxn ang="0">
-                <a:pos x="connsiteX6" y="connsiteY6"/>
-              </a:cxn>
-              <a:cxn ang="0">
-                <a:pos x="connsiteX7" y="connsiteY7"/>
-              </a:cxn>
-              <a:cxn ang="0">
-                <a:pos x="connsiteX8" y="connsiteY8"/>
-              </a:cxn>
-              <a:cxn ang="0">
-                <a:pos x="connsiteX9" y="connsiteY9"/>
-              </a:cxn>
-              <a:cxn ang="0">
-                <a:pos x="connsiteX10" y="connsiteY10"/>
-              </a:cxn>
-              <a:cxn ang="0">
-                <a:pos x="connsiteX11" y="connsiteY11"/>
-              </a:cxn>
-              <a:cxn ang="0">
-                <a:pos x="connsiteX12" y="connsiteY12"/>
-              </a:cxn>
-              <a:cxn ang="0">
-                <a:pos x="connsiteX13" y="connsiteY13"/>
-              </a:cxn>
-              <a:cxn ang="0">
-                <a:pos x="connsiteX14" y="connsiteY14"/>
-              </a:cxn>
-              <a:cxn ang="0">
-                <a:pos x="connsiteX15" y="connsiteY15"/>
-              </a:cxn>
-              <a:cxn ang="0">
-                <a:pos x="connsiteX16" y="connsiteY16"/>
-              </a:cxn>
-              <a:cxn ang="0">
-                <a:pos x="connsiteX17" y="connsiteY17"/>
-              </a:cxn>
-              <a:cxn ang="0">
-                <a:pos x="connsiteX18" y="connsiteY18"/>
-              </a:cxn>
-              <a:cxn ang="0">
-                <a:pos x="connsiteX19" y="connsiteY19"/>
-              </a:cxn>
-              <a:cxn ang="0">
-                <a:pos x="connsiteX20" y="connsiteY20"/>
-              </a:cxn>
-              <a:cxn ang="0">
-                <a:pos x="connsiteX21" y="connsiteY21"/>
-              </a:cxn>
-              <a:cxn ang="0">
-                <a:pos x="connsiteX22" y="connsiteY22"/>
-              </a:cxn>
-            </a:cxnLst>
-            <a:rect l="l" t="t" r="r" b="b"/>
-            <a:pathLst>
-              <a:path w="603250" h="323850">
-                <a:moveTo>
-                  <a:pt x="8308" y="13394"/>
-                </a:moveTo>
-                <a:lnTo>
-                  <a:pt x="245253" y="13394"/>
-                </a:lnTo>
-                <a:lnTo>
-                  <a:pt x="245254" y="274824"/>
-                </a:lnTo>
-                <a:lnTo>
-                  <a:pt x="310553" y="274824"/>
-                </a:lnTo>
-                <a:lnTo>
-                  <a:pt x="310553" y="13394"/>
-                </a:lnTo>
-                <a:lnTo>
-                  <a:pt x="613305" y="13394"/>
-                </a:lnTo>
-                <a:lnTo>
-                  <a:pt x="613305" y="331987"/>
-                </a:lnTo>
-                <a:lnTo>
-                  <a:pt x="556135" y="331987"/>
-                </a:lnTo>
-                <a:lnTo>
-                  <a:pt x="556135" y="70559"/>
-                </a:lnTo>
-                <a:lnTo>
-                  <a:pt x="490453" y="70559"/>
-                </a:lnTo>
-                <a:lnTo>
-                  <a:pt x="490454" y="331987"/>
-                </a:lnTo>
-                <a:lnTo>
-                  <a:pt x="433283" y="331987"/>
-                </a:lnTo>
-                <a:lnTo>
-                  <a:pt x="433283" y="70559"/>
-                </a:lnTo>
-                <a:lnTo>
-                  <a:pt x="367724" y="70558"/>
-                </a:lnTo>
-                <a:lnTo>
-                  <a:pt x="367724" y="331987"/>
-                </a:lnTo>
-                <a:lnTo>
-                  <a:pt x="187951" y="331987"/>
-                </a:lnTo>
-                <a:lnTo>
-                  <a:pt x="187951" y="70558"/>
-                </a:lnTo>
-                <a:lnTo>
-                  <a:pt x="122651" y="70558"/>
-                </a:lnTo>
-                <a:lnTo>
-                  <a:pt x="122651" y="331987"/>
-                </a:lnTo>
-                <a:lnTo>
-                  <a:pt x="65481" y="331987"/>
-                </a:lnTo>
-                <a:lnTo>
-                  <a:pt x="65480" y="70558"/>
-                </a:lnTo>
-                <a:lnTo>
-                  <a:pt x="8308" y="70558"/>
-                </a:lnTo>
-                <a:lnTo>
-                  <a:pt x="8308" y="13394"/>
-                </a:lnTo>
-                <a:close/>
-              </a:path>
-            </a:pathLst>
-          </a:custGeom>
-          <a:solidFill>
-            <a:srgbClr val="0063BB">
-              <a:alpha val="100000"/>
-            </a:srgbClr>
-          </a:solidFill>
-          <a:ln w="12700">
-            <a:solidFill>
-              <a:srgbClr val="000000">
-                <a:alpha val="0"/>
-              </a:srgbClr>
-            </a:solidFill>
-          </a:ln>
-          <a:effectLst/>
-        </p:spPr>
-        <p:style>
-          <a:lnRef idx="2">
-            <a:schemeClr val="accent1"/>
-          </a:lnRef>
-          <a:fillRef idx="0">
-            <a:schemeClr val="accent1"/>
-          </a:fillRef>
-          <a:effectRef idx="1">
-            <a:schemeClr val="accent1"/>
-          </a:effectRef>
-          <a:fontRef idx="minor">
-            <a:schemeClr val="tx1"/>
-          </a:fontRef>
-        </p:style>
-        <p:txBody>
-          <a:bodyPr rtlCol="0" anchor="ctr"/>
-          <a:lstStyle/>
-          <a:p>
-            <a:pPr algn="ctr"/>
-            <a:endParaRPr lang="en-US"/>
-          </a:p>
-        </p:txBody>
-      </p:sp>
-      <p:pic>
-        <p:nvPicPr>
-          <p:cNvPr id="182" name="Picture 182"/>
-          <p:cNvPicPr>
-            <a:picLocks noChangeAspect="1"/>
-          </p:cNvPicPr>
-          <p:nvPr/>
-        </p:nvPicPr>
-        <p:blipFill>
-          <a:blip r:embed="rId2"/>
-          <a:stretch>
-            <a:fillRect/>
-          </a:stretch>
-        </p:blipFill>
-        <p:spPr>
-          <a:xfrm>
-            <a:off x="4960620" y="1455420"/>
-            <a:ext cx="3855720" cy="3375660"/>
-          </a:xfrm>
-          <a:prstGeom prst="rect">
-            <a:avLst/>
-          </a:prstGeom>
-        </p:spPr>
-      </p:pic>
-      <p:sp>
-        <p:nvSpPr>
-          <p:cNvPr id="2" name="TextBox 182"/>
-          <p:cNvSpPr txBox="1"/>
-          <p:nvPr/>
-        </p:nvSpPr>
-        <p:spPr>
-          <a:xfrm>
-            <a:off x="319125" y="970434"/>
-            <a:ext cx="5156206" cy="1468159"/>
-          </a:xfrm>
-          <a:prstGeom prst="rect">
-            <a:avLst/>
-          </a:prstGeom>
-          <a:noFill/>
-        </p:spPr>
-        <p:txBody>
-          <a:bodyPr wrap="square" lIns="0" tIns="0" rIns="0" bIns="0" rtlCol="0">
-            <a:spAutoFit/>
-          </a:bodyPr>
-          <a:lstStyle/>
-          <a:p>
-            <a:pPr marL="0">
-              <a:lnSpc>
-                <a:spcPct val="100000"/>
-              </a:lnSpc>
-            </a:pPr>
-            <a:r>
-              <a:rPr lang="en-US" altLang="zh-CN" sz="2500" dirty="0" err="1">
-                <a:solidFill>
-                  <a:srgbClr val="000000"/>
-                </a:solidFill>
-                <a:latin typeface="Arial"/>
-                <a:ea typeface="Arial"/>
-              </a:rPr>
-              <a:t>Vielen</a:t>
-            </a:r>
-            <a:r>
-              <a:rPr lang="en-US" altLang="zh-CN" sz="2500" spc="-55" dirty="0">
-                <a:solidFill>
-                  <a:srgbClr val="000000"/>
-                </a:solidFill>
-                <a:latin typeface="Arial"/>
-                <a:cs typeface="Arial"/>
-              </a:rPr>
-              <a:t> </a:t>
-            </a:r>
-            <a:r>
-              <a:rPr lang="en-US" altLang="zh-CN" sz="2500" dirty="0">
-                <a:solidFill>
-                  <a:srgbClr val="000000"/>
-                </a:solidFill>
-                <a:latin typeface="Arial"/>
-                <a:ea typeface="Arial"/>
-              </a:rPr>
-              <a:t>Dank</a:t>
-            </a:r>
-            <a:r>
-              <a:rPr lang="en-US" altLang="zh-CN" sz="2500" spc="-55" dirty="0">
-                <a:solidFill>
-                  <a:srgbClr val="000000"/>
-                </a:solidFill>
-                <a:latin typeface="Arial"/>
-                <a:cs typeface="Arial"/>
-              </a:rPr>
-              <a:t> </a:t>
-            </a:r>
-            <a:r>
-              <a:rPr lang="en-US" altLang="zh-CN" sz="2500" dirty="0" err="1">
-                <a:solidFill>
-                  <a:srgbClr val="000000"/>
-                </a:solidFill>
-                <a:latin typeface="Arial"/>
-                <a:ea typeface="Arial"/>
-              </a:rPr>
-              <a:t>für</a:t>
-            </a:r>
-            <a:r>
-              <a:rPr lang="en-US" altLang="zh-CN" sz="2500" spc="-55" dirty="0">
-                <a:solidFill>
-                  <a:srgbClr val="000000"/>
-                </a:solidFill>
-                <a:latin typeface="Arial"/>
-                <a:cs typeface="Arial"/>
-              </a:rPr>
-              <a:t> </a:t>
-            </a:r>
-            <a:r>
-              <a:rPr lang="en-US" altLang="zh-CN" sz="2500" dirty="0" err="1">
-                <a:solidFill>
-                  <a:srgbClr val="000000"/>
-                </a:solidFill>
-                <a:latin typeface="Arial"/>
-                <a:ea typeface="Arial"/>
-              </a:rPr>
-              <a:t>Ihre</a:t>
-            </a:r>
-            <a:r>
-              <a:rPr lang="en-US" altLang="zh-CN" sz="2500" spc="-60" dirty="0">
-                <a:solidFill>
-                  <a:srgbClr val="000000"/>
-                </a:solidFill>
-                <a:latin typeface="Arial"/>
-                <a:cs typeface="Arial"/>
-              </a:rPr>
-              <a:t> </a:t>
-            </a:r>
-            <a:r>
-              <a:rPr lang="en-US" altLang="zh-CN" sz="2500" dirty="0" err="1">
-                <a:solidFill>
-                  <a:srgbClr val="000000"/>
-                </a:solidFill>
-                <a:latin typeface="Arial"/>
-                <a:ea typeface="Arial"/>
-              </a:rPr>
-              <a:t>Aufmerksamkeit</a:t>
-            </a:r>
-            <a:endParaRPr lang="en-US" altLang="zh-CN" sz="2500" dirty="0">
-              <a:solidFill>
-                <a:srgbClr val="000000"/>
-              </a:solidFill>
-              <a:latin typeface="Arial"/>
-              <a:ea typeface="Arial"/>
-            </a:endParaRPr>
-          </a:p>
-          <a:p>
-            <a:pPr>
-              <a:lnSpc>
-                <a:spcPts val="1169"/>
-              </a:lnSpc>
-            </a:pPr>
-            <a:endParaRPr lang="en-US" dirty="0"/>
-          </a:p>
-          <a:p>
-            <a:pPr hangingPunct="0">
-              <a:lnSpc>
-                <a:spcPct val="150000"/>
-              </a:lnSpc>
-            </a:pPr>
-            <a:r>
-              <a:rPr lang="de-DE" sz="1400" dirty="0"/>
-              <a:t>Lorenzo </a:t>
-            </a:r>
-            <a:r>
-              <a:rPr lang="de-DE" sz="1400" dirty="0" err="1"/>
-              <a:t>Brazzi</a:t>
-            </a:r>
-            <a:r>
-              <a:rPr lang="de-DE" sz="1400" dirty="0"/>
-              <a:t>, Ikbal </a:t>
-            </a:r>
-            <a:r>
-              <a:rPr lang="de-DE" sz="1400" dirty="0" err="1"/>
-              <a:t>Yesiltas</a:t>
-            </a:r>
-            <a:r>
-              <a:rPr lang="de-DE" sz="1400" dirty="0"/>
-              <a:t>, Patrick Reto, Markus Zuber</a:t>
-            </a:r>
-            <a:br>
-              <a:rPr dirty="0"/>
-            </a:br>
-            <a:r>
-              <a:rPr lang="en-US" altLang="zh-CN" sz="1400" spc="-10" dirty="0" err="1">
-                <a:solidFill>
-                  <a:srgbClr val="000000"/>
-                </a:solidFill>
-                <a:latin typeface="Arial"/>
-                <a:ea typeface="Arial"/>
-              </a:rPr>
-              <a:t>Technische</a:t>
-            </a:r>
-            <a:r>
-              <a:rPr lang="en-US" altLang="zh-CN" sz="1400" spc="-5" dirty="0">
-                <a:solidFill>
-                  <a:srgbClr val="000000"/>
-                </a:solidFill>
-                <a:latin typeface="Arial"/>
-                <a:cs typeface="Arial"/>
-              </a:rPr>
-              <a:t> </a:t>
-            </a:r>
-            <a:r>
-              <a:rPr lang="en-US" altLang="zh-CN" sz="1400" spc="-5" dirty="0">
-                <a:solidFill>
-                  <a:srgbClr val="000000"/>
-                </a:solidFill>
-                <a:latin typeface="Arial"/>
-                <a:ea typeface="Arial"/>
-              </a:rPr>
-              <a:t>Universität</a:t>
-            </a:r>
-            <a:r>
-              <a:rPr lang="en-US" altLang="zh-CN" sz="1400" spc="-15" dirty="0">
-                <a:solidFill>
-                  <a:srgbClr val="000000"/>
-                </a:solidFill>
-                <a:latin typeface="Arial"/>
-                <a:cs typeface="Arial"/>
-              </a:rPr>
-              <a:t> </a:t>
-            </a:r>
-            <a:r>
-              <a:rPr lang="en-US" altLang="zh-CN" sz="1400" spc="-10" dirty="0">
-                <a:solidFill>
-                  <a:srgbClr val="000000"/>
-                </a:solidFill>
-                <a:latin typeface="Arial"/>
-                <a:ea typeface="Arial"/>
-              </a:rPr>
-              <a:t>München</a:t>
-            </a:r>
-            <a:r>
-              <a:rPr lang="en-US" altLang="zh-CN" sz="1400" dirty="0">
-                <a:solidFill>
-                  <a:srgbClr val="000000"/>
-                </a:solidFill>
-                <a:latin typeface="Arial"/>
-                <a:cs typeface="Arial"/>
-              </a:rPr>
-              <a:t> </a:t>
-            </a:r>
-            <a:br>
-              <a:rPr dirty="0"/>
-            </a:br>
-            <a:r>
-              <a:rPr lang="en-US" altLang="zh-CN" sz="1400" dirty="0">
-                <a:solidFill>
-                  <a:srgbClr val="000000"/>
-                </a:solidFill>
-                <a:latin typeface="Arial"/>
-                <a:ea typeface="Arial"/>
-              </a:rPr>
-              <a:t>München,</a:t>
-            </a:r>
-            <a:r>
-              <a:rPr lang="en-US" altLang="zh-CN" sz="1400" dirty="0">
-                <a:solidFill>
-                  <a:srgbClr val="000000"/>
-                </a:solidFill>
-                <a:latin typeface="Arial"/>
-                <a:cs typeface="Arial"/>
-              </a:rPr>
-              <a:t> </a:t>
-            </a:r>
-            <a:r>
-              <a:rPr lang="en-US" altLang="zh-CN" sz="1400" dirty="0">
-                <a:solidFill>
-                  <a:srgbClr val="000000"/>
-                </a:solidFill>
-                <a:latin typeface="Arial"/>
-                <a:ea typeface="Arial"/>
-              </a:rPr>
-              <a:t>28.11.2019</a:t>
-            </a:r>
-          </a:p>
-        </p:txBody>
-      </p:sp>
-    </p:spTree>
-  </p:cSld>
-  <p:clrMapOvr>
-    <a:masterClrMapping/>
-  </p:clrMapOvr>
-</p:sld>
-</file>
-
-<file path=ppt/slides/slide2.xml><?xml version="1.0" encoding="utf-8"?>
-<p:sld xmlns:a="http://schemas.openxmlformats.org/drawingml/2006/main" xmlns:r="http://schemas.openxmlformats.org/officeDocument/2006/relationships" xmlns:p="http://schemas.openxmlformats.org/presentationml/2006/main">
-  <p:cSld>
-    <p:spTree>
-      <p:nvGrpSpPr>
-        <p:cNvPr id="1" name=""/>
-        <p:cNvGrpSpPr/>
-        <p:nvPr/>
-      </p:nvGrpSpPr>
-      <p:grpSpPr>
-        <a:xfrm>
-          <a:off x="0" y="0"/>
-          <a:ext cx="0" cy="0"/>
-          <a:chOff x="0" y="0"/>
-          <a:chExt cx="0" cy="0"/>
-        </a:xfrm>
-      </p:grpSpPr>
-      <p:sp>
-        <p:nvSpPr>
           <p:cNvPr id="4" name="Foliennummernplatzhalter 3"/>
           <p:cNvSpPr>
             <a:spLocks noGrp="1"/>
@@ -8756,700 +8587,7 @@
             <a:fld id="{CE58CB1E-F828-4F11-99E0-327109AF9DA4}" type="slidenum">
               <a:rPr lang="de-DE" smtClean="0"/>
               <a:pPr/>
-              <a:t>2</a:t>
-            </a:fld>
-            <a:endParaRPr lang="de-DE" dirty="0"/>
-          </a:p>
-        </p:txBody>
-      </p:sp>
-      <p:sp>
-        <p:nvSpPr>
-          <p:cNvPr id="6" name="Fußzeilenplatzhalter 4"/>
-          <p:cNvSpPr>
-            <a:spLocks noGrp="1"/>
-          </p:cNvSpPr>
-          <p:nvPr>
-            <p:ph type="ftr" sz="quarter" idx="12"/>
-          </p:nvPr>
-        </p:nvSpPr>
-        <p:spPr/>
-        <p:txBody>
-          <a:bodyPr/>
-          <a:lstStyle/>
-          <a:p>
-            <a:r>
-              <a:rPr lang="en-US" dirty="0" err="1"/>
-              <a:t>Xlink</a:t>
-            </a:r>
-            <a:r>
-              <a:rPr lang="en-US" dirty="0"/>
-              <a:t> | </a:t>
-            </a:r>
-            <a:r>
-              <a:rPr lang="en-US" dirty="0" err="1"/>
-              <a:t>DocBook</a:t>
-            </a:r>
-            <a:r>
-              <a:rPr lang="en-US" dirty="0"/>
-              <a:t> </a:t>
-            </a:r>
-            <a:r>
-              <a:rPr lang="en-US" dirty="0" err="1"/>
-              <a:t>Dokumentation</a:t>
-            </a:r>
-            <a:endParaRPr lang="en-US" dirty="0"/>
-          </a:p>
-        </p:txBody>
-      </p:sp>
-      <p:sp>
-        <p:nvSpPr>
-          <p:cNvPr id="3" name="Titel 2"/>
-          <p:cNvSpPr>
-            <a:spLocks noGrp="1"/>
-          </p:cNvSpPr>
-          <p:nvPr>
-            <p:ph type="title"/>
-          </p:nvPr>
-        </p:nvSpPr>
-        <p:spPr>
-          <a:xfrm>
-            <a:off x="319091" y="745751"/>
-            <a:ext cx="8508999" cy="307777"/>
-          </a:xfrm>
-          <a:prstGeom prst="rect">
-            <a:avLst/>
-          </a:prstGeom>
-        </p:spPr>
-        <p:txBody>
-          <a:bodyPr/>
-          <a:lstStyle/>
-          <a:p>
-            <a:pPr algn="ctr"/>
-            <a:endParaRPr lang="de-DE" dirty="0"/>
-          </a:p>
-        </p:txBody>
-      </p:sp>
-      <p:sp>
-        <p:nvSpPr>
-          <p:cNvPr id="2" name="Textfeld 1">
-            <a:extLst>
-              <a:ext uri="{FF2B5EF4-FFF2-40B4-BE49-F238E27FC236}">
-                <a16:creationId xmlns:a16="http://schemas.microsoft.com/office/drawing/2014/main" id="{B78A35C3-FC4F-C946-A075-804AE4869859}"/>
-              </a:ext>
-            </a:extLst>
-          </p:cNvPr>
-          <p:cNvSpPr txBox="1"/>
-          <p:nvPr/>
-        </p:nvSpPr>
-        <p:spPr>
-          <a:xfrm>
-            <a:off x="755374" y="1804946"/>
-            <a:ext cx="7506031" cy="818686"/>
-          </a:xfrm>
-          <a:prstGeom prst="rect">
-            <a:avLst/>
-          </a:prstGeom>
-          <a:noFill/>
-        </p:spPr>
-        <p:txBody>
-          <a:bodyPr wrap="square" lIns="0" tIns="0" rIns="0" bIns="0" rtlCol="0">
-            <a:spAutoFit/>
-          </a:bodyPr>
-          <a:lstStyle/>
-          <a:p>
-            <a:pPr>
-              <a:lnSpc>
-                <a:spcPct val="114000"/>
-              </a:lnSpc>
-            </a:pPr>
-            <a:r>
-              <a:rPr lang="de-DE" sz="1600" dirty="0">
-                <a:latin typeface="+mn-lt"/>
-              </a:rPr>
-              <a:t>Wir haben das </a:t>
-            </a:r>
-            <a:r>
-              <a:rPr lang="de-DE" sz="1600" dirty="0" err="1">
-                <a:latin typeface="+mn-lt"/>
-              </a:rPr>
-              <a:t>DocBook</a:t>
-            </a:r>
-            <a:r>
-              <a:rPr lang="de-DE" sz="1600" dirty="0">
-                <a:latin typeface="+mn-lt"/>
-              </a:rPr>
-              <a:t> so aufgebaut dass wir die Technologie die wir benutzt haben (XML, XSLT, </a:t>
-            </a:r>
-            <a:r>
-              <a:rPr lang="de-DE" sz="1600" dirty="0" err="1">
-                <a:latin typeface="+mn-lt"/>
-              </a:rPr>
-              <a:t>xQuery</a:t>
-            </a:r>
-            <a:r>
-              <a:rPr lang="de-DE" sz="1600" dirty="0">
-                <a:latin typeface="+mn-lt"/>
-              </a:rPr>
-              <a:t>, </a:t>
-            </a:r>
-            <a:r>
-              <a:rPr lang="de-DE" sz="1600" dirty="0" err="1">
-                <a:latin typeface="+mn-lt"/>
-              </a:rPr>
-              <a:t>xPath</a:t>
-            </a:r>
-            <a:r>
-              <a:rPr lang="de-DE" sz="1600" dirty="0">
-                <a:latin typeface="+mn-lt"/>
-              </a:rPr>
-              <a:t>) erstmal vorgestellt haben</a:t>
-            </a:r>
-          </a:p>
-          <a:p>
-            <a:pPr>
-              <a:lnSpc>
-                <a:spcPct val="114000"/>
-              </a:lnSpc>
-            </a:pPr>
-            <a:r>
-              <a:rPr lang="de-DE" sz="1600" dirty="0">
-                <a:latin typeface="+mn-lt"/>
-                <a:sym typeface="Wingdings" pitchFamily="2" charset="2"/>
-              </a:rPr>
-              <a:t> Dazu findet man </a:t>
-            </a:r>
-            <a:r>
-              <a:rPr lang="de-DE" sz="1600" dirty="0" err="1">
-                <a:latin typeface="+mn-lt"/>
-                <a:sym typeface="Wingdings" pitchFamily="2" charset="2"/>
-              </a:rPr>
-              <a:t>screenshots</a:t>
-            </a:r>
-            <a:r>
-              <a:rPr lang="de-DE" sz="1600" dirty="0">
-                <a:latin typeface="+mn-lt"/>
-                <a:sym typeface="Wingdings" pitchFamily="2" charset="2"/>
-              </a:rPr>
-              <a:t> auf den folgenden Seiten</a:t>
-            </a:r>
-            <a:endParaRPr lang="de-DE" sz="1600" dirty="0">
-              <a:latin typeface="+mn-lt"/>
-            </a:endParaRPr>
-          </a:p>
-        </p:txBody>
-      </p:sp>
-    </p:spTree>
-    <p:extLst>
-      <p:ext uri="{BB962C8B-B14F-4D97-AF65-F5344CB8AC3E}">
-        <p14:creationId xmlns:p14="http://schemas.microsoft.com/office/powerpoint/2010/main" val="177649110"/>
-      </p:ext>
-    </p:extLst>
-  </p:cSld>
-  <p:clrMapOvr>
-    <a:masterClrMapping/>
-  </p:clrMapOvr>
-</p:sld>
-</file>
-
-<file path=ppt/slides/slide3.xml><?xml version="1.0" encoding="utf-8"?>
-<p:sld xmlns:a="http://schemas.openxmlformats.org/drawingml/2006/main" xmlns:r="http://schemas.openxmlformats.org/officeDocument/2006/relationships" xmlns:p="http://schemas.openxmlformats.org/presentationml/2006/main">
-  <p:cSld>
-    <p:spTree>
-      <p:nvGrpSpPr>
-        <p:cNvPr id="1" name=""/>
-        <p:cNvGrpSpPr/>
-        <p:nvPr/>
-      </p:nvGrpSpPr>
-      <p:grpSpPr>
-        <a:xfrm>
-          <a:off x="0" y="0"/>
-          <a:ext cx="0" cy="0"/>
-          <a:chOff x="0" y="0"/>
-          <a:chExt cx="0" cy="0"/>
-        </a:xfrm>
-      </p:grpSpPr>
-      <p:sp>
-        <p:nvSpPr>
-          <p:cNvPr id="4" name="Foliennummernplatzhalter 3"/>
-          <p:cNvSpPr>
-            <a:spLocks noGrp="1"/>
-          </p:cNvSpPr>
-          <p:nvPr>
-            <p:ph type="sldNum" sz="quarter" idx="11"/>
-          </p:nvPr>
-        </p:nvSpPr>
-        <p:spPr/>
-        <p:txBody>
-          <a:bodyPr/>
-          <a:lstStyle/>
-          <a:p>
-            <a:fld id="{CE58CB1E-F828-4F11-99E0-327109AF9DA4}" type="slidenum">
-              <a:rPr lang="de-DE" smtClean="0"/>
-              <a:pPr/>
-              <a:t>3</a:t>
-            </a:fld>
-            <a:endParaRPr lang="de-DE" dirty="0"/>
-          </a:p>
-        </p:txBody>
-      </p:sp>
-      <p:sp>
-        <p:nvSpPr>
-          <p:cNvPr id="6" name="Fußzeilenplatzhalter 4"/>
-          <p:cNvSpPr>
-            <a:spLocks noGrp="1"/>
-          </p:cNvSpPr>
-          <p:nvPr>
-            <p:ph type="ftr" sz="quarter" idx="12"/>
-          </p:nvPr>
-        </p:nvSpPr>
-        <p:spPr/>
-        <p:txBody>
-          <a:bodyPr/>
-          <a:lstStyle/>
-          <a:p>
-            <a:r>
-              <a:rPr lang="en-US" dirty="0" err="1"/>
-              <a:t>Xlink</a:t>
-            </a:r>
-            <a:r>
-              <a:rPr lang="en-US" dirty="0"/>
-              <a:t> | </a:t>
-            </a:r>
-            <a:r>
-              <a:rPr lang="en-US" dirty="0" err="1"/>
-              <a:t>DocBook</a:t>
-            </a:r>
-            <a:r>
-              <a:rPr lang="en-US" dirty="0"/>
-              <a:t> </a:t>
-            </a:r>
-            <a:r>
-              <a:rPr lang="en-US" dirty="0" err="1"/>
-              <a:t>Dokumentation</a:t>
-            </a:r>
-            <a:endParaRPr lang="en-US" dirty="0"/>
-          </a:p>
-        </p:txBody>
-      </p:sp>
-      <p:sp>
-        <p:nvSpPr>
-          <p:cNvPr id="3" name="Titel 2"/>
-          <p:cNvSpPr>
-            <a:spLocks noGrp="1"/>
-          </p:cNvSpPr>
-          <p:nvPr>
-            <p:ph type="title"/>
-          </p:nvPr>
-        </p:nvSpPr>
-        <p:spPr>
-          <a:xfrm>
-            <a:off x="319091" y="745751"/>
-            <a:ext cx="8508999" cy="307777"/>
-          </a:xfrm>
-          <a:prstGeom prst="rect">
-            <a:avLst/>
-          </a:prstGeom>
-        </p:spPr>
-        <p:txBody>
-          <a:bodyPr/>
-          <a:lstStyle/>
-          <a:p>
-            <a:pPr algn="ctr"/>
-            <a:r>
-              <a:rPr lang="de-DE" dirty="0"/>
-              <a:t>XML</a:t>
-            </a:r>
-          </a:p>
-        </p:txBody>
-      </p:sp>
-      <p:pic>
-        <p:nvPicPr>
-          <p:cNvPr id="8" name="Grafik 7" descr="Ein Bild, das Zeichnung enthält.&#10;&#10;Automatisch generierte Beschreibung">
-            <a:extLst>
-              <a:ext uri="{FF2B5EF4-FFF2-40B4-BE49-F238E27FC236}">
-                <a16:creationId xmlns:a16="http://schemas.microsoft.com/office/drawing/2014/main" id="{03460A96-09D0-DD47-880D-0B75A69E3696}"/>
-              </a:ext>
-            </a:extLst>
-          </p:cNvPr>
-          <p:cNvPicPr>
-            <a:picLocks noChangeAspect="1"/>
-          </p:cNvPicPr>
-          <p:nvPr/>
-        </p:nvPicPr>
-        <p:blipFill>
-          <a:blip r:embed="rId3"/>
-          <a:stretch>
-            <a:fillRect/>
-          </a:stretch>
-        </p:blipFill>
-        <p:spPr>
-          <a:xfrm>
-            <a:off x="282271" y="1810474"/>
-            <a:ext cx="8579457" cy="1522551"/>
-          </a:xfrm>
-          <a:prstGeom prst="rect">
-            <a:avLst/>
-          </a:prstGeom>
-        </p:spPr>
-      </p:pic>
-    </p:spTree>
-    <p:extLst>
-      <p:ext uri="{BB962C8B-B14F-4D97-AF65-F5344CB8AC3E}">
-        <p14:creationId xmlns:p14="http://schemas.microsoft.com/office/powerpoint/2010/main" val="560121441"/>
-      </p:ext>
-    </p:extLst>
-  </p:cSld>
-  <p:clrMapOvr>
-    <a:masterClrMapping/>
-  </p:clrMapOvr>
-</p:sld>
-</file>
-
-<file path=ppt/slides/slide4.xml><?xml version="1.0" encoding="utf-8"?>
-<p:sld xmlns:a="http://schemas.openxmlformats.org/drawingml/2006/main" xmlns:r="http://schemas.openxmlformats.org/officeDocument/2006/relationships" xmlns:p="http://schemas.openxmlformats.org/presentationml/2006/main">
-  <p:cSld>
-    <p:spTree>
-      <p:nvGrpSpPr>
-        <p:cNvPr id="1" name=""/>
-        <p:cNvGrpSpPr/>
-        <p:nvPr/>
-      </p:nvGrpSpPr>
-      <p:grpSpPr>
-        <a:xfrm>
-          <a:off x="0" y="0"/>
-          <a:ext cx="0" cy="0"/>
-          <a:chOff x="0" y="0"/>
-          <a:chExt cx="0" cy="0"/>
-        </a:xfrm>
-      </p:grpSpPr>
-      <p:sp>
-        <p:nvSpPr>
-          <p:cNvPr id="4" name="Foliennummernplatzhalter 3"/>
-          <p:cNvSpPr>
-            <a:spLocks noGrp="1"/>
-          </p:cNvSpPr>
-          <p:nvPr>
-            <p:ph type="sldNum" sz="quarter" idx="11"/>
-          </p:nvPr>
-        </p:nvSpPr>
-        <p:spPr/>
-        <p:txBody>
-          <a:bodyPr/>
-          <a:lstStyle/>
-          <a:p>
-            <a:fld id="{CE58CB1E-F828-4F11-99E0-327109AF9DA4}" type="slidenum">
-              <a:rPr lang="de-DE" smtClean="0"/>
-              <a:pPr/>
-              <a:t>4</a:t>
-            </a:fld>
-            <a:endParaRPr lang="de-DE" dirty="0"/>
-          </a:p>
-        </p:txBody>
-      </p:sp>
-      <p:sp>
-        <p:nvSpPr>
-          <p:cNvPr id="6" name="Fußzeilenplatzhalter 4"/>
-          <p:cNvSpPr>
-            <a:spLocks noGrp="1"/>
-          </p:cNvSpPr>
-          <p:nvPr>
-            <p:ph type="ftr" sz="quarter" idx="12"/>
-          </p:nvPr>
-        </p:nvSpPr>
-        <p:spPr/>
-        <p:txBody>
-          <a:bodyPr/>
-          <a:lstStyle/>
-          <a:p>
-            <a:r>
-              <a:rPr lang="en-US" dirty="0" err="1"/>
-              <a:t>Xlink</a:t>
-            </a:r>
-            <a:r>
-              <a:rPr lang="en-US" dirty="0"/>
-              <a:t> | </a:t>
-            </a:r>
-            <a:r>
-              <a:rPr lang="en-US" dirty="0" err="1"/>
-              <a:t>DocBook</a:t>
-            </a:r>
-            <a:r>
-              <a:rPr lang="en-US" dirty="0"/>
-              <a:t> </a:t>
-            </a:r>
-            <a:r>
-              <a:rPr lang="en-US" dirty="0" err="1"/>
-              <a:t>Dokumentation</a:t>
-            </a:r>
-            <a:endParaRPr lang="en-US" dirty="0"/>
-          </a:p>
-        </p:txBody>
-      </p:sp>
-      <p:sp>
-        <p:nvSpPr>
-          <p:cNvPr id="3" name="Titel 2"/>
-          <p:cNvSpPr>
-            <a:spLocks noGrp="1"/>
-          </p:cNvSpPr>
-          <p:nvPr>
-            <p:ph type="title"/>
-          </p:nvPr>
-        </p:nvSpPr>
-        <p:spPr>
-          <a:xfrm>
-            <a:off x="319091" y="745751"/>
-            <a:ext cx="8508999" cy="307777"/>
-          </a:xfrm>
-          <a:prstGeom prst="rect">
-            <a:avLst/>
-          </a:prstGeom>
-        </p:spPr>
-        <p:txBody>
-          <a:bodyPr/>
-          <a:lstStyle/>
-          <a:p>
-            <a:pPr algn="ctr"/>
-            <a:r>
-              <a:rPr lang="de-DE" dirty="0"/>
-              <a:t>SVG</a:t>
-            </a:r>
-          </a:p>
-        </p:txBody>
-      </p:sp>
-      <p:pic>
-        <p:nvPicPr>
-          <p:cNvPr id="5" name="Grafik 4" descr="Ein Bild, das Screenshot enthält.&#10;&#10;Automatisch generierte Beschreibung">
-            <a:extLst>
-              <a:ext uri="{FF2B5EF4-FFF2-40B4-BE49-F238E27FC236}">
-                <a16:creationId xmlns:a16="http://schemas.microsoft.com/office/drawing/2014/main" id="{7256CF38-DE25-D84F-9D6D-FD6F0C2376DA}"/>
-              </a:ext>
-            </a:extLst>
-          </p:cNvPr>
-          <p:cNvPicPr>
-            <a:picLocks noChangeAspect="1"/>
-          </p:cNvPicPr>
-          <p:nvPr/>
-        </p:nvPicPr>
-        <p:blipFill>
-          <a:blip r:embed="rId2"/>
-          <a:stretch>
-            <a:fillRect/>
-          </a:stretch>
-        </p:blipFill>
-        <p:spPr>
-          <a:xfrm>
-            <a:off x="657231" y="1231162"/>
-            <a:ext cx="7829538" cy="3332010"/>
-          </a:xfrm>
-          <a:prstGeom prst="rect">
-            <a:avLst/>
-          </a:prstGeom>
-        </p:spPr>
-      </p:pic>
-    </p:spTree>
-    <p:extLst>
-      <p:ext uri="{BB962C8B-B14F-4D97-AF65-F5344CB8AC3E}">
-        <p14:creationId xmlns:p14="http://schemas.microsoft.com/office/powerpoint/2010/main" val="2624432542"/>
-      </p:ext>
-    </p:extLst>
-  </p:cSld>
-  <p:clrMapOvr>
-    <a:masterClrMapping/>
-  </p:clrMapOvr>
-</p:sld>
-</file>
-
-<file path=ppt/slides/slide5.xml><?xml version="1.0" encoding="utf-8"?>
-<p:sld xmlns:a="http://schemas.openxmlformats.org/drawingml/2006/main" xmlns:r="http://schemas.openxmlformats.org/officeDocument/2006/relationships" xmlns:p="http://schemas.openxmlformats.org/presentationml/2006/main">
-  <p:cSld>
-    <p:spTree>
-      <p:nvGrpSpPr>
-        <p:cNvPr id="1" name=""/>
-        <p:cNvGrpSpPr/>
-        <p:nvPr/>
-      </p:nvGrpSpPr>
-      <p:grpSpPr>
-        <a:xfrm>
-          <a:off x="0" y="0"/>
-          <a:ext cx="0" cy="0"/>
-          <a:chOff x="0" y="0"/>
-          <a:chExt cx="0" cy="0"/>
-        </a:xfrm>
-      </p:grpSpPr>
-      <p:sp>
-        <p:nvSpPr>
-          <p:cNvPr id="4" name="Foliennummernplatzhalter 3"/>
-          <p:cNvSpPr>
-            <a:spLocks noGrp="1"/>
-          </p:cNvSpPr>
-          <p:nvPr>
-            <p:ph type="sldNum" sz="quarter" idx="11"/>
-          </p:nvPr>
-        </p:nvSpPr>
-        <p:spPr/>
-        <p:txBody>
-          <a:bodyPr/>
-          <a:lstStyle/>
-          <a:p>
-            <a:fld id="{CE58CB1E-F828-4F11-99E0-327109AF9DA4}" type="slidenum">
-              <a:rPr lang="de-DE" smtClean="0"/>
-              <a:pPr/>
-              <a:t>5</a:t>
-            </a:fld>
-            <a:endParaRPr lang="de-DE" dirty="0"/>
-          </a:p>
-        </p:txBody>
-      </p:sp>
-      <p:sp>
-        <p:nvSpPr>
-          <p:cNvPr id="6" name="Fußzeilenplatzhalter 4"/>
-          <p:cNvSpPr>
-            <a:spLocks noGrp="1"/>
-          </p:cNvSpPr>
-          <p:nvPr>
-            <p:ph type="ftr" sz="quarter" idx="12"/>
-          </p:nvPr>
-        </p:nvSpPr>
-        <p:spPr/>
-        <p:txBody>
-          <a:bodyPr/>
-          <a:lstStyle/>
-          <a:p>
-            <a:r>
-              <a:rPr lang="en-US" dirty="0" err="1"/>
-              <a:t>Xlink</a:t>
-            </a:r>
-            <a:r>
-              <a:rPr lang="en-US" dirty="0"/>
-              <a:t> | </a:t>
-            </a:r>
-            <a:r>
-              <a:rPr lang="en-US" dirty="0" err="1"/>
-              <a:t>DocBook</a:t>
-            </a:r>
-            <a:r>
-              <a:rPr lang="en-US" dirty="0"/>
-              <a:t> </a:t>
-            </a:r>
-            <a:r>
-              <a:rPr lang="en-US" dirty="0" err="1"/>
-              <a:t>Dokumentation</a:t>
-            </a:r>
-            <a:endParaRPr lang="en-US" dirty="0"/>
-          </a:p>
-        </p:txBody>
-      </p:sp>
-      <p:sp>
-        <p:nvSpPr>
-          <p:cNvPr id="3" name="Titel 2"/>
-          <p:cNvSpPr>
-            <a:spLocks noGrp="1"/>
-          </p:cNvSpPr>
-          <p:nvPr>
-            <p:ph type="title"/>
-          </p:nvPr>
-        </p:nvSpPr>
-        <p:spPr>
-          <a:xfrm>
-            <a:off x="319091" y="745751"/>
-            <a:ext cx="8508999" cy="307777"/>
-          </a:xfrm>
-          <a:prstGeom prst="rect">
-            <a:avLst/>
-          </a:prstGeom>
-        </p:spPr>
-        <p:txBody>
-          <a:bodyPr/>
-          <a:lstStyle/>
-          <a:p>
-            <a:pPr algn="ctr"/>
-            <a:r>
-              <a:rPr lang="de-DE" dirty="0" err="1"/>
-              <a:t>DocBook</a:t>
-            </a:r>
-            <a:endParaRPr lang="de-DE" dirty="0"/>
-          </a:p>
-        </p:txBody>
-      </p:sp>
-      <p:pic>
-        <p:nvPicPr>
-          <p:cNvPr id="5" name="Grafik 4">
-            <a:extLst>
-              <a:ext uri="{FF2B5EF4-FFF2-40B4-BE49-F238E27FC236}">
-                <a16:creationId xmlns:a16="http://schemas.microsoft.com/office/drawing/2014/main" id="{F34106F0-6CC1-7E45-A429-47EA60503F92}"/>
-              </a:ext>
-            </a:extLst>
-          </p:cNvPr>
-          <p:cNvPicPr>
-            <a:picLocks noChangeAspect="1"/>
-          </p:cNvPicPr>
-          <p:nvPr/>
-        </p:nvPicPr>
-        <p:blipFill>
-          <a:blip r:embed="rId2"/>
-          <a:stretch>
-            <a:fillRect/>
-          </a:stretch>
-        </p:blipFill>
-        <p:spPr>
-          <a:xfrm>
-            <a:off x="657230" y="1870980"/>
-            <a:ext cx="7829539" cy="1401539"/>
-          </a:xfrm>
-          <a:prstGeom prst="rect">
-            <a:avLst/>
-          </a:prstGeom>
-        </p:spPr>
-      </p:pic>
-    </p:spTree>
-    <p:extLst>
-      <p:ext uri="{BB962C8B-B14F-4D97-AF65-F5344CB8AC3E}">
-        <p14:creationId xmlns:p14="http://schemas.microsoft.com/office/powerpoint/2010/main" val="3674180149"/>
-      </p:ext>
-    </p:extLst>
-  </p:cSld>
-  <p:clrMapOvr>
-    <a:masterClrMapping/>
-  </p:clrMapOvr>
-</p:sld>
-</file>
-
-<file path=ppt/slides/slide6.xml><?xml version="1.0" encoding="utf-8"?>
-<p:sld xmlns:a="http://schemas.openxmlformats.org/drawingml/2006/main" xmlns:r="http://schemas.openxmlformats.org/officeDocument/2006/relationships" xmlns:p="http://schemas.openxmlformats.org/presentationml/2006/main">
-  <p:cSld>
-    <p:spTree>
-      <p:nvGrpSpPr>
-        <p:cNvPr id="1" name=""/>
-        <p:cNvGrpSpPr/>
-        <p:nvPr/>
-      </p:nvGrpSpPr>
-      <p:grpSpPr>
-        <a:xfrm>
-          <a:off x="0" y="0"/>
-          <a:ext cx="0" cy="0"/>
-          <a:chOff x="0" y="0"/>
-          <a:chExt cx="0" cy="0"/>
-        </a:xfrm>
-      </p:grpSpPr>
-      <p:sp>
-        <p:nvSpPr>
-          <p:cNvPr id="4" name="Foliennummernplatzhalter 3"/>
-          <p:cNvSpPr>
-            <a:spLocks noGrp="1"/>
-          </p:cNvSpPr>
-          <p:nvPr>
-            <p:ph type="sldNum" sz="quarter" idx="11"/>
-          </p:nvPr>
-        </p:nvSpPr>
-        <p:spPr/>
-        <p:txBody>
-          <a:bodyPr/>
-          <a:lstStyle/>
-          <a:p>
-            <a:fld id="{CE58CB1E-F828-4F11-99E0-327109AF9DA4}" type="slidenum">
-              <a:rPr lang="de-DE" smtClean="0"/>
-              <a:pPr/>
-              <a:t>6</a:t>
+              <a:t>10</a:t>
             </a:fld>
             <a:endParaRPr lang="de-DE" dirty="0"/>
           </a:p>
@@ -9564,7 +8702,7 @@
 </p:sld>
 </file>
 
-<file path=ppt/slides/slide7.xml><?xml version="1.0" encoding="utf-8"?>
+<file path=ppt/slides/slide11.xml><?xml version="1.0" encoding="utf-8"?>
 <p:sld xmlns:a="http://schemas.openxmlformats.org/drawingml/2006/main" xmlns:r="http://schemas.openxmlformats.org/officeDocument/2006/relationships" xmlns:p="http://schemas.openxmlformats.org/presentationml/2006/main">
   <p:cSld>
     <p:spTree>
@@ -9599,7 +8737,7 @@
             <a:fld id="{CE58CB1E-F828-4F11-99E0-327109AF9DA4}" type="slidenum">
               <a:rPr lang="de-DE" smtClean="0"/>
               <a:pPr/>
-              <a:t>7</a:t>
+              <a:t>11</a:t>
             </a:fld>
             <a:endParaRPr lang="de-DE" dirty="0"/>
           </a:p>
@@ -10139,7 +9277,7 @@
 </p:sld>
 </file>
 
-<file path=ppt/slides/slide8.xml><?xml version="1.0" encoding="utf-8"?>
+<file path=ppt/slides/slide12.xml><?xml version="1.0" encoding="utf-8"?>
 <p:sld xmlns:a="http://schemas.openxmlformats.org/drawingml/2006/main" xmlns:r="http://schemas.openxmlformats.org/officeDocument/2006/relationships" xmlns:p="http://schemas.openxmlformats.org/presentationml/2006/main">
   <p:cSld>
     <p:spTree>
@@ -10174,7 +9312,7 @@
             <a:fld id="{CE58CB1E-F828-4F11-99E0-327109AF9DA4}" type="slidenum">
               <a:rPr lang="de-DE" smtClean="0"/>
               <a:pPr/>
-              <a:t>8</a:t>
+              <a:t>12</a:t>
             </a:fld>
             <a:endParaRPr lang="de-DE" dirty="0"/>
           </a:p>
@@ -10825,6 +9963,1829 @@
 </p:sld>
 </file>
 
+<file path=ppt/slides/slide13.xml><?xml version="1.0" encoding="utf-8"?>
+<p:sld xmlns:a="http://schemas.openxmlformats.org/drawingml/2006/main" xmlns:r="http://schemas.openxmlformats.org/officeDocument/2006/relationships" xmlns:p="http://schemas.openxmlformats.org/presentationml/2006/main">
+  <p:cSld>
+    <p:spTree>
+      <p:nvGrpSpPr>
+        <p:cNvPr id="1" name=""/>
+        <p:cNvGrpSpPr/>
+        <p:nvPr/>
+      </p:nvGrpSpPr>
+      <p:grpSpPr>
+        <a:xfrm>
+          <a:off x="0" y="0"/>
+          <a:ext cx="0" cy="0"/>
+          <a:chOff x="0" y="0"/>
+          <a:chExt cx="0" cy="0"/>
+        </a:xfrm>
+      </p:grpSpPr>
+      <p:sp>
+        <p:nvSpPr>
+          <p:cNvPr id="4" name="Foliennummernplatzhalter 3"/>
+          <p:cNvSpPr>
+            <a:spLocks noGrp="1"/>
+          </p:cNvSpPr>
+          <p:nvPr>
+            <p:ph type="sldNum" sz="quarter" idx="11"/>
+          </p:nvPr>
+        </p:nvSpPr>
+        <p:spPr/>
+        <p:txBody>
+          <a:bodyPr/>
+          <a:lstStyle/>
+          <a:p>
+            <a:fld id="{CE58CB1E-F828-4F11-99E0-327109AF9DA4}" type="slidenum">
+              <a:rPr lang="de-DE" smtClean="0"/>
+              <a:pPr/>
+              <a:t>13</a:t>
+            </a:fld>
+            <a:endParaRPr lang="de-DE" dirty="0"/>
+          </a:p>
+        </p:txBody>
+      </p:sp>
+      <p:sp>
+        <p:nvSpPr>
+          <p:cNvPr id="6" name="Fußzeilenplatzhalter 4"/>
+          <p:cNvSpPr>
+            <a:spLocks noGrp="1"/>
+          </p:cNvSpPr>
+          <p:nvPr>
+            <p:ph type="ftr" sz="quarter" idx="12"/>
+          </p:nvPr>
+        </p:nvSpPr>
+        <p:spPr/>
+        <p:txBody>
+          <a:bodyPr/>
+          <a:lstStyle/>
+          <a:p>
+            <a:r>
+              <a:rPr lang="en-US" dirty="0" err="1"/>
+              <a:t>Xlink</a:t>
+            </a:r>
+            <a:r>
+              <a:rPr lang="en-US" dirty="0"/>
+              <a:t> | </a:t>
+            </a:r>
+            <a:r>
+              <a:rPr lang="en-US" dirty="0" err="1"/>
+              <a:t>DocBook</a:t>
+            </a:r>
+            <a:r>
+              <a:rPr lang="en-US" dirty="0"/>
+              <a:t> </a:t>
+            </a:r>
+            <a:r>
+              <a:rPr lang="en-US" dirty="0" err="1"/>
+              <a:t>Dokumentation</a:t>
+            </a:r>
+            <a:endParaRPr lang="en-US" dirty="0"/>
+          </a:p>
+        </p:txBody>
+      </p:sp>
+      <p:sp>
+        <p:nvSpPr>
+          <p:cNvPr id="3" name="Titel 2"/>
+          <p:cNvSpPr>
+            <a:spLocks noGrp="1"/>
+          </p:cNvSpPr>
+          <p:nvPr>
+            <p:ph type="title"/>
+          </p:nvPr>
+        </p:nvSpPr>
+        <p:spPr>
+          <a:xfrm>
+            <a:off x="319091" y="745751"/>
+            <a:ext cx="8508999" cy="307777"/>
+          </a:xfrm>
+          <a:prstGeom prst="rect">
+            <a:avLst/>
+          </a:prstGeom>
+        </p:spPr>
+        <p:txBody>
+          <a:bodyPr/>
+          <a:lstStyle/>
+          <a:p>
+            <a:pPr algn="ctr"/>
+            <a:r>
+              <a:rPr lang="de-DE" dirty="0"/>
+              <a:t>Ausblick MVC im </a:t>
+            </a:r>
+            <a:r>
+              <a:rPr lang="de-DE" dirty="0" err="1"/>
+              <a:t>DocBook</a:t>
+            </a:r>
+            <a:endParaRPr lang="de-DE" dirty="0"/>
+          </a:p>
+        </p:txBody>
+      </p:sp>
+    </p:spTree>
+    <p:extLst>
+      <p:ext uri="{BB962C8B-B14F-4D97-AF65-F5344CB8AC3E}">
+        <p14:creationId xmlns:p14="http://schemas.microsoft.com/office/powerpoint/2010/main" val="2914764933"/>
+      </p:ext>
+    </p:extLst>
+  </p:cSld>
+  <p:clrMapOvr>
+    <a:masterClrMapping/>
+  </p:clrMapOvr>
+</p:sld>
+</file>
+
+<file path=ppt/slides/slide14.xml><?xml version="1.0" encoding="utf-8"?>
+<p:sld xmlns:a="http://schemas.openxmlformats.org/drawingml/2006/main" xmlns:r="http://schemas.openxmlformats.org/officeDocument/2006/relationships" xmlns:p="http://schemas.openxmlformats.org/presentationml/2006/main">
+  <p:cSld>
+    <p:spTree>
+      <p:nvGrpSpPr>
+        <p:cNvPr id="1" name=""/>
+        <p:cNvGrpSpPr/>
+        <p:nvPr/>
+      </p:nvGrpSpPr>
+      <p:grpSpPr>
+        <a:xfrm>
+          <a:off x="0" y="0"/>
+          <a:ext cx="0" cy="0"/>
+          <a:chOff x="0" y="0"/>
+          <a:chExt cx="0" cy="0"/>
+        </a:xfrm>
+      </p:grpSpPr>
+      <p:sp>
+        <p:nvSpPr>
+          <p:cNvPr id="180" name="Freeform 180"/>
+          <p:cNvSpPr/>
+          <p:nvPr/>
+        </p:nvSpPr>
+        <p:spPr>
+          <a:xfrm>
+            <a:off x="8210550" y="311150"/>
+            <a:ext cx="603250" cy="323850"/>
+          </a:xfrm>
+          <a:custGeom>
+            <a:avLst/>
+            <a:gdLst>
+              <a:gd name="connsiteX0" fmla="*/ 8308 w 603250"/>
+              <a:gd name="connsiteY0" fmla="*/ 13394 h 323850"/>
+              <a:gd name="connsiteX1" fmla="*/ 245253 w 603250"/>
+              <a:gd name="connsiteY1" fmla="*/ 13394 h 323850"/>
+              <a:gd name="connsiteX2" fmla="*/ 245254 w 603250"/>
+              <a:gd name="connsiteY2" fmla="*/ 274824 h 323850"/>
+              <a:gd name="connsiteX3" fmla="*/ 310553 w 603250"/>
+              <a:gd name="connsiteY3" fmla="*/ 274824 h 323850"/>
+              <a:gd name="connsiteX4" fmla="*/ 310553 w 603250"/>
+              <a:gd name="connsiteY4" fmla="*/ 13394 h 323850"/>
+              <a:gd name="connsiteX5" fmla="*/ 613305 w 603250"/>
+              <a:gd name="connsiteY5" fmla="*/ 13394 h 323850"/>
+              <a:gd name="connsiteX6" fmla="*/ 613305 w 603250"/>
+              <a:gd name="connsiteY6" fmla="*/ 331987 h 323850"/>
+              <a:gd name="connsiteX7" fmla="*/ 556135 w 603250"/>
+              <a:gd name="connsiteY7" fmla="*/ 331987 h 323850"/>
+              <a:gd name="connsiteX8" fmla="*/ 556135 w 603250"/>
+              <a:gd name="connsiteY8" fmla="*/ 70559 h 323850"/>
+              <a:gd name="connsiteX9" fmla="*/ 490453 w 603250"/>
+              <a:gd name="connsiteY9" fmla="*/ 70559 h 323850"/>
+              <a:gd name="connsiteX10" fmla="*/ 490454 w 603250"/>
+              <a:gd name="connsiteY10" fmla="*/ 331987 h 323850"/>
+              <a:gd name="connsiteX11" fmla="*/ 433283 w 603250"/>
+              <a:gd name="connsiteY11" fmla="*/ 331987 h 323850"/>
+              <a:gd name="connsiteX12" fmla="*/ 433283 w 603250"/>
+              <a:gd name="connsiteY12" fmla="*/ 70559 h 323850"/>
+              <a:gd name="connsiteX13" fmla="*/ 367724 w 603250"/>
+              <a:gd name="connsiteY13" fmla="*/ 70558 h 323850"/>
+              <a:gd name="connsiteX14" fmla="*/ 367724 w 603250"/>
+              <a:gd name="connsiteY14" fmla="*/ 331987 h 323850"/>
+              <a:gd name="connsiteX15" fmla="*/ 187951 w 603250"/>
+              <a:gd name="connsiteY15" fmla="*/ 331987 h 323850"/>
+              <a:gd name="connsiteX16" fmla="*/ 187951 w 603250"/>
+              <a:gd name="connsiteY16" fmla="*/ 70558 h 323850"/>
+              <a:gd name="connsiteX17" fmla="*/ 122651 w 603250"/>
+              <a:gd name="connsiteY17" fmla="*/ 70558 h 323850"/>
+              <a:gd name="connsiteX18" fmla="*/ 122651 w 603250"/>
+              <a:gd name="connsiteY18" fmla="*/ 331987 h 323850"/>
+              <a:gd name="connsiteX19" fmla="*/ 65481 w 603250"/>
+              <a:gd name="connsiteY19" fmla="*/ 331987 h 323850"/>
+              <a:gd name="connsiteX20" fmla="*/ 65480 w 603250"/>
+              <a:gd name="connsiteY20" fmla="*/ 70558 h 323850"/>
+              <a:gd name="connsiteX21" fmla="*/ 8308 w 603250"/>
+              <a:gd name="connsiteY21" fmla="*/ 70558 h 323850"/>
+              <a:gd name="connsiteX22" fmla="*/ 8308 w 603250"/>
+              <a:gd name="connsiteY22" fmla="*/ 13394 h 323850"/>
+            </a:gdLst>
+            <a:ahLst/>
+            <a:cxnLst>
+              <a:cxn ang="0">
+                <a:pos x="connsiteX0" y="connsiteY0"/>
+              </a:cxn>
+              <a:cxn ang="0">
+                <a:pos x="connsiteX1" y="connsiteY1"/>
+              </a:cxn>
+              <a:cxn ang="0">
+                <a:pos x="connsiteX2" y="connsiteY2"/>
+              </a:cxn>
+              <a:cxn ang="0">
+                <a:pos x="connsiteX3" y="connsiteY3"/>
+              </a:cxn>
+              <a:cxn ang="0">
+                <a:pos x="connsiteX4" y="connsiteY4"/>
+              </a:cxn>
+              <a:cxn ang="0">
+                <a:pos x="connsiteX5" y="connsiteY5"/>
+              </a:cxn>
+              <a:cxn ang="0">
+                <a:pos x="connsiteX6" y="connsiteY6"/>
+              </a:cxn>
+              <a:cxn ang="0">
+                <a:pos x="connsiteX7" y="connsiteY7"/>
+              </a:cxn>
+              <a:cxn ang="0">
+                <a:pos x="connsiteX8" y="connsiteY8"/>
+              </a:cxn>
+              <a:cxn ang="0">
+                <a:pos x="connsiteX9" y="connsiteY9"/>
+              </a:cxn>
+              <a:cxn ang="0">
+                <a:pos x="connsiteX10" y="connsiteY10"/>
+              </a:cxn>
+              <a:cxn ang="0">
+                <a:pos x="connsiteX11" y="connsiteY11"/>
+              </a:cxn>
+              <a:cxn ang="0">
+                <a:pos x="connsiteX12" y="connsiteY12"/>
+              </a:cxn>
+              <a:cxn ang="0">
+                <a:pos x="connsiteX13" y="connsiteY13"/>
+              </a:cxn>
+              <a:cxn ang="0">
+                <a:pos x="connsiteX14" y="connsiteY14"/>
+              </a:cxn>
+              <a:cxn ang="0">
+                <a:pos x="connsiteX15" y="connsiteY15"/>
+              </a:cxn>
+              <a:cxn ang="0">
+                <a:pos x="connsiteX16" y="connsiteY16"/>
+              </a:cxn>
+              <a:cxn ang="0">
+                <a:pos x="connsiteX17" y="connsiteY17"/>
+              </a:cxn>
+              <a:cxn ang="0">
+                <a:pos x="connsiteX18" y="connsiteY18"/>
+              </a:cxn>
+              <a:cxn ang="0">
+                <a:pos x="connsiteX19" y="connsiteY19"/>
+              </a:cxn>
+              <a:cxn ang="0">
+                <a:pos x="connsiteX20" y="connsiteY20"/>
+              </a:cxn>
+              <a:cxn ang="0">
+                <a:pos x="connsiteX21" y="connsiteY21"/>
+              </a:cxn>
+              <a:cxn ang="0">
+                <a:pos x="connsiteX22" y="connsiteY22"/>
+              </a:cxn>
+            </a:cxnLst>
+            <a:rect l="l" t="t" r="r" b="b"/>
+            <a:pathLst>
+              <a:path w="603250" h="323850">
+                <a:moveTo>
+                  <a:pt x="8308" y="13394"/>
+                </a:moveTo>
+                <a:lnTo>
+                  <a:pt x="245253" y="13394"/>
+                </a:lnTo>
+                <a:lnTo>
+                  <a:pt x="245254" y="274824"/>
+                </a:lnTo>
+                <a:lnTo>
+                  <a:pt x="310553" y="274824"/>
+                </a:lnTo>
+                <a:lnTo>
+                  <a:pt x="310553" y="13394"/>
+                </a:lnTo>
+                <a:lnTo>
+                  <a:pt x="613305" y="13394"/>
+                </a:lnTo>
+                <a:lnTo>
+                  <a:pt x="613305" y="331987"/>
+                </a:lnTo>
+                <a:lnTo>
+                  <a:pt x="556135" y="331987"/>
+                </a:lnTo>
+                <a:lnTo>
+                  <a:pt x="556135" y="70559"/>
+                </a:lnTo>
+                <a:lnTo>
+                  <a:pt x="490453" y="70559"/>
+                </a:lnTo>
+                <a:lnTo>
+                  <a:pt x="490454" y="331987"/>
+                </a:lnTo>
+                <a:lnTo>
+                  <a:pt x="433283" y="331987"/>
+                </a:lnTo>
+                <a:lnTo>
+                  <a:pt x="433283" y="70559"/>
+                </a:lnTo>
+                <a:lnTo>
+                  <a:pt x="367724" y="70558"/>
+                </a:lnTo>
+                <a:lnTo>
+                  <a:pt x="367724" y="331987"/>
+                </a:lnTo>
+                <a:lnTo>
+                  <a:pt x="187951" y="331987"/>
+                </a:lnTo>
+                <a:lnTo>
+                  <a:pt x="187951" y="70558"/>
+                </a:lnTo>
+                <a:lnTo>
+                  <a:pt x="122651" y="70558"/>
+                </a:lnTo>
+                <a:lnTo>
+                  <a:pt x="122651" y="331987"/>
+                </a:lnTo>
+                <a:lnTo>
+                  <a:pt x="65481" y="331987"/>
+                </a:lnTo>
+                <a:lnTo>
+                  <a:pt x="65480" y="70558"/>
+                </a:lnTo>
+                <a:lnTo>
+                  <a:pt x="8308" y="70558"/>
+                </a:lnTo>
+                <a:lnTo>
+                  <a:pt x="8308" y="13394"/>
+                </a:lnTo>
+                <a:close/>
+              </a:path>
+            </a:pathLst>
+          </a:custGeom>
+          <a:solidFill>
+            <a:srgbClr val="0063BB">
+              <a:alpha val="100000"/>
+            </a:srgbClr>
+          </a:solidFill>
+          <a:ln w="12700">
+            <a:solidFill>
+              <a:srgbClr val="000000">
+                <a:alpha val="0"/>
+              </a:srgbClr>
+            </a:solidFill>
+          </a:ln>
+          <a:effectLst/>
+        </p:spPr>
+        <p:style>
+          <a:lnRef idx="2">
+            <a:schemeClr val="accent1"/>
+          </a:lnRef>
+          <a:fillRef idx="0">
+            <a:schemeClr val="accent1"/>
+          </a:fillRef>
+          <a:effectRef idx="1">
+            <a:schemeClr val="accent1"/>
+          </a:effectRef>
+          <a:fontRef idx="minor">
+            <a:schemeClr val="tx1"/>
+          </a:fontRef>
+        </p:style>
+        <p:txBody>
+          <a:bodyPr rtlCol="0" anchor="ctr"/>
+          <a:lstStyle/>
+          <a:p>
+            <a:pPr algn="ctr"/>
+            <a:endParaRPr lang="en-US"/>
+          </a:p>
+        </p:txBody>
+      </p:sp>
+      <p:pic>
+        <p:nvPicPr>
+          <p:cNvPr id="182" name="Picture 182"/>
+          <p:cNvPicPr>
+            <a:picLocks noChangeAspect="1"/>
+          </p:cNvPicPr>
+          <p:nvPr/>
+        </p:nvPicPr>
+        <p:blipFill>
+          <a:blip r:embed="rId2"/>
+          <a:stretch>
+            <a:fillRect/>
+          </a:stretch>
+        </p:blipFill>
+        <p:spPr>
+          <a:xfrm>
+            <a:off x="4960620" y="1455420"/>
+            <a:ext cx="3855720" cy="3375660"/>
+          </a:xfrm>
+          <a:prstGeom prst="rect">
+            <a:avLst/>
+          </a:prstGeom>
+        </p:spPr>
+      </p:pic>
+      <p:sp>
+        <p:nvSpPr>
+          <p:cNvPr id="2" name="TextBox 182"/>
+          <p:cNvSpPr txBox="1"/>
+          <p:nvPr/>
+        </p:nvSpPr>
+        <p:spPr>
+          <a:xfrm>
+            <a:off x="319125" y="970434"/>
+            <a:ext cx="5156206" cy="1468159"/>
+          </a:xfrm>
+          <a:prstGeom prst="rect">
+            <a:avLst/>
+          </a:prstGeom>
+          <a:noFill/>
+        </p:spPr>
+        <p:txBody>
+          <a:bodyPr wrap="square" lIns="0" tIns="0" rIns="0" bIns="0" rtlCol="0">
+            <a:spAutoFit/>
+          </a:bodyPr>
+          <a:lstStyle/>
+          <a:p>
+            <a:pPr marL="0">
+              <a:lnSpc>
+                <a:spcPct val="100000"/>
+              </a:lnSpc>
+            </a:pPr>
+            <a:r>
+              <a:rPr lang="en-US" altLang="zh-CN" sz="2500" dirty="0" err="1">
+                <a:solidFill>
+                  <a:srgbClr val="000000"/>
+                </a:solidFill>
+                <a:latin typeface="Arial"/>
+                <a:ea typeface="Arial"/>
+              </a:rPr>
+              <a:t>Vielen</a:t>
+            </a:r>
+            <a:r>
+              <a:rPr lang="en-US" altLang="zh-CN" sz="2500" spc="-55" dirty="0">
+                <a:solidFill>
+                  <a:srgbClr val="000000"/>
+                </a:solidFill>
+                <a:latin typeface="Arial"/>
+                <a:cs typeface="Arial"/>
+              </a:rPr>
+              <a:t> </a:t>
+            </a:r>
+            <a:r>
+              <a:rPr lang="en-US" altLang="zh-CN" sz="2500" dirty="0">
+                <a:solidFill>
+                  <a:srgbClr val="000000"/>
+                </a:solidFill>
+                <a:latin typeface="Arial"/>
+                <a:ea typeface="Arial"/>
+              </a:rPr>
+              <a:t>Dank</a:t>
+            </a:r>
+            <a:r>
+              <a:rPr lang="en-US" altLang="zh-CN" sz="2500" spc="-55" dirty="0">
+                <a:solidFill>
+                  <a:srgbClr val="000000"/>
+                </a:solidFill>
+                <a:latin typeface="Arial"/>
+                <a:cs typeface="Arial"/>
+              </a:rPr>
+              <a:t> </a:t>
+            </a:r>
+            <a:r>
+              <a:rPr lang="en-US" altLang="zh-CN" sz="2500" dirty="0" err="1">
+                <a:solidFill>
+                  <a:srgbClr val="000000"/>
+                </a:solidFill>
+                <a:latin typeface="Arial"/>
+                <a:ea typeface="Arial"/>
+              </a:rPr>
+              <a:t>für</a:t>
+            </a:r>
+            <a:r>
+              <a:rPr lang="en-US" altLang="zh-CN" sz="2500" spc="-55" dirty="0">
+                <a:solidFill>
+                  <a:srgbClr val="000000"/>
+                </a:solidFill>
+                <a:latin typeface="Arial"/>
+                <a:cs typeface="Arial"/>
+              </a:rPr>
+              <a:t> </a:t>
+            </a:r>
+            <a:r>
+              <a:rPr lang="en-US" altLang="zh-CN" sz="2500" dirty="0" err="1">
+                <a:solidFill>
+                  <a:srgbClr val="000000"/>
+                </a:solidFill>
+                <a:latin typeface="Arial"/>
+                <a:ea typeface="Arial"/>
+              </a:rPr>
+              <a:t>Ihre</a:t>
+            </a:r>
+            <a:r>
+              <a:rPr lang="en-US" altLang="zh-CN" sz="2500" spc="-60" dirty="0">
+                <a:solidFill>
+                  <a:srgbClr val="000000"/>
+                </a:solidFill>
+                <a:latin typeface="Arial"/>
+                <a:cs typeface="Arial"/>
+              </a:rPr>
+              <a:t> </a:t>
+            </a:r>
+            <a:r>
+              <a:rPr lang="en-US" altLang="zh-CN" sz="2500" dirty="0" err="1">
+                <a:solidFill>
+                  <a:srgbClr val="000000"/>
+                </a:solidFill>
+                <a:latin typeface="Arial"/>
+                <a:ea typeface="Arial"/>
+              </a:rPr>
+              <a:t>Aufmerksamkeit</a:t>
+            </a:r>
+            <a:endParaRPr lang="en-US" altLang="zh-CN" sz="2500" dirty="0">
+              <a:solidFill>
+                <a:srgbClr val="000000"/>
+              </a:solidFill>
+              <a:latin typeface="Arial"/>
+              <a:ea typeface="Arial"/>
+            </a:endParaRPr>
+          </a:p>
+          <a:p>
+            <a:pPr>
+              <a:lnSpc>
+                <a:spcPts val="1169"/>
+              </a:lnSpc>
+            </a:pPr>
+            <a:endParaRPr lang="en-US" dirty="0"/>
+          </a:p>
+          <a:p>
+            <a:pPr hangingPunct="0">
+              <a:lnSpc>
+                <a:spcPct val="150000"/>
+              </a:lnSpc>
+            </a:pPr>
+            <a:r>
+              <a:rPr lang="de-DE" sz="1400" dirty="0"/>
+              <a:t>Lorenzo </a:t>
+            </a:r>
+            <a:r>
+              <a:rPr lang="de-DE" sz="1400" dirty="0" err="1"/>
+              <a:t>Brazzi</a:t>
+            </a:r>
+            <a:r>
+              <a:rPr lang="de-DE" sz="1400" dirty="0"/>
+              <a:t>, Ikbal </a:t>
+            </a:r>
+            <a:r>
+              <a:rPr lang="de-DE" sz="1400" dirty="0" err="1"/>
+              <a:t>Yesiltas</a:t>
+            </a:r>
+            <a:r>
+              <a:rPr lang="de-DE" sz="1400" dirty="0"/>
+              <a:t>, Patrick Reto, Markus Zuber</a:t>
+            </a:r>
+            <a:br>
+              <a:rPr dirty="0"/>
+            </a:br>
+            <a:r>
+              <a:rPr lang="en-US" altLang="zh-CN" sz="1400" spc="-10" dirty="0" err="1">
+                <a:solidFill>
+                  <a:srgbClr val="000000"/>
+                </a:solidFill>
+                <a:latin typeface="Arial"/>
+                <a:ea typeface="Arial"/>
+              </a:rPr>
+              <a:t>Technische</a:t>
+            </a:r>
+            <a:r>
+              <a:rPr lang="en-US" altLang="zh-CN" sz="1400" spc="-5" dirty="0">
+                <a:solidFill>
+                  <a:srgbClr val="000000"/>
+                </a:solidFill>
+                <a:latin typeface="Arial"/>
+                <a:cs typeface="Arial"/>
+              </a:rPr>
+              <a:t> </a:t>
+            </a:r>
+            <a:r>
+              <a:rPr lang="en-US" altLang="zh-CN" sz="1400" spc="-5" dirty="0">
+                <a:solidFill>
+                  <a:srgbClr val="000000"/>
+                </a:solidFill>
+                <a:latin typeface="Arial"/>
+                <a:ea typeface="Arial"/>
+              </a:rPr>
+              <a:t>Universität</a:t>
+            </a:r>
+            <a:r>
+              <a:rPr lang="en-US" altLang="zh-CN" sz="1400" spc="-15" dirty="0">
+                <a:solidFill>
+                  <a:srgbClr val="000000"/>
+                </a:solidFill>
+                <a:latin typeface="Arial"/>
+                <a:cs typeface="Arial"/>
+              </a:rPr>
+              <a:t> </a:t>
+            </a:r>
+            <a:r>
+              <a:rPr lang="en-US" altLang="zh-CN" sz="1400" spc="-10" dirty="0">
+                <a:solidFill>
+                  <a:srgbClr val="000000"/>
+                </a:solidFill>
+                <a:latin typeface="Arial"/>
+                <a:ea typeface="Arial"/>
+              </a:rPr>
+              <a:t>München</a:t>
+            </a:r>
+            <a:r>
+              <a:rPr lang="en-US" altLang="zh-CN" sz="1400" dirty="0">
+                <a:solidFill>
+                  <a:srgbClr val="000000"/>
+                </a:solidFill>
+                <a:latin typeface="Arial"/>
+                <a:cs typeface="Arial"/>
+              </a:rPr>
+              <a:t> </a:t>
+            </a:r>
+            <a:br>
+              <a:rPr dirty="0"/>
+            </a:br>
+            <a:r>
+              <a:rPr lang="en-US" altLang="zh-CN" sz="1400" dirty="0">
+                <a:solidFill>
+                  <a:srgbClr val="000000"/>
+                </a:solidFill>
+                <a:latin typeface="Arial"/>
+                <a:ea typeface="Arial"/>
+              </a:rPr>
+              <a:t>München,</a:t>
+            </a:r>
+            <a:r>
+              <a:rPr lang="en-US" altLang="zh-CN" sz="1400" dirty="0">
+                <a:solidFill>
+                  <a:srgbClr val="000000"/>
+                </a:solidFill>
+                <a:latin typeface="Arial"/>
+                <a:cs typeface="Arial"/>
+              </a:rPr>
+              <a:t> </a:t>
+            </a:r>
+            <a:r>
+              <a:rPr lang="en-US" altLang="zh-CN" sz="1400" dirty="0">
+                <a:solidFill>
+                  <a:srgbClr val="000000"/>
+                </a:solidFill>
+                <a:latin typeface="Arial"/>
+                <a:ea typeface="Arial"/>
+              </a:rPr>
+              <a:t>28.11.2019</a:t>
+            </a:r>
+          </a:p>
+        </p:txBody>
+      </p:sp>
+    </p:spTree>
+  </p:cSld>
+  <p:clrMapOvr>
+    <a:masterClrMapping/>
+  </p:clrMapOvr>
+</p:sld>
+</file>
+
+<file path=ppt/slides/slide2.xml><?xml version="1.0" encoding="utf-8"?>
+<p:sld xmlns:a="http://schemas.openxmlformats.org/drawingml/2006/main" xmlns:r="http://schemas.openxmlformats.org/officeDocument/2006/relationships" xmlns:p="http://schemas.openxmlformats.org/presentationml/2006/main">
+  <p:cSld>
+    <p:spTree>
+      <p:nvGrpSpPr>
+        <p:cNvPr id="1" name=""/>
+        <p:cNvGrpSpPr/>
+        <p:nvPr/>
+      </p:nvGrpSpPr>
+      <p:grpSpPr>
+        <a:xfrm>
+          <a:off x="0" y="0"/>
+          <a:ext cx="0" cy="0"/>
+          <a:chOff x="0" y="0"/>
+          <a:chExt cx="0" cy="0"/>
+        </a:xfrm>
+      </p:grpSpPr>
+      <p:sp>
+        <p:nvSpPr>
+          <p:cNvPr id="4" name="Foliennummernplatzhalter 3"/>
+          <p:cNvSpPr>
+            <a:spLocks noGrp="1"/>
+          </p:cNvSpPr>
+          <p:nvPr>
+            <p:ph type="sldNum" sz="quarter" idx="11"/>
+          </p:nvPr>
+        </p:nvSpPr>
+        <p:spPr/>
+        <p:txBody>
+          <a:bodyPr/>
+          <a:lstStyle/>
+          <a:p>
+            <a:fld id="{CE58CB1E-F828-4F11-99E0-327109AF9DA4}" type="slidenum">
+              <a:rPr lang="de-DE" smtClean="0"/>
+              <a:pPr/>
+              <a:t>2</a:t>
+            </a:fld>
+            <a:endParaRPr lang="de-DE" dirty="0"/>
+          </a:p>
+        </p:txBody>
+      </p:sp>
+      <p:sp>
+        <p:nvSpPr>
+          <p:cNvPr id="6" name="Fußzeilenplatzhalter 4"/>
+          <p:cNvSpPr>
+            <a:spLocks noGrp="1"/>
+          </p:cNvSpPr>
+          <p:nvPr>
+            <p:ph type="ftr" sz="quarter" idx="12"/>
+          </p:nvPr>
+        </p:nvSpPr>
+        <p:spPr/>
+        <p:txBody>
+          <a:bodyPr/>
+          <a:lstStyle/>
+          <a:p>
+            <a:r>
+              <a:rPr lang="en-US" dirty="0" err="1"/>
+              <a:t>Xlink</a:t>
+            </a:r>
+            <a:r>
+              <a:rPr lang="en-US" dirty="0"/>
+              <a:t> | </a:t>
+            </a:r>
+            <a:r>
+              <a:rPr lang="en-US" dirty="0" err="1"/>
+              <a:t>DocBook</a:t>
+            </a:r>
+            <a:r>
+              <a:rPr lang="en-US" dirty="0"/>
+              <a:t> </a:t>
+            </a:r>
+            <a:r>
+              <a:rPr lang="en-US" dirty="0" err="1"/>
+              <a:t>Dokumentation</a:t>
+            </a:r>
+            <a:endParaRPr lang="en-US" dirty="0"/>
+          </a:p>
+        </p:txBody>
+      </p:sp>
+      <p:sp>
+        <p:nvSpPr>
+          <p:cNvPr id="3" name="Titel 2"/>
+          <p:cNvSpPr>
+            <a:spLocks noGrp="1"/>
+          </p:cNvSpPr>
+          <p:nvPr>
+            <p:ph type="title"/>
+          </p:nvPr>
+        </p:nvSpPr>
+        <p:spPr>
+          <a:xfrm>
+            <a:off x="317935" y="2417861"/>
+            <a:ext cx="8508999" cy="332976"/>
+          </a:xfrm>
+          <a:prstGeom prst="rect">
+            <a:avLst/>
+          </a:prstGeom>
+        </p:spPr>
+        <p:txBody>
+          <a:bodyPr/>
+          <a:lstStyle/>
+          <a:p>
+            <a:pPr algn="ctr"/>
+            <a:r>
+              <a:rPr lang="de-DE" sz="3500" dirty="0" err="1"/>
+              <a:t>Documentation</a:t>
+            </a:r>
+            <a:r>
+              <a:rPr lang="de-DE" sz="3500" dirty="0"/>
+              <a:t> </a:t>
+            </a:r>
+            <a:r>
+              <a:rPr lang="de-DE" sz="3500" dirty="0" err="1"/>
+              <a:t>of</a:t>
+            </a:r>
+            <a:r>
+              <a:rPr lang="de-DE" sz="3500" dirty="0"/>
+              <a:t> design </a:t>
+            </a:r>
+            <a:r>
+              <a:rPr lang="de-DE" sz="3500" dirty="0" err="1"/>
+              <a:t>choices</a:t>
+            </a:r>
+            <a:endParaRPr lang="de-DE" sz="3500" dirty="0"/>
+          </a:p>
+        </p:txBody>
+      </p:sp>
+    </p:spTree>
+    <p:extLst>
+      <p:ext uri="{BB962C8B-B14F-4D97-AF65-F5344CB8AC3E}">
+        <p14:creationId xmlns:p14="http://schemas.microsoft.com/office/powerpoint/2010/main" val="3371693387"/>
+      </p:ext>
+    </p:extLst>
+  </p:cSld>
+  <p:clrMapOvr>
+    <a:masterClrMapping/>
+  </p:clrMapOvr>
+</p:sld>
+</file>
+
+<file path=ppt/slides/slide3.xml><?xml version="1.0" encoding="utf-8"?>
+<p:sld xmlns:a="http://schemas.openxmlformats.org/drawingml/2006/main" xmlns:r="http://schemas.openxmlformats.org/officeDocument/2006/relationships" xmlns:p="http://schemas.openxmlformats.org/presentationml/2006/main">
+  <p:cSld>
+    <p:spTree>
+      <p:nvGrpSpPr>
+        <p:cNvPr id="1" name=""/>
+        <p:cNvGrpSpPr/>
+        <p:nvPr/>
+      </p:nvGrpSpPr>
+      <p:grpSpPr>
+        <a:xfrm>
+          <a:off x="0" y="0"/>
+          <a:ext cx="0" cy="0"/>
+          <a:chOff x="0" y="0"/>
+          <a:chExt cx="0" cy="0"/>
+        </a:xfrm>
+      </p:grpSpPr>
+      <p:sp>
+        <p:nvSpPr>
+          <p:cNvPr id="4" name="Foliennummernplatzhalter 3"/>
+          <p:cNvSpPr>
+            <a:spLocks noGrp="1"/>
+          </p:cNvSpPr>
+          <p:nvPr>
+            <p:ph type="sldNum" sz="quarter" idx="11"/>
+          </p:nvPr>
+        </p:nvSpPr>
+        <p:spPr/>
+        <p:txBody>
+          <a:bodyPr/>
+          <a:lstStyle/>
+          <a:p>
+            <a:fld id="{CE58CB1E-F828-4F11-99E0-327109AF9DA4}" type="slidenum">
+              <a:rPr lang="de-DE" smtClean="0"/>
+              <a:pPr/>
+              <a:t>3</a:t>
+            </a:fld>
+            <a:endParaRPr lang="de-DE" dirty="0"/>
+          </a:p>
+        </p:txBody>
+      </p:sp>
+      <p:sp>
+        <p:nvSpPr>
+          <p:cNvPr id="6" name="Fußzeilenplatzhalter 4"/>
+          <p:cNvSpPr>
+            <a:spLocks noGrp="1"/>
+          </p:cNvSpPr>
+          <p:nvPr>
+            <p:ph type="ftr" sz="quarter" idx="12"/>
+          </p:nvPr>
+        </p:nvSpPr>
+        <p:spPr/>
+        <p:txBody>
+          <a:bodyPr/>
+          <a:lstStyle/>
+          <a:p>
+            <a:r>
+              <a:rPr lang="en-US" dirty="0" err="1"/>
+              <a:t>Xlink</a:t>
+            </a:r>
+            <a:r>
+              <a:rPr lang="en-US" dirty="0"/>
+              <a:t> | </a:t>
+            </a:r>
+            <a:r>
+              <a:rPr lang="en-US" dirty="0" err="1"/>
+              <a:t>DocBook</a:t>
+            </a:r>
+            <a:r>
+              <a:rPr lang="en-US" dirty="0"/>
+              <a:t> </a:t>
+            </a:r>
+            <a:r>
+              <a:rPr lang="en-US" dirty="0" err="1"/>
+              <a:t>Dokumentation</a:t>
+            </a:r>
+            <a:endParaRPr lang="en-US" dirty="0"/>
+          </a:p>
+        </p:txBody>
+      </p:sp>
+      <p:sp>
+        <p:nvSpPr>
+          <p:cNvPr id="3" name="Titel 2"/>
+          <p:cNvSpPr>
+            <a:spLocks noGrp="1"/>
+          </p:cNvSpPr>
+          <p:nvPr>
+            <p:ph type="title"/>
+          </p:nvPr>
+        </p:nvSpPr>
+        <p:spPr>
+          <a:xfrm>
+            <a:off x="319091" y="745751"/>
+            <a:ext cx="8508999" cy="307777"/>
+          </a:xfrm>
+          <a:prstGeom prst="rect">
+            <a:avLst/>
+          </a:prstGeom>
+        </p:spPr>
+        <p:txBody>
+          <a:bodyPr/>
+          <a:lstStyle/>
+          <a:p>
+            <a:pPr algn="ctr"/>
+            <a:r>
+              <a:rPr lang="de-DE" dirty="0"/>
+              <a:t>Cards</a:t>
+            </a:r>
+          </a:p>
+        </p:txBody>
+      </p:sp>
+      <p:pic>
+        <p:nvPicPr>
+          <p:cNvPr id="5" name="Grafik 4" descr="Ein Bild, das Screenshot enthält.&#10;&#10;Automatisch generierte Beschreibung">
+            <a:extLst>
+              <a:ext uri="{FF2B5EF4-FFF2-40B4-BE49-F238E27FC236}">
+                <a16:creationId xmlns:a16="http://schemas.microsoft.com/office/drawing/2014/main" id="{2E4369A1-98D1-ED48-A09C-D8E9C25A65B6}"/>
+              </a:ext>
+            </a:extLst>
+          </p:cNvPr>
+          <p:cNvPicPr>
+            <a:picLocks noChangeAspect="1"/>
+          </p:cNvPicPr>
+          <p:nvPr/>
+        </p:nvPicPr>
+        <p:blipFill>
+          <a:blip r:embed="rId3"/>
+          <a:stretch>
+            <a:fillRect/>
+          </a:stretch>
+        </p:blipFill>
+        <p:spPr>
+          <a:xfrm>
+            <a:off x="594360" y="1483681"/>
+            <a:ext cx="7955280" cy="2311079"/>
+          </a:xfrm>
+          <a:prstGeom prst="rect">
+            <a:avLst/>
+          </a:prstGeom>
+        </p:spPr>
+      </p:pic>
+    </p:spTree>
+    <p:extLst>
+      <p:ext uri="{BB962C8B-B14F-4D97-AF65-F5344CB8AC3E}">
+        <p14:creationId xmlns:p14="http://schemas.microsoft.com/office/powerpoint/2010/main" val="3547445929"/>
+      </p:ext>
+    </p:extLst>
+  </p:cSld>
+  <p:clrMapOvr>
+    <a:masterClrMapping/>
+  </p:clrMapOvr>
+</p:sld>
+</file>
+
+<file path=ppt/slides/slide4.xml><?xml version="1.0" encoding="utf-8"?>
+<p:sld xmlns:a="http://schemas.openxmlformats.org/drawingml/2006/main" xmlns:r="http://schemas.openxmlformats.org/officeDocument/2006/relationships" xmlns:p="http://schemas.openxmlformats.org/presentationml/2006/main">
+  <p:cSld>
+    <p:spTree>
+      <p:nvGrpSpPr>
+        <p:cNvPr id="1" name=""/>
+        <p:cNvGrpSpPr/>
+        <p:nvPr/>
+      </p:nvGrpSpPr>
+      <p:grpSpPr>
+        <a:xfrm>
+          <a:off x="0" y="0"/>
+          <a:ext cx="0" cy="0"/>
+          <a:chOff x="0" y="0"/>
+          <a:chExt cx="0" cy="0"/>
+        </a:xfrm>
+      </p:grpSpPr>
+      <p:sp>
+        <p:nvSpPr>
+          <p:cNvPr id="4" name="Foliennummernplatzhalter 3"/>
+          <p:cNvSpPr>
+            <a:spLocks noGrp="1"/>
+          </p:cNvSpPr>
+          <p:nvPr>
+            <p:ph type="sldNum" sz="quarter" idx="11"/>
+          </p:nvPr>
+        </p:nvSpPr>
+        <p:spPr/>
+        <p:txBody>
+          <a:bodyPr/>
+          <a:lstStyle/>
+          <a:p>
+            <a:fld id="{CE58CB1E-F828-4F11-99E0-327109AF9DA4}" type="slidenum">
+              <a:rPr lang="de-DE" smtClean="0"/>
+              <a:pPr/>
+              <a:t>4</a:t>
+            </a:fld>
+            <a:endParaRPr lang="de-DE" dirty="0"/>
+          </a:p>
+        </p:txBody>
+      </p:sp>
+      <p:sp>
+        <p:nvSpPr>
+          <p:cNvPr id="6" name="Fußzeilenplatzhalter 4"/>
+          <p:cNvSpPr>
+            <a:spLocks noGrp="1"/>
+          </p:cNvSpPr>
+          <p:nvPr>
+            <p:ph type="ftr" sz="quarter" idx="12"/>
+          </p:nvPr>
+        </p:nvSpPr>
+        <p:spPr/>
+        <p:txBody>
+          <a:bodyPr/>
+          <a:lstStyle/>
+          <a:p>
+            <a:r>
+              <a:rPr lang="en-US" dirty="0" err="1"/>
+              <a:t>Xlink</a:t>
+            </a:r>
+            <a:r>
+              <a:rPr lang="en-US" dirty="0"/>
+              <a:t> | </a:t>
+            </a:r>
+            <a:r>
+              <a:rPr lang="en-US" dirty="0" err="1"/>
+              <a:t>DocBook</a:t>
+            </a:r>
+            <a:r>
+              <a:rPr lang="en-US" dirty="0"/>
+              <a:t> </a:t>
+            </a:r>
+            <a:r>
+              <a:rPr lang="en-US" dirty="0" err="1"/>
+              <a:t>Dokumentation</a:t>
+            </a:r>
+            <a:endParaRPr lang="en-US" dirty="0"/>
+          </a:p>
+        </p:txBody>
+      </p:sp>
+      <p:sp>
+        <p:nvSpPr>
+          <p:cNvPr id="3" name="Titel 2"/>
+          <p:cNvSpPr>
+            <a:spLocks noGrp="1"/>
+          </p:cNvSpPr>
+          <p:nvPr>
+            <p:ph type="title"/>
+          </p:nvPr>
+        </p:nvSpPr>
+        <p:spPr>
+          <a:xfrm>
+            <a:off x="319091" y="745751"/>
+            <a:ext cx="8508999" cy="307777"/>
+          </a:xfrm>
+          <a:prstGeom prst="rect">
+            <a:avLst/>
+          </a:prstGeom>
+        </p:spPr>
+        <p:txBody>
+          <a:bodyPr/>
+          <a:lstStyle/>
+          <a:p>
+            <a:pPr algn="ctr"/>
+            <a:r>
+              <a:rPr lang="de-DE" dirty="0"/>
+              <a:t>Table</a:t>
+            </a:r>
+          </a:p>
+        </p:txBody>
+      </p:sp>
+      <p:pic>
+        <p:nvPicPr>
+          <p:cNvPr id="9" name="Grafik 8" descr="Ein Bild, das Essen, Zeichnung enthält.&#10;&#10;Automatisch generierte Beschreibung">
+            <a:extLst>
+              <a:ext uri="{FF2B5EF4-FFF2-40B4-BE49-F238E27FC236}">
+                <a16:creationId xmlns:a16="http://schemas.microsoft.com/office/drawing/2014/main" id="{A4DB09E4-A961-254C-A9AB-E018B963E7BE}"/>
+              </a:ext>
+            </a:extLst>
+          </p:cNvPr>
+          <p:cNvPicPr>
+            <a:picLocks noChangeAspect="1"/>
+          </p:cNvPicPr>
+          <p:nvPr/>
+        </p:nvPicPr>
+        <p:blipFill>
+          <a:blip r:embed="rId3"/>
+          <a:stretch>
+            <a:fillRect/>
+          </a:stretch>
+        </p:blipFill>
+        <p:spPr>
+          <a:xfrm>
+            <a:off x="319091" y="1982565"/>
+            <a:ext cx="8567445" cy="1178370"/>
+          </a:xfrm>
+          <a:prstGeom prst="rect">
+            <a:avLst/>
+          </a:prstGeom>
+        </p:spPr>
+      </p:pic>
+    </p:spTree>
+    <p:extLst>
+      <p:ext uri="{BB962C8B-B14F-4D97-AF65-F5344CB8AC3E}">
+        <p14:creationId xmlns:p14="http://schemas.microsoft.com/office/powerpoint/2010/main" val="4277464630"/>
+      </p:ext>
+    </p:extLst>
+  </p:cSld>
+  <p:clrMapOvr>
+    <a:masterClrMapping/>
+  </p:clrMapOvr>
+</p:sld>
+</file>
+
+<file path=ppt/slides/slide5.xml><?xml version="1.0" encoding="utf-8"?>
+<p:sld xmlns:a="http://schemas.openxmlformats.org/drawingml/2006/main" xmlns:r="http://schemas.openxmlformats.org/officeDocument/2006/relationships" xmlns:p="http://schemas.openxmlformats.org/presentationml/2006/main">
+  <p:cSld>
+    <p:spTree>
+      <p:nvGrpSpPr>
+        <p:cNvPr id="1" name=""/>
+        <p:cNvGrpSpPr/>
+        <p:nvPr/>
+      </p:nvGrpSpPr>
+      <p:grpSpPr>
+        <a:xfrm>
+          <a:off x="0" y="0"/>
+          <a:ext cx="0" cy="0"/>
+          <a:chOff x="0" y="0"/>
+          <a:chExt cx="0" cy="0"/>
+        </a:xfrm>
+      </p:grpSpPr>
+      <p:sp>
+        <p:nvSpPr>
+          <p:cNvPr id="4" name="Foliennummernplatzhalter 3"/>
+          <p:cNvSpPr>
+            <a:spLocks noGrp="1"/>
+          </p:cNvSpPr>
+          <p:nvPr>
+            <p:ph type="sldNum" sz="quarter" idx="11"/>
+          </p:nvPr>
+        </p:nvSpPr>
+        <p:spPr/>
+        <p:txBody>
+          <a:bodyPr/>
+          <a:lstStyle/>
+          <a:p>
+            <a:fld id="{CE58CB1E-F828-4F11-99E0-327109AF9DA4}" type="slidenum">
+              <a:rPr lang="de-DE" smtClean="0"/>
+              <a:pPr/>
+              <a:t>5</a:t>
+            </a:fld>
+            <a:endParaRPr lang="de-DE" dirty="0"/>
+          </a:p>
+        </p:txBody>
+      </p:sp>
+      <p:sp>
+        <p:nvSpPr>
+          <p:cNvPr id="6" name="Fußzeilenplatzhalter 4"/>
+          <p:cNvSpPr>
+            <a:spLocks noGrp="1"/>
+          </p:cNvSpPr>
+          <p:nvPr>
+            <p:ph type="ftr" sz="quarter" idx="12"/>
+          </p:nvPr>
+        </p:nvSpPr>
+        <p:spPr/>
+        <p:txBody>
+          <a:bodyPr/>
+          <a:lstStyle/>
+          <a:p>
+            <a:r>
+              <a:rPr lang="en-US" dirty="0" err="1"/>
+              <a:t>Xlink</a:t>
+            </a:r>
+            <a:r>
+              <a:rPr lang="en-US" dirty="0"/>
+              <a:t> | </a:t>
+            </a:r>
+            <a:r>
+              <a:rPr lang="en-US" dirty="0" err="1"/>
+              <a:t>DocBook</a:t>
+            </a:r>
+            <a:r>
+              <a:rPr lang="en-US" dirty="0"/>
+              <a:t> </a:t>
+            </a:r>
+            <a:r>
+              <a:rPr lang="en-US" dirty="0" err="1"/>
+              <a:t>Dokumentation</a:t>
+            </a:r>
+            <a:endParaRPr lang="en-US" dirty="0"/>
+          </a:p>
+        </p:txBody>
+      </p:sp>
+      <p:sp>
+        <p:nvSpPr>
+          <p:cNvPr id="3" name="Titel 2"/>
+          <p:cNvSpPr>
+            <a:spLocks noGrp="1"/>
+          </p:cNvSpPr>
+          <p:nvPr>
+            <p:ph type="title"/>
+          </p:nvPr>
+        </p:nvSpPr>
+        <p:spPr>
+          <a:xfrm>
+            <a:off x="319091" y="745751"/>
+            <a:ext cx="8508999" cy="307777"/>
+          </a:xfrm>
+          <a:prstGeom prst="rect">
+            <a:avLst/>
+          </a:prstGeom>
+        </p:spPr>
+        <p:txBody>
+          <a:bodyPr/>
+          <a:lstStyle/>
+          <a:p>
+            <a:pPr algn="ctr"/>
+            <a:r>
+              <a:rPr lang="de-DE" dirty="0"/>
+              <a:t>Chips</a:t>
+            </a:r>
+          </a:p>
+        </p:txBody>
+      </p:sp>
+      <p:pic>
+        <p:nvPicPr>
+          <p:cNvPr id="5" name="Grafik 4">
+            <a:extLst>
+              <a:ext uri="{FF2B5EF4-FFF2-40B4-BE49-F238E27FC236}">
+                <a16:creationId xmlns:a16="http://schemas.microsoft.com/office/drawing/2014/main" id="{A3E410BE-085D-204E-B8C9-F5D4534C1563}"/>
+              </a:ext>
+            </a:extLst>
+          </p:cNvPr>
+          <p:cNvPicPr>
+            <a:picLocks noChangeAspect="1"/>
+          </p:cNvPicPr>
+          <p:nvPr/>
+        </p:nvPicPr>
+        <p:blipFill>
+          <a:blip r:embed="rId3"/>
+          <a:stretch>
+            <a:fillRect/>
+          </a:stretch>
+        </p:blipFill>
+        <p:spPr>
+          <a:xfrm>
+            <a:off x="159448" y="2046029"/>
+            <a:ext cx="8825103" cy="1051442"/>
+          </a:xfrm>
+          <a:prstGeom prst="rect">
+            <a:avLst/>
+          </a:prstGeom>
+        </p:spPr>
+      </p:pic>
+    </p:spTree>
+    <p:extLst>
+      <p:ext uri="{BB962C8B-B14F-4D97-AF65-F5344CB8AC3E}">
+        <p14:creationId xmlns:p14="http://schemas.microsoft.com/office/powerpoint/2010/main" val="2748728225"/>
+      </p:ext>
+    </p:extLst>
+  </p:cSld>
+  <p:clrMapOvr>
+    <a:masterClrMapping/>
+  </p:clrMapOvr>
+</p:sld>
+</file>
+
+<file path=ppt/slides/slide6.xml><?xml version="1.0" encoding="utf-8"?>
+<p:sld xmlns:a="http://schemas.openxmlformats.org/drawingml/2006/main" xmlns:r="http://schemas.openxmlformats.org/officeDocument/2006/relationships" xmlns:p="http://schemas.openxmlformats.org/presentationml/2006/main">
+  <p:cSld>
+    <p:spTree>
+      <p:nvGrpSpPr>
+        <p:cNvPr id="1" name=""/>
+        <p:cNvGrpSpPr/>
+        <p:nvPr/>
+      </p:nvGrpSpPr>
+      <p:grpSpPr>
+        <a:xfrm>
+          <a:off x="0" y="0"/>
+          <a:ext cx="0" cy="0"/>
+          <a:chOff x="0" y="0"/>
+          <a:chExt cx="0" cy="0"/>
+        </a:xfrm>
+      </p:grpSpPr>
+      <p:sp>
+        <p:nvSpPr>
+          <p:cNvPr id="4" name="Foliennummernplatzhalter 3"/>
+          <p:cNvSpPr>
+            <a:spLocks noGrp="1"/>
+          </p:cNvSpPr>
+          <p:nvPr>
+            <p:ph type="sldNum" sz="quarter" idx="11"/>
+          </p:nvPr>
+        </p:nvSpPr>
+        <p:spPr/>
+        <p:txBody>
+          <a:bodyPr/>
+          <a:lstStyle/>
+          <a:p>
+            <a:fld id="{CE58CB1E-F828-4F11-99E0-327109AF9DA4}" type="slidenum">
+              <a:rPr lang="de-DE" smtClean="0"/>
+              <a:pPr/>
+              <a:t>6</a:t>
+            </a:fld>
+            <a:endParaRPr lang="de-DE" dirty="0"/>
+          </a:p>
+        </p:txBody>
+      </p:sp>
+      <p:sp>
+        <p:nvSpPr>
+          <p:cNvPr id="6" name="Fußzeilenplatzhalter 4"/>
+          <p:cNvSpPr>
+            <a:spLocks noGrp="1"/>
+          </p:cNvSpPr>
+          <p:nvPr>
+            <p:ph type="ftr" sz="quarter" idx="12"/>
+          </p:nvPr>
+        </p:nvSpPr>
+        <p:spPr/>
+        <p:txBody>
+          <a:bodyPr/>
+          <a:lstStyle/>
+          <a:p>
+            <a:r>
+              <a:rPr lang="en-US" dirty="0" err="1"/>
+              <a:t>Xlink</a:t>
+            </a:r>
+            <a:r>
+              <a:rPr lang="en-US" dirty="0"/>
+              <a:t> | </a:t>
+            </a:r>
+            <a:r>
+              <a:rPr lang="en-US" dirty="0" err="1"/>
+              <a:t>DocBook</a:t>
+            </a:r>
+            <a:r>
+              <a:rPr lang="en-US" dirty="0"/>
+              <a:t> </a:t>
+            </a:r>
+            <a:r>
+              <a:rPr lang="en-US" dirty="0" err="1"/>
+              <a:t>Dokumentation</a:t>
+            </a:r>
+            <a:endParaRPr lang="en-US" dirty="0"/>
+          </a:p>
+        </p:txBody>
+      </p:sp>
+      <p:sp>
+        <p:nvSpPr>
+          <p:cNvPr id="3" name="Titel 2"/>
+          <p:cNvSpPr>
+            <a:spLocks noGrp="1"/>
+          </p:cNvSpPr>
+          <p:nvPr>
+            <p:ph type="title"/>
+          </p:nvPr>
+        </p:nvSpPr>
+        <p:spPr>
+          <a:xfrm>
+            <a:off x="319091" y="745751"/>
+            <a:ext cx="8508999" cy="307777"/>
+          </a:xfrm>
+          <a:prstGeom prst="rect">
+            <a:avLst/>
+          </a:prstGeom>
+        </p:spPr>
+        <p:txBody>
+          <a:bodyPr/>
+          <a:lstStyle/>
+          <a:p>
+            <a:pPr algn="ctr"/>
+            <a:endParaRPr lang="de-DE" dirty="0"/>
+          </a:p>
+        </p:txBody>
+      </p:sp>
+      <p:sp>
+        <p:nvSpPr>
+          <p:cNvPr id="2" name="Textfeld 1">
+            <a:extLst>
+              <a:ext uri="{FF2B5EF4-FFF2-40B4-BE49-F238E27FC236}">
+                <a16:creationId xmlns:a16="http://schemas.microsoft.com/office/drawing/2014/main" id="{B78A35C3-FC4F-C946-A075-804AE4869859}"/>
+              </a:ext>
+            </a:extLst>
+          </p:cNvPr>
+          <p:cNvSpPr txBox="1"/>
+          <p:nvPr/>
+        </p:nvSpPr>
+        <p:spPr>
+          <a:xfrm>
+            <a:off x="755374" y="1804946"/>
+            <a:ext cx="7506031" cy="818686"/>
+          </a:xfrm>
+          <a:prstGeom prst="rect">
+            <a:avLst/>
+          </a:prstGeom>
+          <a:noFill/>
+        </p:spPr>
+        <p:txBody>
+          <a:bodyPr wrap="square" lIns="0" tIns="0" rIns="0" bIns="0" rtlCol="0">
+            <a:spAutoFit/>
+          </a:bodyPr>
+          <a:lstStyle/>
+          <a:p>
+            <a:pPr>
+              <a:lnSpc>
+                <a:spcPct val="114000"/>
+              </a:lnSpc>
+            </a:pPr>
+            <a:r>
+              <a:rPr lang="de-DE" sz="1600" dirty="0">
+                <a:latin typeface="+mn-lt"/>
+              </a:rPr>
+              <a:t>Wir haben das </a:t>
+            </a:r>
+            <a:r>
+              <a:rPr lang="de-DE" sz="1600" dirty="0" err="1">
+                <a:latin typeface="+mn-lt"/>
+              </a:rPr>
+              <a:t>DocBook</a:t>
+            </a:r>
+            <a:r>
+              <a:rPr lang="de-DE" sz="1600" dirty="0">
+                <a:latin typeface="+mn-lt"/>
+              </a:rPr>
+              <a:t> so aufgebaut dass wir die Technologie die wir benutzt haben (XML, XSLT, </a:t>
+            </a:r>
+            <a:r>
+              <a:rPr lang="de-DE" sz="1600" dirty="0" err="1">
+                <a:latin typeface="+mn-lt"/>
+              </a:rPr>
+              <a:t>xQuery</a:t>
+            </a:r>
+            <a:r>
+              <a:rPr lang="de-DE" sz="1600" dirty="0">
+                <a:latin typeface="+mn-lt"/>
+              </a:rPr>
+              <a:t>, </a:t>
+            </a:r>
+            <a:r>
+              <a:rPr lang="de-DE" sz="1600" dirty="0" err="1">
+                <a:latin typeface="+mn-lt"/>
+              </a:rPr>
+              <a:t>xPath</a:t>
+            </a:r>
+            <a:r>
+              <a:rPr lang="de-DE" sz="1600" dirty="0">
+                <a:latin typeface="+mn-lt"/>
+              </a:rPr>
+              <a:t>) erstmal vorgestellt haben</a:t>
+            </a:r>
+          </a:p>
+          <a:p>
+            <a:pPr>
+              <a:lnSpc>
+                <a:spcPct val="114000"/>
+              </a:lnSpc>
+            </a:pPr>
+            <a:r>
+              <a:rPr lang="de-DE" sz="1600" dirty="0">
+                <a:latin typeface="+mn-lt"/>
+                <a:sym typeface="Wingdings" pitchFamily="2" charset="2"/>
+              </a:rPr>
+              <a:t> Dazu findet man </a:t>
+            </a:r>
+            <a:r>
+              <a:rPr lang="de-DE" sz="1600" dirty="0" err="1">
+                <a:latin typeface="+mn-lt"/>
+                <a:sym typeface="Wingdings" pitchFamily="2" charset="2"/>
+              </a:rPr>
+              <a:t>screenshots</a:t>
+            </a:r>
+            <a:r>
+              <a:rPr lang="de-DE" sz="1600" dirty="0">
+                <a:latin typeface="+mn-lt"/>
+                <a:sym typeface="Wingdings" pitchFamily="2" charset="2"/>
+              </a:rPr>
+              <a:t> auf den folgenden Seiten</a:t>
+            </a:r>
+            <a:endParaRPr lang="de-DE" sz="1600" dirty="0">
+              <a:latin typeface="+mn-lt"/>
+            </a:endParaRPr>
+          </a:p>
+        </p:txBody>
+      </p:sp>
+    </p:spTree>
+    <p:extLst>
+      <p:ext uri="{BB962C8B-B14F-4D97-AF65-F5344CB8AC3E}">
+        <p14:creationId xmlns:p14="http://schemas.microsoft.com/office/powerpoint/2010/main" val="177649110"/>
+      </p:ext>
+    </p:extLst>
+  </p:cSld>
+  <p:clrMapOvr>
+    <a:masterClrMapping/>
+  </p:clrMapOvr>
+</p:sld>
+</file>
+
+<file path=ppt/slides/slide7.xml><?xml version="1.0" encoding="utf-8"?>
+<p:sld xmlns:a="http://schemas.openxmlformats.org/drawingml/2006/main" xmlns:r="http://schemas.openxmlformats.org/officeDocument/2006/relationships" xmlns:p="http://schemas.openxmlformats.org/presentationml/2006/main">
+  <p:cSld>
+    <p:spTree>
+      <p:nvGrpSpPr>
+        <p:cNvPr id="1" name=""/>
+        <p:cNvGrpSpPr/>
+        <p:nvPr/>
+      </p:nvGrpSpPr>
+      <p:grpSpPr>
+        <a:xfrm>
+          <a:off x="0" y="0"/>
+          <a:ext cx="0" cy="0"/>
+          <a:chOff x="0" y="0"/>
+          <a:chExt cx="0" cy="0"/>
+        </a:xfrm>
+      </p:grpSpPr>
+      <p:sp>
+        <p:nvSpPr>
+          <p:cNvPr id="4" name="Foliennummernplatzhalter 3"/>
+          <p:cNvSpPr>
+            <a:spLocks noGrp="1"/>
+          </p:cNvSpPr>
+          <p:nvPr>
+            <p:ph type="sldNum" sz="quarter" idx="11"/>
+          </p:nvPr>
+        </p:nvSpPr>
+        <p:spPr/>
+        <p:txBody>
+          <a:bodyPr/>
+          <a:lstStyle/>
+          <a:p>
+            <a:fld id="{CE58CB1E-F828-4F11-99E0-327109AF9DA4}" type="slidenum">
+              <a:rPr lang="de-DE" smtClean="0"/>
+              <a:pPr/>
+              <a:t>7</a:t>
+            </a:fld>
+            <a:endParaRPr lang="de-DE" dirty="0"/>
+          </a:p>
+        </p:txBody>
+      </p:sp>
+      <p:sp>
+        <p:nvSpPr>
+          <p:cNvPr id="6" name="Fußzeilenplatzhalter 4"/>
+          <p:cNvSpPr>
+            <a:spLocks noGrp="1"/>
+          </p:cNvSpPr>
+          <p:nvPr>
+            <p:ph type="ftr" sz="quarter" idx="12"/>
+          </p:nvPr>
+        </p:nvSpPr>
+        <p:spPr/>
+        <p:txBody>
+          <a:bodyPr/>
+          <a:lstStyle/>
+          <a:p>
+            <a:r>
+              <a:rPr lang="en-US" dirty="0" err="1"/>
+              <a:t>Xlink</a:t>
+            </a:r>
+            <a:r>
+              <a:rPr lang="en-US" dirty="0"/>
+              <a:t> | </a:t>
+            </a:r>
+            <a:r>
+              <a:rPr lang="en-US" dirty="0" err="1"/>
+              <a:t>DocBook</a:t>
+            </a:r>
+            <a:r>
+              <a:rPr lang="en-US" dirty="0"/>
+              <a:t> </a:t>
+            </a:r>
+            <a:r>
+              <a:rPr lang="en-US" dirty="0" err="1"/>
+              <a:t>Dokumentation</a:t>
+            </a:r>
+            <a:endParaRPr lang="en-US" dirty="0"/>
+          </a:p>
+        </p:txBody>
+      </p:sp>
+      <p:sp>
+        <p:nvSpPr>
+          <p:cNvPr id="3" name="Titel 2"/>
+          <p:cNvSpPr>
+            <a:spLocks noGrp="1"/>
+          </p:cNvSpPr>
+          <p:nvPr>
+            <p:ph type="title"/>
+          </p:nvPr>
+        </p:nvSpPr>
+        <p:spPr>
+          <a:xfrm>
+            <a:off x="319091" y="745751"/>
+            <a:ext cx="8508999" cy="307777"/>
+          </a:xfrm>
+          <a:prstGeom prst="rect">
+            <a:avLst/>
+          </a:prstGeom>
+        </p:spPr>
+        <p:txBody>
+          <a:bodyPr/>
+          <a:lstStyle/>
+          <a:p>
+            <a:pPr algn="ctr"/>
+            <a:r>
+              <a:rPr lang="de-DE" dirty="0"/>
+              <a:t>XML</a:t>
+            </a:r>
+          </a:p>
+        </p:txBody>
+      </p:sp>
+      <p:pic>
+        <p:nvPicPr>
+          <p:cNvPr id="8" name="Grafik 7" descr="Ein Bild, das Zeichnung enthält.&#10;&#10;Automatisch generierte Beschreibung">
+            <a:extLst>
+              <a:ext uri="{FF2B5EF4-FFF2-40B4-BE49-F238E27FC236}">
+                <a16:creationId xmlns:a16="http://schemas.microsoft.com/office/drawing/2014/main" id="{03460A96-09D0-DD47-880D-0B75A69E3696}"/>
+              </a:ext>
+            </a:extLst>
+          </p:cNvPr>
+          <p:cNvPicPr>
+            <a:picLocks noChangeAspect="1"/>
+          </p:cNvPicPr>
+          <p:nvPr/>
+        </p:nvPicPr>
+        <p:blipFill>
+          <a:blip r:embed="rId3"/>
+          <a:stretch>
+            <a:fillRect/>
+          </a:stretch>
+        </p:blipFill>
+        <p:spPr>
+          <a:xfrm>
+            <a:off x="282271" y="1810474"/>
+            <a:ext cx="8579457" cy="1522551"/>
+          </a:xfrm>
+          <a:prstGeom prst="rect">
+            <a:avLst/>
+          </a:prstGeom>
+        </p:spPr>
+      </p:pic>
+    </p:spTree>
+    <p:extLst>
+      <p:ext uri="{BB962C8B-B14F-4D97-AF65-F5344CB8AC3E}">
+        <p14:creationId xmlns:p14="http://schemas.microsoft.com/office/powerpoint/2010/main" val="560121441"/>
+      </p:ext>
+    </p:extLst>
+  </p:cSld>
+  <p:clrMapOvr>
+    <a:masterClrMapping/>
+  </p:clrMapOvr>
+</p:sld>
+</file>
+
+<file path=ppt/slides/slide8.xml><?xml version="1.0" encoding="utf-8"?>
+<p:sld xmlns:a="http://schemas.openxmlformats.org/drawingml/2006/main" xmlns:r="http://schemas.openxmlformats.org/officeDocument/2006/relationships" xmlns:p="http://schemas.openxmlformats.org/presentationml/2006/main">
+  <p:cSld>
+    <p:spTree>
+      <p:nvGrpSpPr>
+        <p:cNvPr id="1" name=""/>
+        <p:cNvGrpSpPr/>
+        <p:nvPr/>
+      </p:nvGrpSpPr>
+      <p:grpSpPr>
+        <a:xfrm>
+          <a:off x="0" y="0"/>
+          <a:ext cx="0" cy="0"/>
+          <a:chOff x="0" y="0"/>
+          <a:chExt cx="0" cy="0"/>
+        </a:xfrm>
+      </p:grpSpPr>
+      <p:sp>
+        <p:nvSpPr>
+          <p:cNvPr id="4" name="Foliennummernplatzhalter 3"/>
+          <p:cNvSpPr>
+            <a:spLocks noGrp="1"/>
+          </p:cNvSpPr>
+          <p:nvPr>
+            <p:ph type="sldNum" sz="quarter" idx="11"/>
+          </p:nvPr>
+        </p:nvSpPr>
+        <p:spPr/>
+        <p:txBody>
+          <a:bodyPr/>
+          <a:lstStyle/>
+          <a:p>
+            <a:fld id="{CE58CB1E-F828-4F11-99E0-327109AF9DA4}" type="slidenum">
+              <a:rPr lang="de-DE" smtClean="0"/>
+              <a:pPr/>
+              <a:t>8</a:t>
+            </a:fld>
+            <a:endParaRPr lang="de-DE" dirty="0"/>
+          </a:p>
+        </p:txBody>
+      </p:sp>
+      <p:sp>
+        <p:nvSpPr>
+          <p:cNvPr id="6" name="Fußzeilenplatzhalter 4"/>
+          <p:cNvSpPr>
+            <a:spLocks noGrp="1"/>
+          </p:cNvSpPr>
+          <p:nvPr>
+            <p:ph type="ftr" sz="quarter" idx="12"/>
+          </p:nvPr>
+        </p:nvSpPr>
+        <p:spPr/>
+        <p:txBody>
+          <a:bodyPr/>
+          <a:lstStyle/>
+          <a:p>
+            <a:r>
+              <a:rPr lang="en-US" dirty="0" err="1"/>
+              <a:t>Xlink</a:t>
+            </a:r>
+            <a:r>
+              <a:rPr lang="en-US" dirty="0"/>
+              <a:t> | </a:t>
+            </a:r>
+            <a:r>
+              <a:rPr lang="en-US" dirty="0" err="1"/>
+              <a:t>DocBook</a:t>
+            </a:r>
+            <a:r>
+              <a:rPr lang="en-US" dirty="0"/>
+              <a:t> </a:t>
+            </a:r>
+            <a:r>
+              <a:rPr lang="en-US" dirty="0" err="1"/>
+              <a:t>Dokumentation</a:t>
+            </a:r>
+            <a:endParaRPr lang="en-US" dirty="0"/>
+          </a:p>
+        </p:txBody>
+      </p:sp>
+      <p:sp>
+        <p:nvSpPr>
+          <p:cNvPr id="3" name="Titel 2"/>
+          <p:cNvSpPr>
+            <a:spLocks noGrp="1"/>
+          </p:cNvSpPr>
+          <p:nvPr>
+            <p:ph type="title"/>
+          </p:nvPr>
+        </p:nvSpPr>
+        <p:spPr>
+          <a:xfrm>
+            <a:off x="319091" y="745751"/>
+            <a:ext cx="8508999" cy="307777"/>
+          </a:xfrm>
+          <a:prstGeom prst="rect">
+            <a:avLst/>
+          </a:prstGeom>
+        </p:spPr>
+        <p:txBody>
+          <a:bodyPr/>
+          <a:lstStyle/>
+          <a:p>
+            <a:pPr algn="ctr"/>
+            <a:r>
+              <a:rPr lang="de-DE" dirty="0"/>
+              <a:t>SVG</a:t>
+            </a:r>
+          </a:p>
+        </p:txBody>
+      </p:sp>
+      <p:pic>
+        <p:nvPicPr>
+          <p:cNvPr id="5" name="Grafik 4" descr="Ein Bild, das Screenshot enthält.&#10;&#10;Automatisch generierte Beschreibung">
+            <a:extLst>
+              <a:ext uri="{FF2B5EF4-FFF2-40B4-BE49-F238E27FC236}">
+                <a16:creationId xmlns:a16="http://schemas.microsoft.com/office/drawing/2014/main" id="{7256CF38-DE25-D84F-9D6D-FD6F0C2376DA}"/>
+              </a:ext>
+            </a:extLst>
+          </p:cNvPr>
+          <p:cNvPicPr>
+            <a:picLocks noChangeAspect="1"/>
+          </p:cNvPicPr>
+          <p:nvPr/>
+        </p:nvPicPr>
+        <p:blipFill>
+          <a:blip r:embed="rId2"/>
+          <a:stretch>
+            <a:fillRect/>
+          </a:stretch>
+        </p:blipFill>
+        <p:spPr>
+          <a:xfrm>
+            <a:off x="657231" y="1231162"/>
+            <a:ext cx="7829538" cy="3332010"/>
+          </a:xfrm>
+          <a:prstGeom prst="rect">
+            <a:avLst/>
+          </a:prstGeom>
+        </p:spPr>
+      </p:pic>
+    </p:spTree>
+    <p:extLst>
+      <p:ext uri="{BB962C8B-B14F-4D97-AF65-F5344CB8AC3E}">
+        <p14:creationId xmlns:p14="http://schemas.microsoft.com/office/powerpoint/2010/main" val="2624432542"/>
+      </p:ext>
+    </p:extLst>
+  </p:cSld>
+  <p:clrMapOvr>
+    <a:masterClrMapping/>
+  </p:clrMapOvr>
+</p:sld>
+</file>
+
 <file path=ppt/slides/slide9.xml><?xml version="1.0" encoding="utf-8"?>
 <p:sld xmlns:a="http://schemas.openxmlformats.org/drawingml/2006/main" xmlns:r="http://schemas.openxmlformats.org/officeDocument/2006/relationships" xmlns:p="http://schemas.openxmlformats.org/presentationml/2006/main">
   <p:cSld>
@@ -10930,10 +11891,6 @@
           <a:p>
             <a:pPr algn="ctr"/>
             <a:r>
-              <a:rPr lang="de-DE" dirty="0"/>
-              <a:t>Ausblick MVC im </a:t>
-            </a:r>
-            <a:r>
               <a:rPr lang="de-DE" dirty="0" err="1"/>
               <a:t>DocBook</a:t>
             </a:r>
@@ -10941,10 +11898,40 @@
           </a:p>
         </p:txBody>
       </p:sp>
+      <p:pic>
+        <p:nvPicPr>
+          <p:cNvPr id="5" name="Grafik 4">
+            <a:extLst>
+              <a:ext uri="{FF2B5EF4-FFF2-40B4-BE49-F238E27FC236}">
+                <a16:creationId xmlns:a16="http://schemas.microsoft.com/office/drawing/2014/main" id="{F34106F0-6CC1-7E45-A429-47EA60503F92}"/>
+              </a:ext>
+            </a:extLst>
+          </p:cNvPr>
+          <p:cNvPicPr>
+            <a:picLocks noChangeAspect="1"/>
+          </p:cNvPicPr>
+          <p:nvPr/>
+        </p:nvPicPr>
+        <p:blipFill>
+          <a:blip r:embed="rId2"/>
+          <a:stretch>
+            <a:fillRect/>
+          </a:stretch>
+        </p:blipFill>
+        <p:spPr>
+          <a:xfrm>
+            <a:off x="657230" y="1870980"/>
+            <a:ext cx="7829539" cy="1401539"/>
+          </a:xfrm>
+          <a:prstGeom prst="rect">
+            <a:avLst/>
+          </a:prstGeom>
+        </p:spPr>
+      </p:pic>
     </p:spTree>
     <p:extLst>
       <p:ext uri="{BB962C8B-B14F-4D97-AF65-F5344CB8AC3E}">
-        <p14:creationId xmlns:p14="http://schemas.microsoft.com/office/powerpoint/2010/main" val="2914764933"/>
+        <p14:creationId xmlns:p14="http://schemas.microsoft.com/office/powerpoint/2010/main" val="3674180149"/>
       </p:ext>
     </p:extLst>
   </p:cSld>

--- a/Präsentationen/PP_notenbonus.pptx
+++ b/Präsentationen/PP_notenbonus.pptx
@@ -10,10 +10,10 @@
     <p:sldMasterId id="2147483697" r:id="rId6"/>
   </p:sldMasterIdLst>
   <p:notesMasterIdLst>
-    <p:notesMasterId r:id="rId21"/>
+    <p:notesMasterId r:id="rId20"/>
   </p:notesMasterIdLst>
   <p:handoutMasterIdLst>
-    <p:handoutMasterId r:id="rId22"/>
+    <p:handoutMasterId r:id="rId21"/>
   </p:handoutMasterIdLst>
   <p:sldIdLst>
     <p:sldId id="356" r:id="rId7"/>
@@ -21,20 +21,19 @@
     <p:sldId id="379" r:id="rId9"/>
     <p:sldId id="380" r:id="rId10"/>
     <p:sldId id="381" r:id="rId11"/>
-    <p:sldId id="371" r:id="rId12"/>
+    <p:sldId id="382" r:id="rId12"/>
     <p:sldId id="376" r:id="rId13"/>
     <p:sldId id="375" r:id="rId14"/>
     <p:sldId id="374" r:id="rId15"/>
     <p:sldId id="370" r:id="rId16"/>
     <p:sldId id="372" r:id="rId17"/>
     <p:sldId id="373" r:id="rId18"/>
-    <p:sldId id="377" r:id="rId19"/>
-    <p:sldId id="279" r:id="rId20"/>
+    <p:sldId id="279" r:id="rId19"/>
   </p:sldIdLst>
   <p:sldSz cx="9144000" cy="5143500" type="screen16x9"/>
   <p:notesSz cx="9925050" cy="6665913"/>
   <p:custDataLst>
-    <p:tags r:id="rId23"/>
+    <p:tags r:id="rId22"/>
   </p:custDataLst>
   <p:defaultTextStyle>
     <a:defPPr>
@@ -1414,6 +1413,101 @@
               <a:pPr>
                 <a:defRPr/>
               </a:pPr>
+              <a:t>6</a:t>
+            </a:fld>
+            <a:endParaRPr lang="en-GB"/>
+          </a:p>
+        </p:txBody>
+      </p:sp>
+    </p:spTree>
+    <p:extLst>
+      <p:ext uri="{BB962C8B-B14F-4D97-AF65-F5344CB8AC3E}">
+        <p14:creationId xmlns:p14="http://schemas.microsoft.com/office/powerpoint/2010/main" val="1408043966"/>
+      </p:ext>
+    </p:extLst>
+  </p:cSld>
+  <p:clrMapOvr>
+    <a:masterClrMapping/>
+  </p:clrMapOvr>
+</p:notes>
+</file>
+
+<file path=ppt/notesSlides/notesSlide7.xml><?xml version="1.0" encoding="utf-8"?>
+<p:notes xmlns:a="http://schemas.openxmlformats.org/drawingml/2006/main" xmlns:r="http://schemas.openxmlformats.org/officeDocument/2006/relationships" xmlns:p="http://schemas.openxmlformats.org/presentationml/2006/main">
+  <p:cSld>
+    <p:spTree>
+      <p:nvGrpSpPr>
+        <p:cNvPr id="1" name=""/>
+        <p:cNvGrpSpPr/>
+        <p:nvPr/>
+      </p:nvGrpSpPr>
+      <p:grpSpPr>
+        <a:xfrm>
+          <a:off x="0" y="0"/>
+          <a:ext cx="0" cy="0"/>
+          <a:chOff x="0" y="0"/>
+          <a:chExt cx="0" cy="0"/>
+        </a:xfrm>
+      </p:grpSpPr>
+      <p:sp>
+        <p:nvSpPr>
+          <p:cNvPr id="2" name="Folienbildplatzhalter 1"/>
+          <p:cNvSpPr>
+            <a:spLocks noGrp="1" noRot="1" noChangeAspect="1"/>
+          </p:cNvSpPr>
+          <p:nvPr>
+            <p:ph type="sldImg"/>
+          </p:nvPr>
+        </p:nvSpPr>
+        <p:spPr>
+          <a:xfrm>
+            <a:off x="2740025" y="500063"/>
+            <a:ext cx="4445000" cy="2500312"/>
+          </a:xfrm>
+        </p:spPr>
+      </p:sp>
+      <p:sp>
+        <p:nvSpPr>
+          <p:cNvPr id="3" name="Notizenplatzhalter 2"/>
+          <p:cNvSpPr>
+            <a:spLocks noGrp="1"/>
+          </p:cNvSpPr>
+          <p:nvPr>
+            <p:ph type="body" idx="1"/>
+          </p:nvPr>
+        </p:nvSpPr>
+        <p:spPr/>
+        <p:txBody>
+          <a:bodyPr/>
+          <a:lstStyle/>
+          <a:p>
+            <a:endParaRPr lang="de-DE" dirty="0"/>
+          </a:p>
+        </p:txBody>
+      </p:sp>
+      <p:sp>
+        <p:nvSpPr>
+          <p:cNvPr id="4" name="Foliennummernplatzhalter 3"/>
+          <p:cNvSpPr>
+            <a:spLocks noGrp="1"/>
+          </p:cNvSpPr>
+          <p:nvPr>
+            <p:ph type="sldNum" sz="quarter" idx="5"/>
+          </p:nvPr>
+        </p:nvSpPr>
+        <p:spPr/>
+        <p:txBody>
+          <a:bodyPr/>
+          <a:lstStyle/>
+          <a:p>
+            <a:pPr>
+              <a:defRPr/>
+            </a:pPr>
+            <a:fld id="{00AFC6D0-44D5-4EB7-828F-6F464F83D79A}" type="slidenum">
+              <a:rPr lang="en-GB" smtClean="0"/>
+              <a:pPr>
+                <a:defRPr/>
+              </a:pPr>
               <a:t>7</a:t>
             </a:fld>
             <a:endParaRPr lang="en-GB"/>
@@ -1433,7 +1527,7 @@
 </p:notes>
 </file>
 
-<file path=ppt/notesSlides/notesSlide7.xml><?xml version="1.0" encoding="utf-8"?>
+<file path=ppt/notesSlides/notesSlide8.xml><?xml version="1.0" encoding="utf-8"?>
 <p:notes xmlns:a="http://schemas.openxmlformats.org/drawingml/2006/main" xmlns:r="http://schemas.openxmlformats.org/officeDocument/2006/relationships" xmlns:p="http://schemas.openxmlformats.org/presentationml/2006/main">
   <p:cSld>
     <p:spTree>
@@ -9420,7 +9514,7 @@
           <p:nvPr>
             <p:extLst>
               <p:ext uri="{D42A27DB-BD31-4B8C-83A1-F6EECF244321}">
-                <p14:modId xmlns:p14="http://schemas.microsoft.com/office/powerpoint/2010/main" val="1709246299"/>
+                <p14:modId xmlns:p14="http://schemas.microsoft.com/office/powerpoint/2010/main" val="2473033461"/>
               </p:ext>
             </p:extLst>
           </p:nvPr>
@@ -9598,7 +9692,7 @@
                       <a:pPr algn="ctr"/>
                       <a:r>
                         <a:rPr lang="de-DE" dirty="0" err="1"/>
-                        <a:t>checkWinners</a:t>
+                        <a:t>evaluateRound</a:t>
                       </a:r>
                       <a:endParaRPr lang="de-DE" dirty="0"/>
                     </a:p>
@@ -9649,7 +9743,7 @@
                       <a:pPr algn="ctr"/>
                       <a:r>
                         <a:rPr lang="de-DE" dirty="0" err="1"/>
-                        <a:t>checkBalance</a:t>
+                        <a:t>roundCompleted</a:t>
                       </a:r>
                       <a:endParaRPr lang="de-DE" dirty="0"/>
                     </a:p>
@@ -9700,9 +9794,10 @@
                     <a:p>
                       <a:pPr algn="ctr"/>
                       <a:r>
-                        <a:rPr lang="de-DE" dirty="0"/>
-                        <a:t>check</a:t>
+                        <a:rPr lang="de-DE" dirty="0" err="1"/>
+                        <a:t>initializeDeck</a:t>
                       </a:r>
+                      <a:endParaRPr lang="de-DE" dirty="0"/>
                     </a:p>
                   </a:txBody>
                   <a:tcPr/>
@@ -9842,7 +9937,11 @@
                     <a:lstStyle/>
                     <a:p>
                       <a:pPr algn="ctr"/>
-                      <a:endParaRPr lang="de-DE"/>
+                      <a:r>
+                        <a:rPr lang="de-DE" dirty="0" err="1"/>
+                        <a:t>nextTurn</a:t>
+                      </a:r>
+                      <a:endParaRPr lang="de-DE" dirty="0"/>
                     </a:p>
                   </a:txBody>
                   <a:tcPr/>
@@ -9964,135 +10063,6 @@
 </file>
 
 <file path=ppt/slides/slide13.xml><?xml version="1.0" encoding="utf-8"?>
-<p:sld xmlns:a="http://schemas.openxmlformats.org/drawingml/2006/main" xmlns:r="http://schemas.openxmlformats.org/officeDocument/2006/relationships" xmlns:p="http://schemas.openxmlformats.org/presentationml/2006/main">
-  <p:cSld>
-    <p:spTree>
-      <p:nvGrpSpPr>
-        <p:cNvPr id="1" name=""/>
-        <p:cNvGrpSpPr/>
-        <p:nvPr/>
-      </p:nvGrpSpPr>
-      <p:grpSpPr>
-        <a:xfrm>
-          <a:off x="0" y="0"/>
-          <a:ext cx="0" cy="0"/>
-          <a:chOff x="0" y="0"/>
-          <a:chExt cx="0" cy="0"/>
-        </a:xfrm>
-      </p:grpSpPr>
-      <p:sp>
-        <p:nvSpPr>
-          <p:cNvPr id="4" name="Foliennummernplatzhalter 3"/>
-          <p:cNvSpPr>
-            <a:spLocks noGrp="1"/>
-          </p:cNvSpPr>
-          <p:nvPr>
-            <p:ph type="sldNum" sz="quarter" idx="11"/>
-          </p:nvPr>
-        </p:nvSpPr>
-        <p:spPr/>
-        <p:txBody>
-          <a:bodyPr/>
-          <a:lstStyle/>
-          <a:p>
-            <a:fld id="{CE58CB1E-F828-4F11-99E0-327109AF9DA4}" type="slidenum">
-              <a:rPr lang="de-DE" smtClean="0"/>
-              <a:pPr/>
-              <a:t>13</a:t>
-            </a:fld>
-            <a:endParaRPr lang="de-DE" dirty="0"/>
-          </a:p>
-        </p:txBody>
-      </p:sp>
-      <p:sp>
-        <p:nvSpPr>
-          <p:cNvPr id="6" name="Fußzeilenplatzhalter 4"/>
-          <p:cNvSpPr>
-            <a:spLocks noGrp="1"/>
-          </p:cNvSpPr>
-          <p:nvPr>
-            <p:ph type="ftr" sz="quarter" idx="12"/>
-          </p:nvPr>
-        </p:nvSpPr>
-        <p:spPr/>
-        <p:txBody>
-          <a:bodyPr/>
-          <a:lstStyle/>
-          <a:p>
-            <a:r>
-              <a:rPr lang="en-US" dirty="0" err="1"/>
-              <a:t>Xlink</a:t>
-            </a:r>
-            <a:r>
-              <a:rPr lang="en-US" dirty="0"/>
-              <a:t> | </a:t>
-            </a:r>
-            <a:r>
-              <a:rPr lang="en-US" dirty="0" err="1"/>
-              <a:t>DocBook</a:t>
-            </a:r>
-            <a:r>
-              <a:rPr lang="en-US" dirty="0"/>
-              <a:t> </a:t>
-            </a:r>
-            <a:r>
-              <a:rPr lang="en-US" dirty="0" err="1"/>
-              <a:t>Dokumentation</a:t>
-            </a:r>
-            <a:endParaRPr lang="en-US" dirty="0"/>
-          </a:p>
-        </p:txBody>
-      </p:sp>
-      <p:sp>
-        <p:nvSpPr>
-          <p:cNvPr id="3" name="Titel 2"/>
-          <p:cNvSpPr>
-            <a:spLocks noGrp="1"/>
-          </p:cNvSpPr>
-          <p:nvPr>
-            <p:ph type="title"/>
-          </p:nvPr>
-        </p:nvSpPr>
-        <p:spPr>
-          <a:xfrm>
-            <a:off x="319091" y="745751"/>
-            <a:ext cx="8508999" cy="307777"/>
-          </a:xfrm>
-          <a:prstGeom prst="rect">
-            <a:avLst/>
-          </a:prstGeom>
-        </p:spPr>
-        <p:txBody>
-          <a:bodyPr/>
-          <a:lstStyle/>
-          <a:p>
-            <a:pPr algn="ctr"/>
-            <a:r>
-              <a:rPr lang="de-DE" dirty="0"/>
-              <a:t>Ausblick MVC im </a:t>
-            </a:r>
-            <a:r>
-              <a:rPr lang="de-DE" dirty="0" err="1"/>
-              <a:t>DocBook</a:t>
-            </a:r>
-            <a:endParaRPr lang="de-DE" dirty="0"/>
-          </a:p>
-        </p:txBody>
-      </p:sp>
-    </p:spTree>
-    <p:extLst>
-      <p:ext uri="{BB962C8B-B14F-4D97-AF65-F5344CB8AC3E}">
-        <p14:creationId xmlns:p14="http://schemas.microsoft.com/office/powerpoint/2010/main" val="2914764933"/>
-      </p:ext>
-    </p:extLst>
-  </p:cSld>
-  <p:clrMapOvr>
-    <a:masterClrMapping/>
-  </p:clrMapOvr>
-</p:sld>
-</file>
-
-<file path=ppt/slides/slide14.xml><?xml version="1.0" encoding="utf-8"?>
 <p:sld xmlns:a="http://schemas.openxmlformats.org/drawingml/2006/main" xmlns:r="http://schemas.openxmlformats.org/officeDocument/2006/relationships" xmlns:p="http://schemas.openxmlformats.org/presentationml/2006/main">
   <p:cSld>
     <p:spTree>
@@ -11340,8 +11310,8 @@
         </p:nvSpPr>
         <p:spPr>
           <a:xfrm>
-            <a:off x="319091" y="745751"/>
-            <a:ext cx="8508999" cy="307777"/>
+            <a:off x="317935" y="2417861"/>
+            <a:ext cx="8508999" cy="332976"/>
           </a:xfrm>
           <a:prstGeom prst="rect">
             <a:avLst/>
@@ -11352,123 +11322,42 @@
           <a:lstStyle/>
           <a:p>
             <a:pPr algn="ctr"/>
-            <a:endParaRPr lang="de-DE" dirty="0"/>
-          </a:p>
-        </p:txBody>
-      </p:sp>
-      <p:sp>
-        <p:nvSpPr>
-          <p:cNvPr id="2" name="Textfeld 1">
-            <a:extLst>
-              <a:ext uri="{FF2B5EF4-FFF2-40B4-BE49-F238E27FC236}">
-                <a16:creationId xmlns:a16="http://schemas.microsoft.com/office/drawing/2014/main" id="{B78A35C3-FC4F-C946-A075-804AE4869859}"/>
-              </a:ext>
-            </a:extLst>
-          </p:cNvPr>
-          <p:cNvSpPr txBox="1"/>
-          <p:nvPr/>
-        </p:nvSpPr>
-        <p:spPr>
-          <a:xfrm>
-            <a:off x="755374" y="1804946"/>
-            <a:ext cx="7506031" cy="818686"/>
-          </a:xfrm>
-          <a:prstGeom prst="rect">
-            <a:avLst/>
-          </a:prstGeom>
-          <a:noFill/>
-        </p:spPr>
-        <p:txBody>
-          <a:bodyPr wrap="square" lIns="0" tIns="0" rIns="0" bIns="0" rtlCol="0">
-            <a:spAutoFit/>
-          </a:bodyPr>
-          <a:lstStyle/>
-          <a:p>
-            <a:pPr>
-              <a:lnSpc>
-                <a:spcPct val="114000"/>
-              </a:lnSpc>
-            </a:pPr>
-            <a:r>
-              <a:rPr lang="de-DE" sz="1600" dirty="0">
-                <a:latin typeface="+mn-lt"/>
-              </a:rPr>
-              <a:t>Wir haben das </a:t>
-            </a:r>
-            <a:r>
-              <a:rPr lang="de-DE" sz="1600" dirty="0" err="1">
-                <a:latin typeface="+mn-lt"/>
-              </a:rPr>
-              <a:t>DocBook</a:t>
-            </a:r>
-            <a:r>
-              <a:rPr lang="de-DE" sz="1600" dirty="0">
-                <a:latin typeface="+mn-lt"/>
-              </a:rPr>
-              <a:t> so aufgebaut dass wir die Technologie die wir benutzt haben (XML, XSLT, </a:t>
-            </a:r>
-            <a:r>
-              <a:rPr lang="de-DE" sz="1600" dirty="0" err="1">
-                <a:latin typeface="+mn-lt"/>
-              </a:rPr>
-              <a:t>xQuery</a:t>
-            </a:r>
-            <a:r>
-              <a:rPr lang="de-DE" sz="1600" dirty="0">
-                <a:latin typeface="+mn-lt"/>
-              </a:rPr>
-              <a:t>, </a:t>
-            </a:r>
-            <a:r>
-              <a:rPr lang="de-DE" sz="1600" dirty="0" err="1">
-                <a:latin typeface="+mn-lt"/>
-              </a:rPr>
-              <a:t>xPath</a:t>
-            </a:r>
-            <a:r>
-              <a:rPr lang="de-DE" sz="1600" dirty="0">
-                <a:latin typeface="+mn-lt"/>
-              </a:rPr>
-              <a:t>) erstmal vorgestellt haben</a:t>
-            </a:r>
-          </a:p>
-          <a:p>
-            <a:pPr>
-              <a:lnSpc>
-                <a:spcPct val="114000"/>
-              </a:lnSpc>
-            </a:pPr>
-            <a:r>
-              <a:rPr lang="de-DE" sz="1600" dirty="0">
-                <a:latin typeface="+mn-lt"/>
-                <a:sym typeface="Wingdings" pitchFamily="2" charset="2"/>
-              </a:rPr>
-              <a:t> Dazu findet man </a:t>
-            </a:r>
-            <a:r>
-              <a:rPr lang="de-DE" sz="1600" dirty="0" err="1">
-                <a:latin typeface="+mn-lt"/>
-                <a:sym typeface="Wingdings" pitchFamily="2" charset="2"/>
-              </a:rPr>
-              <a:t>screenshots</a:t>
-            </a:r>
-            <a:r>
-              <a:rPr lang="de-DE" sz="1600" dirty="0">
-                <a:latin typeface="+mn-lt"/>
-                <a:sym typeface="Wingdings" pitchFamily="2" charset="2"/>
-              </a:rPr>
-              <a:t> auf den folgenden Seiten</a:t>
-            </a:r>
-            <a:endParaRPr lang="de-DE" sz="1600" dirty="0">
-              <a:latin typeface="+mn-lt"/>
-            </a:endParaRPr>
+            <a:r>
+              <a:rPr lang="de-DE" sz="3500" dirty="0" err="1"/>
+              <a:t>Documentation</a:t>
+            </a:r>
+            <a:r>
+              <a:rPr lang="de-DE" sz="3500" dirty="0"/>
+              <a:t> </a:t>
+            </a:r>
+            <a:r>
+              <a:rPr lang="de-DE" sz="3500" dirty="0" err="1"/>
+              <a:t>of</a:t>
+            </a:r>
+            <a:r>
+              <a:rPr lang="de-DE" sz="3500" dirty="0"/>
+              <a:t> </a:t>
+            </a:r>
+            <a:r>
+              <a:rPr lang="de-DE" sz="3500" dirty="0" err="1"/>
+              <a:t>used</a:t>
+            </a:r>
+            <a:r>
+              <a:rPr lang="de-DE" sz="3500" dirty="0"/>
+              <a:t> </a:t>
+            </a:r>
+            <a:r>
+              <a:rPr lang="de-DE" sz="3500" dirty="0" err="1"/>
+              <a:t>technologies</a:t>
+            </a:r>
+            <a:endParaRPr lang="de-DE" sz="3500" dirty="0"/>
           </a:p>
         </p:txBody>
       </p:sp>
     </p:spTree>
     <p:extLst>
       <p:ext uri="{BB962C8B-B14F-4D97-AF65-F5344CB8AC3E}">
-        <p14:creationId xmlns:p14="http://schemas.microsoft.com/office/powerpoint/2010/main" val="177649110"/>
+        <p14:creationId xmlns:p14="http://schemas.microsoft.com/office/powerpoint/2010/main" val="3738177429"/>
       </p:ext>
     </p:extLst>
   </p:cSld>

--- a/Präsentationen/PP_notenbonus.pptx
+++ b/Präsentationen/PP_notenbonus.pptx
@@ -10720,26 +10720,17 @@
           <a:p>
             <a:pPr algn="ctr"/>
             <a:r>
-              <a:rPr lang="de-DE" sz="3500" dirty="0" err="1"/>
-              <a:t>Documentation</a:t>
-            </a:r>
-            <a:r>
               <a:rPr lang="de-DE" sz="3500" dirty="0"/>
-              <a:t> </a:t>
-            </a:r>
-            <a:r>
-              <a:rPr lang="de-DE" sz="3500" dirty="0" err="1"/>
-              <a:t>of</a:t>
-            </a:r>
-            <a:r>
-              <a:rPr lang="de-DE" sz="3500" dirty="0"/>
-              <a:t> design </a:t>
+              <a:t>Dokumentation ‚design </a:t>
             </a:r>
             <a:r>
               <a:rPr lang="de-DE" sz="3500" dirty="0" err="1"/>
               <a:t>choices</a:t>
             </a:r>
-            <a:endParaRPr lang="de-DE" sz="3500" dirty="0"/>
+            <a:r>
+              <a:rPr lang="de-DE" sz="3500" dirty="0"/>
+              <a:t>‘</a:t>
+            </a:r>
           </a:p>
         </p:txBody>
       </p:sp>
@@ -11323,8 +11314,12 @@
           <a:p>
             <a:pPr algn="ctr"/>
             <a:r>
+              <a:rPr lang="de-DE" sz="3500" dirty="0"/>
+              <a:t>Dokumentation ‚</a:t>
+            </a:r>
+            <a:r>
               <a:rPr lang="de-DE" sz="3500" dirty="0" err="1"/>
-              <a:t>Documentation</a:t>
+              <a:t>used</a:t>
             </a:r>
             <a:r>
               <a:rPr lang="de-DE" sz="3500" dirty="0"/>
@@ -11332,25 +11327,12 @@
             </a:r>
             <a:r>
               <a:rPr lang="de-DE" sz="3500" dirty="0" err="1"/>
-              <a:t>of</a:t>
+              <a:t>technologies</a:t>
             </a:r>
             <a:r>
               <a:rPr lang="de-DE" sz="3500" dirty="0"/>
-              <a:t> </a:t>
-            </a:r>
-            <a:r>
-              <a:rPr lang="de-DE" sz="3500" dirty="0" err="1"/>
-              <a:t>used</a:t>
-            </a:r>
-            <a:r>
-              <a:rPr lang="de-DE" sz="3500" dirty="0"/>
-              <a:t> </a:t>
-            </a:r>
-            <a:r>
-              <a:rPr lang="de-DE" sz="3500" dirty="0" err="1"/>
-              <a:t>technologies</a:t>
-            </a:r>
-            <a:endParaRPr lang="de-DE" sz="3500" dirty="0"/>
+              <a:t>‘</a:t>
+            </a:r>
           </a:p>
         </p:txBody>
       </p:sp>

--- a/Präsentationen/PP_notenbonus.pptx
+++ b/Präsentationen/PP_notenbonus.pptx
@@ -10,10 +10,10 @@
     <p:sldMasterId id="2147483697" r:id="rId6"/>
   </p:sldMasterIdLst>
   <p:notesMasterIdLst>
-    <p:notesMasterId r:id="rId20"/>
+    <p:notesMasterId r:id="rId21"/>
   </p:notesMasterIdLst>
   <p:handoutMasterIdLst>
-    <p:handoutMasterId r:id="rId21"/>
+    <p:handoutMasterId r:id="rId22"/>
   </p:handoutMasterIdLst>
   <p:sldIdLst>
     <p:sldId id="356" r:id="rId7"/>
@@ -21,19 +21,20 @@
     <p:sldId id="379" r:id="rId9"/>
     <p:sldId id="380" r:id="rId10"/>
     <p:sldId id="381" r:id="rId11"/>
-    <p:sldId id="382" r:id="rId12"/>
-    <p:sldId id="376" r:id="rId13"/>
-    <p:sldId id="375" r:id="rId14"/>
-    <p:sldId id="374" r:id="rId15"/>
-    <p:sldId id="370" r:id="rId16"/>
-    <p:sldId id="372" r:id="rId17"/>
-    <p:sldId id="373" r:id="rId18"/>
-    <p:sldId id="279" r:id="rId19"/>
+    <p:sldId id="383" r:id="rId12"/>
+    <p:sldId id="382" r:id="rId13"/>
+    <p:sldId id="376" r:id="rId14"/>
+    <p:sldId id="375" r:id="rId15"/>
+    <p:sldId id="374" r:id="rId16"/>
+    <p:sldId id="370" r:id="rId17"/>
+    <p:sldId id="372" r:id="rId18"/>
+    <p:sldId id="373" r:id="rId19"/>
+    <p:sldId id="279" r:id="rId20"/>
   </p:sldIdLst>
   <p:sldSz cx="9144000" cy="5143500" type="screen16x9"/>
   <p:notesSz cx="9925050" cy="6665913"/>
   <p:custDataLst>
-    <p:tags r:id="rId22"/>
+    <p:tags r:id="rId23"/>
   </p:custDataLst>
   <p:defaultTextStyle>
     <a:defPPr>
@@ -1422,7 +1423,7 @@
     </p:spTree>
     <p:extLst>
       <p:ext uri="{BB962C8B-B14F-4D97-AF65-F5344CB8AC3E}">
-        <p14:creationId xmlns:p14="http://schemas.microsoft.com/office/powerpoint/2010/main" val="1408043966"/>
+        <p14:creationId xmlns:p14="http://schemas.microsoft.com/office/powerpoint/2010/main" val="1883340736"/>
       </p:ext>
     </p:extLst>
   </p:cSld>
@@ -1517,7 +1518,7 @@
     </p:spTree>
     <p:extLst>
       <p:ext uri="{BB962C8B-B14F-4D97-AF65-F5344CB8AC3E}">
-        <p14:creationId xmlns:p14="http://schemas.microsoft.com/office/powerpoint/2010/main" val="252278236"/>
+        <p14:creationId xmlns:p14="http://schemas.microsoft.com/office/powerpoint/2010/main" val="1408043966"/>
       </p:ext>
     </p:extLst>
   </p:cSld>
@@ -1603,7 +1604,102 @@
               <a:pPr>
                 <a:defRPr/>
               </a:pPr>
-              <a:t>10</a:t>
+              <a:t>8</a:t>
+            </a:fld>
+            <a:endParaRPr lang="en-GB"/>
+          </a:p>
+        </p:txBody>
+      </p:sp>
+    </p:spTree>
+    <p:extLst>
+      <p:ext uri="{BB962C8B-B14F-4D97-AF65-F5344CB8AC3E}">
+        <p14:creationId xmlns:p14="http://schemas.microsoft.com/office/powerpoint/2010/main" val="252278236"/>
+      </p:ext>
+    </p:extLst>
+  </p:cSld>
+  <p:clrMapOvr>
+    <a:masterClrMapping/>
+  </p:clrMapOvr>
+</p:notes>
+</file>
+
+<file path=ppt/notesSlides/notesSlide9.xml><?xml version="1.0" encoding="utf-8"?>
+<p:notes xmlns:a="http://schemas.openxmlformats.org/drawingml/2006/main" xmlns:r="http://schemas.openxmlformats.org/officeDocument/2006/relationships" xmlns:p="http://schemas.openxmlformats.org/presentationml/2006/main">
+  <p:cSld>
+    <p:spTree>
+      <p:nvGrpSpPr>
+        <p:cNvPr id="1" name=""/>
+        <p:cNvGrpSpPr/>
+        <p:nvPr/>
+      </p:nvGrpSpPr>
+      <p:grpSpPr>
+        <a:xfrm>
+          <a:off x="0" y="0"/>
+          <a:ext cx="0" cy="0"/>
+          <a:chOff x="0" y="0"/>
+          <a:chExt cx="0" cy="0"/>
+        </a:xfrm>
+      </p:grpSpPr>
+      <p:sp>
+        <p:nvSpPr>
+          <p:cNvPr id="2" name="Folienbildplatzhalter 1"/>
+          <p:cNvSpPr>
+            <a:spLocks noGrp="1" noRot="1" noChangeAspect="1"/>
+          </p:cNvSpPr>
+          <p:nvPr>
+            <p:ph type="sldImg"/>
+          </p:nvPr>
+        </p:nvSpPr>
+        <p:spPr>
+          <a:xfrm>
+            <a:off x="2740025" y="500063"/>
+            <a:ext cx="4445000" cy="2500312"/>
+          </a:xfrm>
+        </p:spPr>
+      </p:sp>
+      <p:sp>
+        <p:nvSpPr>
+          <p:cNvPr id="3" name="Notizenplatzhalter 2"/>
+          <p:cNvSpPr>
+            <a:spLocks noGrp="1"/>
+          </p:cNvSpPr>
+          <p:nvPr>
+            <p:ph type="body" idx="1"/>
+          </p:nvPr>
+        </p:nvSpPr>
+        <p:spPr/>
+        <p:txBody>
+          <a:bodyPr/>
+          <a:lstStyle/>
+          <a:p>
+            <a:endParaRPr lang="de-DE" dirty="0"/>
+          </a:p>
+        </p:txBody>
+      </p:sp>
+      <p:sp>
+        <p:nvSpPr>
+          <p:cNvPr id="4" name="Foliennummernplatzhalter 3"/>
+          <p:cNvSpPr>
+            <a:spLocks noGrp="1"/>
+          </p:cNvSpPr>
+          <p:nvPr>
+            <p:ph type="sldNum" sz="quarter" idx="5"/>
+          </p:nvPr>
+        </p:nvSpPr>
+        <p:spPr/>
+        <p:txBody>
+          <a:bodyPr/>
+          <a:lstStyle/>
+          <a:p>
+            <a:pPr>
+              <a:defRPr/>
+            </a:pPr>
+            <a:fld id="{00AFC6D0-44D5-4EB7-828F-6F464F83D79A}" type="slidenum">
+              <a:rPr lang="en-GB" smtClean="0"/>
+              <a:pPr>
+                <a:defRPr/>
+              </a:pPr>
+              <a:t>11</a:t>
             </a:fld>
             <a:endParaRPr lang="en-GB"/>
           </a:p>
@@ -8737,6 +8833,161 @@
           </p:nvPr>
         </p:nvSpPr>
         <p:spPr>
+          <a:xfrm>
+            <a:off x="319091" y="745751"/>
+            <a:ext cx="8508999" cy="307777"/>
+          </a:xfrm>
+          <a:prstGeom prst="rect">
+            <a:avLst/>
+          </a:prstGeom>
+        </p:spPr>
+        <p:txBody>
+          <a:bodyPr/>
+          <a:lstStyle/>
+          <a:p>
+            <a:pPr algn="ctr"/>
+            <a:r>
+              <a:rPr lang="de-DE" dirty="0" err="1"/>
+              <a:t>DocBook</a:t>
+            </a:r>
+            <a:endParaRPr lang="de-DE" dirty="0"/>
+          </a:p>
+        </p:txBody>
+      </p:sp>
+      <p:pic>
+        <p:nvPicPr>
+          <p:cNvPr id="5" name="Grafik 4">
+            <a:extLst>
+              <a:ext uri="{FF2B5EF4-FFF2-40B4-BE49-F238E27FC236}">
+                <a16:creationId xmlns:a16="http://schemas.microsoft.com/office/drawing/2014/main" id="{F34106F0-6CC1-7E45-A429-47EA60503F92}"/>
+              </a:ext>
+            </a:extLst>
+          </p:cNvPr>
+          <p:cNvPicPr>
+            <a:picLocks noChangeAspect="1"/>
+          </p:cNvPicPr>
+          <p:nvPr/>
+        </p:nvPicPr>
+        <p:blipFill>
+          <a:blip r:embed="rId2"/>
+          <a:stretch>
+            <a:fillRect/>
+          </a:stretch>
+        </p:blipFill>
+        <p:spPr>
+          <a:xfrm>
+            <a:off x="657230" y="1870980"/>
+            <a:ext cx="7829539" cy="1401539"/>
+          </a:xfrm>
+          <a:prstGeom prst="rect">
+            <a:avLst/>
+          </a:prstGeom>
+        </p:spPr>
+      </p:pic>
+    </p:spTree>
+    <p:extLst>
+      <p:ext uri="{BB962C8B-B14F-4D97-AF65-F5344CB8AC3E}">
+        <p14:creationId xmlns:p14="http://schemas.microsoft.com/office/powerpoint/2010/main" val="3674180149"/>
+      </p:ext>
+    </p:extLst>
+  </p:cSld>
+  <p:clrMapOvr>
+    <a:masterClrMapping/>
+  </p:clrMapOvr>
+</p:sld>
+</file>
+
+<file path=ppt/slides/slide11.xml><?xml version="1.0" encoding="utf-8"?>
+<p:sld xmlns:a="http://schemas.openxmlformats.org/drawingml/2006/main" xmlns:r="http://schemas.openxmlformats.org/officeDocument/2006/relationships" xmlns:p="http://schemas.openxmlformats.org/presentationml/2006/main">
+  <p:cSld>
+    <p:spTree>
+      <p:nvGrpSpPr>
+        <p:cNvPr id="1" name=""/>
+        <p:cNvGrpSpPr/>
+        <p:nvPr/>
+      </p:nvGrpSpPr>
+      <p:grpSpPr>
+        <a:xfrm>
+          <a:off x="0" y="0"/>
+          <a:ext cx="0" cy="0"/>
+          <a:chOff x="0" y="0"/>
+          <a:chExt cx="0" cy="0"/>
+        </a:xfrm>
+      </p:grpSpPr>
+      <p:sp>
+        <p:nvSpPr>
+          <p:cNvPr id="4" name="Foliennummernplatzhalter 3"/>
+          <p:cNvSpPr>
+            <a:spLocks noGrp="1"/>
+          </p:cNvSpPr>
+          <p:nvPr>
+            <p:ph type="sldNum" sz="quarter" idx="11"/>
+          </p:nvPr>
+        </p:nvSpPr>
+        <p:spPr/>
+        <p:txBody>
+          <a:bodyPr/>
+          <a:lstStyle/>
+          <a:p>
+            <a:fld id="{CE58CB1E-F828-4F11-99E0-327109AF9DA4}" type="slidenum">
+              <a:rPr lang="de-DE" smtClean="0"/>
+              <a:pPr/>
+              <a:t>11</a:t>
+            </a:fld>
+            <a:endParaRPr lang="de-DE" dirty="0"/>
+          </a:p>
+        </p:txBody>
+      </p:sp>
+      <p:sp>
+        <p:nvSpPr>
+          <p:cNvPr id="6" name="Fußzeilenplatzhalter 4"/>
+          <p:cNvSpPr>
+            <a:spLocks noGrp="1"/>
+          </p:cNvSpPr>
+          <p:nvPr>
+            <p:ph type="ftr" sz="quarter" idx="12"/>
+          </p:nvPr>
+        </p:nvSpPr>
+        <p:spPr/>
+        <p:txBody>
+          <a:bodyPr/>
+          <a:lstStyle/>
+          <a:p>
+            <a:r>
+              <a:rPr lang="en-US" dirty="0" err="1"/>
+              <a:t>Xlink</a:t>
+            </a:r>
+            <a:r>
+              <a:rPr lang="en-US" dirty="0"/>
+              <a:t> | </a:t>
+            </a:r>
+            <a:r>
+              <a:rPr lang="en-US" dirty="0" err="1"/>
+              <a:t>DocBook</a:t>
+            </a:r>
+            <a:r>
+              <a:rPr lang="en-US" dirty="0"/>
+              <a:t> </a:t>
+            </a:r>
+            <a:r>
+              <a:rPr lang="en-US" dirty="0" err="1"/>
+              <a:t>Dokumentation</a:t>
+            </a:r>
+            <a:endParaRPr lang="en-US" dirty="0"/>
+          </a:p>
+        </p:txBody>
+      </p:sp>
+      <p:sp>
+        <p:nvSpPr>
+          <p:cNvPr id="3" name="Titel 2"/>
+          <p:cNvSpPr>
+            <a:spLocks noGrp="1"/>
+          </p:cNvSpPr>
+          <p:nvPr>
+            <p:ph type="title"/>
+          </p:nvPr>
+        </p:nvSpPr>
+        <p:spPr>
           <a:prstGeom prst="rect">
             <a:avLst/>
           </a:prstGeom>
@@ -8796,7 +9047,7 @@
 </p:sld>
 </file>
 
-<file path=ppt/slides/slide11.xml><?xml version="1.0" encoding="utf-8"?>
+<file path=ppt/slides/slide12.xml><?xml version="1.0" encoding="utf-8"?>
 <p:sld xmlns:a="http://schemas.openxmlformats.org/drawingml/2006/main" xmlns:r="http://schemas.openxmlformats.org/officeDocument/2006/relationships" xmlns:p="http://schemas.openxmlformats.org/presentationml/2006/main">
   <p:cSld>
     <p:spTree>
@@ -8831,7 +9082,7 @@
             <a:fld id="{CE58CB1E-F828-4F11-99E0-327109AF9DA4}" type="slidenum">
               <a:rPr lang="de-DE" smtClean="0"/>
               <a:pPr/>
-              <a:t>11</a:t>
+              <a:t>12</a:t>
             </a:fld>
             <a:endParaRPr lang="de-DE" dirty="0"/>
           </a:p>
@@ -9371,7 +9622,7 @@
 </p:sld>
 </file>
 
-<file path=ppt/slides/slide12.xml><?xml version="1.0" encoding="utf-8"?>
+<file path=ppt/slides/slide13.xml><?xml version="1.0" encoding="utf-8"?>
 <p:sld xmlns:a="http://schemas.openxmlformats.org/drawingml/2006/main" xmlns:r="http://schemas.openxmlformats.org/officeDocument/2006/relationships" xmlns:p="http://schemas.openxmlformats.org/presentationml/2006/main">
   <p:cSld>
     <p:spTree>
@@ -9406,7 +9657,7 @@
             <a:fld id="{CE58CB1E-F828-4F11-99E0-327109AF9DA4}" type="slidenum">
               <a:rPr lang="de-DE" smtClean="0"/>
               <a:pPr/>
-              <a:t>12</a:t>
+              <a:t>13</a:t>
             </a:fld>
             <a:endParaRPr lang="de-DE" dirty="0"/>
           </a:p>
@@ -10062,7 +10313,7 @@
 </p:sld>
 </file>
 
-<file path=ppt/slides/slide13.xml><?xml version="1.0" encoding="utf-8"?>
+<file path=ppt/slides/slide14.xml><?xml version="1.0" encoding="utf-8"?>
 <p:sld xmlns:a="http://schemas.openxmlformats.org/drawingml/2006/main" xmlns:r="http://schemas.openxmlformats.org/officeDocument/2006/relationships" xmlns:p="http://schemas.openxmlformats.org/presentationml/2006/main">
   <p:cSld>
     <p:spTree>
@@ -11301,8 +11552,8 @@
         </p:nvSpPr>
         <p:spPr>
           <a:xfrm>
-            <a:off x="317935" y="2417861"/>
-            <a:ext cx="8508999" cy="332976"/>
+            <a:off x="319091" y="745751"/>
+            <a:ext cx="8508999" cy="307777"/>
           </a:xfrm>
           <a:prstGeom prst="rect">
             <a:avLst/>
@@ -11314,32 +11565,51 @@
           <a:p>
             <a:pPr algn="ctr"/>
             <a:r>
-              <a:rPr lang="de-DE" sz="3500" dirty="0"/>
-              <a:t>Dokumentation ‚</a:t>
-            </a:r>
-            <a:r>
-              <a:rPr lang="de-DE" sz="3500" dirty="0" err="1"/>
-              <a:t>used</a:t>
-            </a:r>
-            <a:r>
-              <a:rPr lang="de-DE" sz="3500" dirty="0"/>
-              <a:t> </a:t>
-            </a:r>
-            <a:r>
-              <a:rPr lang="de-DE" sz="3500" dirty="0" err="1"/>
-              <a:t>technologies</a:t>
-            </a:r>
-            <a:r>
-              <a:rPr lang="de-DE" sz="3500" dirty="0"/>
-              <a:t>‘</a:t>
-            </a:r>
-          </a:p>
-        </p:txBody>
-      </p:sp>
+              <a:rPr lang="de-DE" dirty="0"/>
+              <a:t>XSLT </a:t>
+            </a:r>
+            <a:r>
+              <a:rPr lang="de-DE" dirty="0" err="1"/>
+              <a:t>Processor</a:t>
+            </a:r>
+            <a:endParaRPr lang="de-DE" dirty="0"/>
+          </a:p>
+        </p:txBody>
+      </p:sp>
+      <p:pic>
+        <p:nvPicPr>
+          <p:cNvPr id="7" name="Grafik 6" descr="Ein Bild, das Screenshot, sitzend, Monitor, schwarz enthält.&#10;&#10;Automatisch generierte Beschreibung">
+            <a:extLst>
+              <a:ext uri="{FF2B5EF4-FFF2-40B4-BE49-F238E27FC236}">
+                <a16:creationId xmlns:a16="http://schemas.microsoft.com/office/drawing/2014/main" id="{B5AB30A1-F8B1-4843-AE22-A1D883103B40}"/>
+              </a:ext>
+            </a:extLst>
+          </p:cNvPr>
+          <p:cNvPicPr>
+            <a:picLocks noChangeAspect="1"/>
+          </p:cNvPicPr>
+          <p:nvPr/>
+        </p:nvPicPr>
+        <p:blipFill>
+          <a:blip r:embed="rId3"/>
+          <a:stretch>
+            <a:fillRect/>
+          </a:stretch>
+        </p:blipFill>
+        <p:spPr>
+          <a:xfrm>
+            <a:off x="411480" y="1836048"/>
+            <a:ext cx="8321040" cy="1471404"/>
+          </a:xfrm>
+          <a:prstGeom prst="rect">
+            <a:avLst/>
+          </a:prstGeom>
+        </p:spPr>
+      </p:pic>
     </p:spTree>
     <p:extLst>
       <p:ext uri="{BB962C8B-B14F-4D97-AF65-F5344CB8AC3E}">
-        <p14:creationId xmlns:p14="http://schemas.microsoft.com/office/powerpoint/2010/main" val="3738177429"/>
+        <p14:creationId xmlns:p14="http://schemas.microsoft.com/office/powerpoint/2010/main" val="3603912618"/>
       </p:ext>
     </p:extLst>
   </p:cSld>
@@ -11385,6 +11655,146 @@
               <a:rPr lang="de-DE" smtClean="0"/>
               <a:pPr/>
               <a:t>7</a:t>
+            </a:fld>
+            <a:endParaRPr lang="de-DE" dirty="0"/>
+          </a:p>
+        </p:txBody>
+      </p:sp>
+      <p:sp>
+        <p:nvSpPr>
+          <p:cNvPr id="6" name="Fußzeilenplatzhalter 4"/>
+          <p:cNvSpPr>
+            <a:spLocks noGrp="1"/>
+          </p:cNvSpPr>
+          <p:nvPr>
+            <p:ph type="ftr" sz="quarter" idx="12"/>
+          </p:nvPr>
+        </p:nvSpPr>
+        <p:spPr/>
+        <p:txBody>
+          <a:bodyPr/>
+          <a:lstStyle/>
+          <a:p>
+            <a:r>
+              <a:rPr lang="en-US" dirty="0" err="1"/>
+              <a:t>Xlink</a:t>
+            </a:r>
+            <a:r>
+              <a:rPr lang="en-US" dirty="0"/>
+              <a:t> | </a:t>
+            </a:r>
+            <a:r>
+              <a:rPr lang="en-US" dirty="0" err="1"/>
+              <a:t>DocBook</a:t>
+            </a:r>
+            <a:r>
+              <a:rPr lang="en-US" dirty="0"/>
+              <a:t> </a:t>
+            </a:r>
+            <a:r>
+              <a:rPr lang="en-US" dirty="0" err="1"/>
+              <a:t>Dokumentation</a:t>
+            </a:r>
+            <a:endParaRPr lang="en-US" dirty="0"/>
+          </a:p>
+        </p:txBody>
+      </p:sp>
+      <p:sp>
+        <p:nvSpPr>
+          <p:cNvPr id="3" name="Titel 2"/>
+          <p:cNvSpPr>
+            <a:spLocks noGrp="1"/>
+          </p:cNvSpPr>
+          <p:nvPr>
+            <p:ph type="title"/>
+          </p:nvPr>
+        </p:nvSpPr>
+        <p:spPr>
+          <a:xfrm>
+            <a:off x="317935" y="2417861"/>
+            <a:ext cx="8508999" cy="332976"/>
+          </a:xfrm>
+          <a:prstGeom prst="rect">
+            <a:avLst/>
+          </a:prstGeom>
+        </p:spPr>
+        <p:txBody>
+          <a:bodyPr/>
+          <a:lstStyle/>
+          <a:p>
+            <a:pPr algn="ctr"/>
+            <a:r>
+              <a:rPr lang="de-DE" sz="3500" dirty="0"/>
+              <a:t>Dokumentation ‚</a:t>
+            </a:r>
+            <a:r>
+              <a:rPr lang="de-DE" sz="3500" dirty="0" err="1"/>
+              <a:t>used</a:t>
+            </a:r>
+            <a:r>
+              <a:rPr lang="de-DE" sz="3500" dirty="0"/>
+              <a:t> </a:t>
+            </a:r>
+            <a:r>
+              <a:rPr lang="de-DE" sz="3500" dirty="0" err="1"/>
+              <a:t>technologies</a:t>
+            </a:r>
+            <a:r>
+              <a:rPr lang="de-DE" sz="3500" dirty="0"/>
+              <a:t>‘</a:t>
+            </a:r>
+          </a:p>
+        </p:txBody>
+      </p:sp>
+    </p:spTree>
+    <p:extLst>
+      <p:ext uri="{BB962C8B-B14F-4D97-AF65-F5344CB8AC3E}">
+        <p14:creationId xmlns:p14="http://schemas.microsoft.com/office/powerpoint/2010/main" val="3738177429"/>
+      </p:ext>
+    </p:extLst>
+  </p:cSld>
+  <p:clrMapOvr>
+    <a:masterClrMapping/>
+  </p:clrMapOvr>
+</p:sld>
+</file>
+
+<file path=ppt/slides/slide8.xml><?xml version="1.0" encoding="utf-8"?>
+<p:sld xmlns:a="http://schemas.openxmlformats.org/drawingml/2006/main" xmlns:r="http://schemas.openxmlformats.org/officeDocument/2006/relationships" xmlns:p="http://schemas.openxmlformats.org/presentationml/2006/main">
+  <p:cSld>
+    <p:spTree>
+      <p:nvGrpSpPr>
+        <p:cNvPr id="1" name=""/>
+        <p:cNvGrpSpPr/>
+        <p:nvPr/>
+      </p:nvGrpSpPr>
+      <p:grpSpPr>
+        <a:xfrm>
+          <a:off x="0" y="0"/>
+          <a:ext cx="0" cy="0"/>
+          <a:chOff x="0" y="0"/>
+          <a:chExt cx="0" cy="0"/>
+        </a:xfrm>
+      </p:grpSpPr>
+      <p:sp>
+        <p:nvSpPr>
+          <p:cNvPr id="4" name="Foliennummernplatzhalter 3"/>
+          <p:cNvSpPr>
+            <a:spLocks noGrp="1"/>
+          </p:cNvSpPr>
+          <p:nvPr>
+            <p:ph type="sldNum" sz="quarter" idx="11"/>
+          </p:nvPr>
+        </p:nvSpPr>
+        <p:spPr/>
+        <p:txBody>
+          <a:bodyPr/>
+          <a:lstStyle/>
+          <a:p>
+            <a:fld id="{CE58CB1E-F828-4F11-99E0-327109AF9DA4}" type="slidenum">
+              <a:rPr lang="de-DE" smtClean="0"/>
+              <a:pPr/>
+              <a:t>8</a:t>
             </a:fld>
             <a:endParaRPr lang="de-DE" dirty="0"/>
           </a:p>
@@ -11503,7 +11913,7 @@
 </p:sld>
 </file>
 
-<file path=ppt/slides/slide8.xml><?xml version="1.0" encoding="utf-8"?>
+<file path=ppt/slides/slide9.xml><?xml version="1.0" encoding="utf-8"?>
 <p:sld xmlns:a="http://schemas.openxmlformats.org/drawingml/2006/main" xmlns:r="http://schemas.openxmlformats.org/officeDocument/2006/relationships" xmlns:p="http://schemas.openxmlformats.org/presentationml/2006/main">
   <p:cSld>
     <p:spTree>
@@ -11538,7 +11948,7 @@
             <a:fld id="{CE58CB1E-F828-4F11-99E0-327109AF9DA4}" type="slidenum">
               <a:rPr lang="de-DE" smtClean="0"/>
               <a:pPr/>
-              <a:t>8</a:t>
+              <a:t>9</a:t>
             </a:fld>
             <a:endParaRPr lang="de-DE" dirty="0"/>
           </a:p>
@@ -11648,161 +12058,6 @@
     <p:extLst>
       <p:ext uri="{BB962C8B-B14F-4D97-AF65-F5344CB8AC3E}">
         <p14:creationId xmlns:p14="http://schemas.microsoft.com/office/powerpoint/2010/main" val="2624432542"/>
-      </p:ext>
-    </p:extLst>
-  </p:cSld>
-  <p:clrMapOvr>
-    <a:masterClrMapping/>
-  </p:clrMapOvr>
-</p:sld>
-</file>
-
-<file path=ppt/slides/slide9.xml><?xml version="1.0" encoding="utf-8"?>
-<p:sld xmlns:a="http://schemas.openxmlformats.org/drawingml/2006/main" xmlns:r="http://schemas.openxmlformats.org/officeDocument/2006/relationships" xmlns:p="http://schemas.openxmlformats.org/presentationml/2006/main">
-  <p:cSld>
-    <p:spTree>
-      <p:nvGrpSpPr>
-        <p:cNvPr id="1" name=""/>
-        <p:cNvGrpSpPr/>
-        <p:nvPr/>
-      </p:nvGrpSpPr>
-      <p:grpSpPr>
-        <a:xfrm>
-          <a:off x="0" y="0"/>
-          <a:ext cx="0" cy="0"/>
-          <a:chOff x="0" y="0"/>
-          <a:chExt cx="0" cy="0"/>
-        </a:xfrm>
-      </p:grpSpPr>
-      <p:sp>
-        <p:nvSpPr>
-          <p:cNvPr id="4" name="Foliennummernplatzhalter 3"/>
-          <p:cNvSpPr>
-            <a:spLocks noGrp="1"/>
-          </p:cNvSpPr>
-          <p:nvPr>
-            <p:ph type="sldNum" sz="quarter" idx="11"/>
-          </p:nvPr>
-        </p:nvSpPr>
-        <p:spPr/>
-        <p:txBody>
-          <a:bodyPr/>
-          <a:lstStyle/>
-          <a:p>
-            <a:fld id="{CE58CB1E-F828-4F11-99E0-327109AF9DA4}" type="slidenum">
-              <a:rPr lang="de-DE" smtClean="0"/>
-              <a:pPr/>
-              <a:t>9</a:t>
-            </a:fld>
-            <a:endParaRPr lang="de-DE" dirty="0"/>
-          </a:p>
-        </p:txBody>
-      </p:sp>
-      <p:sp>
-        <p:nvSpPr>
-          <p:cNvPr id="6" name="Fußzeilenplatzhalter 4"/>
-          <p:cNvSpPr>
-            <a:spLocks noGrp="1"/>
-          </p:cNvSpPr>
-          <p:nvPr>
-            <p:ph type="ftr" sz="quarter" idx="12"/>
-          </p:nvPr>
-        </p:nvSpPr>
-        <p:spPr/>
-        <p:txBody>
-          <a:bodyPr/>
-          <a:lstStyle/>
-          <a:p>
-            <a:r>
-              <a:rPr lang="en-US" dirty="0" err="1"/>
-              <a:t>Xlink</a:t>
-            </a:r>
-            <a:r>
-              <a:rPr lang="en-US" dirty="0"/>
-              <a:t> | </a:t>
-            </a:r>
-            <a:r>
-              <a:rPr lang="en-US" dirty="0" err="1"/>
-              <a:t>DocBook</a:t>
-            </a:r>
-            <a:r>
-              <a:rPr lang="en-US" dirty="0"/>
-              <a:t> </a:t>
-            </a:r>
-            <a:r>
-              <a:rPr lang="en-US" dirty="0" err="1"/>
-              <a:t>Dokumentation</a:t>
-            </a:r>
-            <a:endParaRPr lang="en-US" dirty="0"/>
-          </a:p>
-        </p:txBody>
-      </p:sp>
-      <p:sp>
-        <p:nvSpPr>
-          <p:cNvPr id="3" name="Titel 2"/>
-          <p:cNvSpPr>
-            <a:spLocks noGrp="1"/>
-          </p:cNvSpPr>
-          <p:nvPr>
-            <p:ph type="title"/>
-          </p:nvPr>
-        </p:nvSpPr>
-        <p:spPr>
-          <a:xfrm>
-            <a:off x="319091" y="745751"/>
-            <a:ext cx="8508999" cy="307777"/>
-          </a:xfrm>
-          <a:prstGeom prst="rect">
-            <a:avLst/>
-          </a:prstGeom>
-        </p:spPr>
-        <p:txBody>
-          <a:bodyPr/>
-          <a:lstStyle/>
-          <a:p>
-            <a:pPr algn="ctr"/>
-            <a:r>
-              <a:rPr lang="de-DE" dirty="0" err="1"/>
-              <a:t>DocBook</a:t>
-            </a:r>
-            <a:endParaRPr lang="de-DE" dirty="0"/>
-          </a:p>
-        </p:txBody>
-      </p:sp>
-      <p:pic>
-        <p:nvPicPr>
-          <p:cNvPr id="5" name="Grafik 4">
-            <a:extLst>
-              <a:ext uri="{FF2B5EF4-FFF2-40B4-BE49-F238E27FC236}">
-                <a16:creationId xmlns:a16="http://schemas.microsoft.com/office/drawing/2014/main" id="{F34106F0-6CC1-7E45-A429-47EA60503F92}"/>
-              </a:ext>
-            </a:extLst>
-          </p:cNvPr>
-          <p:cNvPicPr>
-            <a:picLocks noChangeAspect="1"/>
-          </p:cNvPicPr>
-          <p:nvPr/>
-        </p:nvPicPr>
-        <p:blipFill>
-          <a:blip r:embed="rId2"/>
-          <a:stretch>
-            <a:fillRect/>
-          </a:stretch>
-        </p:blipFill>
-        <p:spPr>
-          <a:xfrm>
-            <a:off x="657230" y="1870980"/>
-            <a:ext cx="7829539" cy="1401539"/>
-          </a:xfrm>
-          <a:prstGeom prst="rect">
-            <a:avLst/>
-          </a:prstGeom>
-        </p:spPr>
-      </p:pic>
-    </p:spTree>
-    <p:extLst>
-      <p:ext uri="{BB962C8B-B14F-4D97-AF65-F5344CB8AC3E}">
-        <p14:creationId xmlns:p14="http://schemas.microsoft.com/office/powerpoint/2010/main" val="3674180149"/>
       </p:ext>
     </p:extLst>
   </p:cSld>

--- a/Präsentationen/PP_notenbonus.pptx
+++ b/Präsentationen/PP_notenbonus.pptx
@@ -10,31 +10,27 @@
     <p:sldMasterId id="2147483697" r:id="rId6"/>
   </p:sldMasterIdLst>
   <p:notesMasterIdLst>
-    <p:notesMasterId r:id="rId21"/>
+    <p:notesMasterId r:id="rId17"/>
   </p:notesMasterIdLst>
   <p:handoutMasterIdLst>
-    <p:handoutMasterId r:id="rId22"/>
+    <p:handoutMasterId r:id="rId18"/>
   </p:handoutMasterIdLst>
   <p:sldIdLst>
     <p:sldId id="356" r:id="rId7"/>
-    <p:sldId id="378" r:id="rId8"/>
-    <p:sldId id="379" r:id="rId9"/>
-    <p:sldId id="380" r:id="rId10"/>
-    <p:sldId id="381" r:id="rId11"/>
-    <p:sldId id="383" r:id="rId12"/>
-    <p:sldId id="382" r:id="rId13"/>
-    <p:sldId id="376" r:id="rId14"/>
-    <p:sldId id="375" r:id="rId15"/>
-    <p:sldId id="374" r:id="rId16"/>
-    <p:sldId id="370" r:id="rId17"/>
-    <p:sldId id="372" r:id="rId18"/>
-    <p:sldId id="373" r:id="rId19"/>
-    <p:sldId id="279" r:id="rId20"/>
+    <p:sldId id="385" r:id="rId8"/>
+    <p:sldId id="388" r:id="rId9"/>
+    <p:sldId id="389" r:id="rId10"/>
+    <p:sldId id="386" r:id="rId11"/>
+    <p:sldId id="387" r:id="rId12"/>
+    <p:sldId id="376" r:id="rId13"/>
+    <p:sldId id="372" r:id="rId14"/>
+    <p:sldId id="373" r:id="rId15"/>
+    <p:sldId id="279" r:id="rId16"/>
   </p:sldIdLst>
   <p:sldSz cx="9144000" cy="5143500" type="screen16x9"/>
   <p:notesSz cx="9925050" cy="6665913"/>
   <p:custDataLst>
-    <p:tags r:id="rId23"/>
+    <p:tags r:id="rId19"/>
   </p:custDataLst>
   <p:defaultTextStyle>
     <a:defPPr>
@@ -308,7 +304,7 @@
               <a:pPr>
                 <a:defRPr/>
               </a:pPr>
-              <a:t>26/11/2019</a:t>
+              <a:t>05/12/2019</a:t>
             </a:fld>
             <a:endParaRPr lang="en-GB"/>
           </a:p>
@@ -527,7 +523,7 @@
               <a:pPr>
                 <a:defRPr/>
               </a:pPr>
-              <a:t>26/11/2019</a:t>
+              <a:t>05/12/2019</a:t>
             </a:fld>
             <a:endParaRPr lang="en-GB"/>
           </a:p>
@@ -1043,7 +1039,7 @@
     </p:spTree>
     <p:extLst>
       <p:ext uri="{BB962C8B-B14F-4D97-AF65-F5344CB8AC3E}">
-        <p14:creationId xmlns:p14="http://schemas.microsoft.com/office/powerpoint/2010/main" val="2681794317"/>
+        <p14:creationId xmlns:p14="http://schemas.microsoft.com/office/powerpoint/2010/main" val="2969120886"/>
       </p:ext>
     </p:extLst>
   </p:cSld>
@@ -1138,7 +1134,7 @@
     </p:spTree>
     <p:extLst>
       <p:ext uri="{BB962C8B-B14F-4D97-AF65-F5344CB8AC3E}">
-        <p14:creationId xmlns:p14="http://schemas.microsoft.com/office/powerpoint/2010/main" val="2703758414"/>
+        <p14:creationId xmlns:p14="http://schemas.microsoft.com/office/powerpoint/2010/main" val="76182853"/>
       </p:ext>
     </p:extLst>
   </p:cSld>
@@ -1224,7 +1220,7 @@
               <a:pPr>
                 <a:defRPr/>
               </a:pPr>
-              <a:t>4</a:t>
+              <a:t>5</a:t>
             </a:fld>
             <a:endParaRPr lang="en-GB"/>
           </a:p>
@@ -1233,7 +1229,7 @@
     </p:spTree>
     <p:extLst>
       <p:ext uri="{BB962C8B-B14F-4D97-AF65-F5344CB8AC3E}">
-        <p14:creationId xmlns:p14="http://schemas.microsoft.com/office/powerpoint/2010/main" val="515473603"/>
+        <p14:creationId xmlns:p14="http://schemas.microsoft.com/office/powerpoint/2010/main" val="496741347"/>
       </p:ext>
     </p:extLst>
   </p:cSld>
@@ -1319,7 +1315,7 @@
               <a:pPr>
                 <a:defRPr/>
               </a:pPr>
-              <a:t>5</a:t>
+              <a:t>6</a:t>
             </a:fld>
             <a:endParaRPr lang="en-GB"/>
           </a:p>
@@ -1328,7 +1324,7 @@
     </p:spTree>
     <p:extLst>
       <p:ext uri="{BB962C8B-B14F-4D97-AF65-F5344CB8AC3E}">
-        <p14:creationId xmlns:p14="http://schemas.microsoft.com/office/powerpoint/2010/main" val="2937379131"/>
+        <p14:creationId xmlns:p14="http://schemas.microsoft.com/office/powerpoint/2010/main" val="1936919270"/>
       </p:ext>
     </p:extLst>
   </p:cSld>
@@ -1414,197 +1410,7 @@
               <a:pPr>
                 <a:defRPr/>
               </a:pPr>
-              <a:t>6</a:t>
-            </a:fld>
-            <a:endParaRPr lang="en-GB"/>
-          </a:p>
-        </p:txBody>
-      </p:sp>
-    </p:spTree>
-    <p:extLst>
-      <p:ext uri="{BB962C8B-B14F-4D97-AF65-F5344CB8AC3E}">
-        <p14:creationId xmlns:p14="http://schemas.microsoft.com/office/powerpoint/2010/main" val="1883340736"/>
-      </p:ext>
-    </p:extLst>
-  </p:cSld>
-  <p:clrMapOvr>
-    <a:masterClrMapping/>
-  </p:clrMapOvr>
-</p:notes>
-</file>
-
-<file path=ppt/notesSlides/notesSlide7.xml><?xml version="1.0" encoding="utf-8"?>
-<p:notes xmlns:a="http://schemas.openxmlformats.org/drawingml/2006/main" xmlns:r="http://schemas.openxmlformats.org/officeDocument/2006/relationships" xmlns:p="http://schemas.openxmlformats.org/presentationml/2006/main">
-  <p:cSld>
-    <p:spTree>
-      <p:nvGrpSpPr>
-        <p:cNvPr id="1" name=""/>
-        <p:cNvGrpSpPr/>
-        <p:nvPr/>
-      </p:nvGrpSpPr>
-      <p:grpSpPr>
-        <a:xfrm>
-          <a:off x="0" y="0"/>
-          <a:ext cx="0" cy="0"/>
-          <a:chOff x="0" y="0"/>
-          <a:chExt cx="0" cy="0"/>
-        </a:xfrm>
-      </p:grpSpPr>
-      <p:sp>
-        <p:nvSpPr>
-          <p:cNvPr id="2" name="Folienbildplatzhalter 1"/>
-          <p:cNvSpPr>
-            <a:spLocks noGrp="1" noRot="1" noChangeAspect="1"/>
-          </p:cNvSpPr>
-          <p:nvPr>
-            <p:ph type="sldImg"/>
-          </p:nvPr>
-        </p:nvSpPr>
-        <p:spPr>
-          <a:xfrm>
-            <a:off x="2740025" y="500063"/>
-            <a:ext cx="4445000" cy="2500312"/>
-          </a:xfrm>
-        </p:spPr>
-      </p:sp>
-      <p:sp>
-        <p:nvSpPr>
-          <p:cNvPr id="3" name="Notizenplatzhalter 2"/>
-          <p:cNvSpPr>
-            <a:spLocks noGrp="1"/>
-          </p:cNvSpPr>
-          <p:nvPr>
-            <p:ph type="body" idx="1"/>
-          </p:nvPr>
-        </p:nvSpPr>
-        <p:spPr/>
-        <p:txBody>
-          <a:bodyPr/>
-          <a:lstStyle/>
-          <a:p>
-            <a:endParaRPr lang="de-DE" dirty="0"/>
-          </a:p>
-        </p:txBody>
-      </p:sp>
-      <p:sp>
-        <p:nvSpPr>
-          <p:cNvPr id="4" name="Foliennummernplatzhalter 3"/>
-          <p:cNvSpPr>
-            <a:spLocks noGrp="1"/>
-          </p:cNvSpPr>
-          <p:nvPr>
-            <p:ph type="sldNum" sz="quarter" idx="5"/>
-          </p:nvPr>
-        </p:nvSpPr>
-        <p:spPr/>
-        <p:txBody>
-          <a:bodyPr/>
-          <a:lstStyle/>
-          <a:p>
-            <a:pPr>
-              <a:defRPr/>
-            </a:pPr>
-            <a:fld id="{00AFC6D0-44D5-4EB7-828F-6F464F83D79A}" type="slidenum">
-              <a:rPr lang="en-GB" smtClean="0"/>
-              <a:pPr>
-                <a:defRPr/>
-              </a:pPr>
               <a:t>7</a:t>
-            </a:fld>
-            <a:endParaRPr lang="en-GB"/>
-          </a:p>
-        </p:txBody>
-      </p:sp>
-    </p:spTree>
-    <p:extLst>
-      <p:ext uri="{BB962C8B-B14F-4D97-AF65-F5344CB8AC3E}">
-        <p14:creationId xmlns:p14="http://schemas.microsoft.com/office/powerpoint/2010/main" val="1408043966"/>
-      </p:ext>
-    </p:extLst>
-  </p:cSld>
-  <p:clrMapOvr>
-    <a:masterClrMapping/>
-  </p:clrMapOvr>
-</p:notes>
-</file>
-
-<file path=ppt/notesSlides/notesSlide8.xml><?xml version="1.0" encoding="utf-8"?>
-<p:notes xmlns:a="http://schemas.openxmlformats.org/drawingml/2006/main" xmlns:r="http://schemas.openxmlformats.org/officeDocument/2006/relationships" xmlns:p="http://schemas.openxmlformats.org/presentationml/2006/main">
-  <p:cSld>
-    <p:spTree>
-      <p:nvGrpSpPr>
-        <p:cNvPr id="1" name=""/>
-        <p:cNvGrpSpPr/>
-        <p:nvPr/>
-      </p:nvGrpSpPr>
-      <p:grpSpPr>
-        <a:xfrm>
-          <a:off x="0" y="0"/>
-          <a:ext cx="0" cy="0"/>
-          <a:chOff x="0" y="0"/>
-          <a:chExt cx="0" cy="0"/>
-        </a:xfrm>
-      </p:grpSpPr>
-      <p:sp>
-        <p:nvSpPr>
-          <p:cNvPr id="2" name="Folienbildplatzhalter 1"/>
-          <p:cNvSpPr>
-            <a:spLocks noGrp="1" noRot="1" noChangeAspect="1"/>
-          </p:cNvSpPr>
-          <p:nvPr>
-            <p:ph type="sldImg"/>
-          </p:nvPr>
-        </p:nvSpPr>
-        <p:spPr>
-          <a:xfrm>
-            <a:off x="2740025" y="500063"/>
-            <a:ext cx="4445000" cy="2500312"/>
-          </a:xfrm>
-        </p:spPr>
-      </p:sp>
-      <p:sp>
-        <p:nvSpPr>
-          <p:cNvPr id="3" name="Notizenplatzhalter 2"/>
-          <p:cNvSpPr>
-            <a:spLocks noGrp="1"/>
-          </p:cNvSpPr>
-          <p:nvPr>
-            <p:ph type="body" idx="1"/>
-          </p:nvPr>
-        </p:nvSpPr>
-        <p:spPr/>
-        <p:txBody>
-          <a:bodyPr/>
-          <a:lstStyle/>
-          <a:p>
-            <a:endParaRPr lang="de-DE" dirty="0"/>
-          </a:p>
-        </p:txBody>
-      </p:sp>
-      <p:sp>
-        <p:nvSpPr>
-          <p:cNvPr id="4" name="Foliennummernplatzhalter 3"/>
-          <p:cNvSpPr>
-            <a:spLocks noGrp="1"/>
-          </p:cNvSpPr>
-          <p:nvPr>
-            <p:ph type="sldNum" sz="quarter" idx="5"/>
-          </p:nvPr>
-        </p:nvSpPr>
-        <p:spPr/>
-        <p:txBody>
-          <a:bodyPr/>
-          <a:lstStyle/>
-          <a:p>
-            <a:pPr>
-              <a:defRPr/>
-            </a:pPr>
-            <a:fld id="{00AFC6D0-44D5-4EB7-828F-6F464F83D79A}" type="slidenum">
-              <a:rPr lang="en-GB" smtClean="0"/>
-              <a:pPr>
-                <a:defRPr/>
-              </a:pPr>
-              <a:t>8</a:t>
             </a:fld>
             <a:endParaRPr lang="en-GB"/>
           </a:p>
@@ -1614,101 +1420,6 @@
     <p:extLst>
       <p:ext uri="{BB962C8B-B14F-4D97-AF65-F5344CB8AC3E}">
         <p14:creationId xmlns:p14="http://schemas.microsoft.com/office/powerpoint/2010/main" val="252278236"/>
-      </p:ext>
-    </p:extLst>
-  </p:cSld>
-  <p:clrMapOvr>
-    <a:masterClrMapping/>
-  </p:clrMapOvr>
-</p:notes>
-</file>
-
-<file path=ppt/notesSlides/notesSlide9.xml><?xml version="1.0" encoding="utf-8"?>
-<p:notes xmlns:a="http://schemas.openxmlformats.org/drawingml/2006/main" xmlns:r="http://schemas.openxmlformats.org/officeDocument/2006/relationships" xmlns:p="http://schemas.openxmlformats.org/presentationml/2006/main">
-  <p:cSld>
-    <p:spTree>
-      <p:nvGrpSpPr>
-        <p:cNvPr id="1" name=""/>
-        <p:cNvGrpSpPr/>
-        <p:nvPr/>
-      </p:nvGrpSpPr>
-      <p:grpSpPr>
-        <a:xfrm>
-          <a:off x="0" y="0"/>
-          <a:ext cx="0" cy="0"/>
-          <a:chOff x="0" y="0"/>
-          <a:chExt cx="0" cy="0"/>
-        </a:xfrm>
-      </p:grpSpPr>
-      <p:sp>
-        <p:nvSpPr>
-          <p:cNvPr id="2" name="Folienbildplatzhalter 1"/>
-          <p:cNvSpPr>
-            <a:spLocks noGrp="1" noRot="1" noChangeAspect="1"/>
-          </p:cNvSpPr>
-          <p:nvPr>
-            <p:ph type="sldImg"/>
-          </p:nvPr>
-        </p:nvSpPr>
-        <p:spPr>
-          <a:xfrm>
-            <a:off x="2740025" y="500063"/>
-            <a:ext cx="4445000" cy="2500312"/>
-          </a:xfrm>
-        </p:spPr>
-      </p:sp>
-      <p:sp>
-        <p:nvSpPr>
-          <p:cNvPr id="3" name="Notizenplatzhalter 2"/>
-          <p:cNvSpPr>
-            <a:spLocks noGrp="1"/>
-          </p:cNvSpPr>
-          <p:nvPr>
-            <p:ph type="body" idx="1"/>
-          </p:nvPr>
-        </p:nvSpPr>
-        <p:spPr/>
-        <p:txBody>
-          <a:bodyPr/>
-          <a:lstStyle/>
-          <a:p>
-            <a:endParaRPr lang="de-DE" dirty="0"/>
-          </a:p>
-        </p:txBody>
-      </p:sp>
-      <p:sp>
-        <p:nvSpPr>
-          <p:cNvPr id="4" name="Foliennummernplatzhalter 3"/>
-          <p:cNvSpPr>
-            <a:spLocks noGrp="1"/>
-          </p:cNvSpPr>
-          <p:nvPr>
-            <p:ph type="sldNum" sz="quarter" idx="5"/>
-          </p:nvPr>
-        </p:nvSpPr>
-        <p:spPr/>
-        <p:txBody>
-          <a:bodyPr/>
-          <a:lstStyle/>
-          <a:p>
-            <a:pPr>
-              <a:defRPr/>
-            </a:pPr>
-            <a:fld id="{00AFC6D0-44D5-4EB7-828F-6F464F83D79A}" type="slidenum">
-              <a:rPr lang="en-GB" smtClean="0"/>
-              <a:pPr>
-                <a:defRPr/>
-              </a:pPr>
-              <a:t>11</a:t>
-            </a:fld>
-            <a:endParaRPr lang="en-GB"/>
-          </a:p>
-        </p:txBody>
-      </p:sp>
-    </p:spTree>
-    <p:extLst>
-      <p:ext uri="{BB962C8B-B14F-4D97-AF65-F5344CB8AC3E}">
-        <p14:creationId xmlns:p14="http://schemas.microsoft.com/office/powerpoint/2010/main" val="2465427116"/>
       </p:ext>
     </p:extLst>
   </p:cSld>
@@ -3411,7 +3122,7 @@
           <a:p>
             <a:fld id="{7A56DD26-32A4-2A43-990A-6F7E5E73786E}" type="datetimeFigureOut">
               <a:rPr lang="en-US" smtClean="0"/>
-              <a:t>11/26/19</a:t>
+              <a:t>12/5/19</a:t>
             </a:fld>
             <a:endParaRPr lang="en-US"/>
           </a:p>
@@ -8690,19 +8401,7 @@
           <a:p>
             <a:r>
               <a:rPr lang="de-DE" dirty="0"/>
-              <a:t>Präsentation für den Notenbonus in</a:t>
-            </a:r>
-          </a:p>
-          <a:p>
-            <a:r>
-              <a:rPr lang="de-DE" dirty="0"/>
-              <a:t>Praktikum XML-Technologie</a:t>
-            </a:r>
-          </a:p>
-          <a:p>
-            <a:r>
-              <a:rPr lang="de-DE" dirty="0"/>
-              <a:t>28.11.2019</a:t>
+              <a:t>05.12.2019</a:t>
             </a:r>
             <a:endParaRPr dirty="0"/>
           </a:p>
@@ -8761,108 +8460,253 @@
       </p:grpSpPr>
       <p:sp>
         <p:nvSpPr>
-          <p:cNvPr id="4" name="Foliennummernplatzhalter 3"/>
-          <p:cNvSpPr>
-            <a:spLocks noGrp="1"/>
-          </p:cNvSpPr>
-          <p:nvPr>
-            <p:ph type="sldNum" sz="quarter" idx="11"/>
-          </p:nvPr>
-        </p:nvSpPr>
-        <p:spPr/>
-        <p:txBody>
-          <a:bodyPr/>
-          <a:lstStyle/>
-          <a:p>
-            <a:fld id="{CE58CB1E-F828-4F11-99E0-327109AF9DA4}" type="slidenum">
-              <a:rPr lang="de-DE" smtClean="0"/>
-              <a:pPr/>
-              <a:t>10</a:t>
-            </a:fld>
-            <a:endParaRPr lang="de-DE" dirty="0"/>
-          </a:p>
-        </p:txBody>
-      </p:sp>
-      <p:sp>
-        <p:nvSpPr>
-          <p:cNvPr id="6" name="Fußzeilenplatzhalter 4"/>
-          <p:cNvSpPr>
-            <a:spLocks noGrp="1"/>
-          </p:cNvSpPr>
-          <p:nvPr>
-            <p:ph type="ftr" sz="quarter" idx="12"/>
-          </p:nvPr>
-        </p:nvSpPr>
-        <p:spPr/>
-        <p:txBody>
-          <a:bodyPr/>
-          <a:lstStyle/>
-          <a:p>
-            <a:r>
-              <a:rPr lang="en-US" dirty="0" err="1"/>
-              <a:t>Xlink</a:t>
-            </a:r>
-            <a:r>
-              <a:rPr lang="en-US" dirty="0"/>
-              <a:t> | </a:t>
-            </a:r>
-            <a:r>
-              <a:rPr lang="en-US" dirty="0" err="1"/>
-              <a:t>DocBook</a:t>
-            </a:r>
-            <a:r>
-              <a:rPr lang="en-US" dirty="0"/>
-              <a:t> </a:t>
-            </a:r>
-            <a:r>
-              <a:rPr lang="en-US" dirty="0" err="1"/>
-              <a:t>Dokumentation</a:t>
-            </a:r>
-            <a:endParaRPr lang="en-US" dirty="0"/>
-          </a:p>
-        </p:txBody>
-      </p:sp>
-      <p:sp>
-        <p:nvSpPr>
-          <p:cNvPr id="3" name="Titel 2"/>
-          <p:cNvSpPr>
-            <a:spLocks noGrp="1"/>
-          </p:cNvSpPr>
-          <p:nvPr>
-            <p:ph type="title"/>
-          </p:nvPr>
+          <p:cNvPr id="180" name="Freeform 180"/>
+          <p:cNvSpPr/>
+          <p:nvPr/>
         </p:nvSpPr>
         <p:spPr>
           <a:xfrm>
-            <a:off x="319091" y="745751"/>
-            <a:ext cx="8508999" cy="307777"/>
+            <a:off x="8210550" y="311150"/>
+            <a:ext cx="603250" cy="323850"/>
           </a:xfrm>
-          <a:prstGeom prst="rect">
+          <a:custGeom>
             <a:avLst/>
-          </a:prstGeom>
+            <a:gdLst>
+              <a:gd name="connsiteX0" fmla="*/ 8308 w 603250"/>
+              <a:gd name="connsiteY0" fmla="*/ 13394 h 323850"/>
+              <a:gd name="connsiteX1" fmla="*/ 245253 w 603250"/>
+              <a:gd name="connsiteY1" fmla="*/ 13394 h 323850"/>
+              <a:gd name="connsiteX2" fmla="*/ 245254 w 603250"/>
+              <a:gd name="connsiteY2" fmla="*/ 274824 h 323850"/>
+              <a:gd name="connsiteX3" fmla="*/ 310553 w 603250"/>
+              <a:gd name="connsiteY3" fmla="*/ 274824 h 323850"/>
+              <a:gd name="connsiteX4" fmla="*/ 310553 w 603250"/>
+              <a:gd name="connsiteY4" fmla="*/ 13394 h 323850"/>
+              <a:gd name="connsiteX5" fmla="*/ 613305 w 603250"/>
+              <a:gd name="connsiteY5" fmla="*/ 13394 h 323850"/>
+              <a:gd name="connsiteX6" fmla="*/ 613305 w 603250"/>
+              <a:gd name="connsiteY6" fmla="*/ 331987 h 323850"/>
+              <a:gd name="connsiteX7" fmla="*/ 556135 w 603250"/>
+              <a:gd name="connsiteY7" fmla="*/ 331987 h 323850"/>
+              <a:gd name="connsiteX8" fmla="*/ 556135 w 603250"/>
+              <a:gd name="connsiteY8" fmla="*/ 70559 h 323850"/>
+              <a:gd name="connsiteX9" fmla="*/ 490453 w 603250"/>
+              <a:gd name="connsiteY9" fmla="*/ 70559 h 323850"/>
+              <a:gd name="connsiteX10" fmla="*/ 490454 w 603250"/>
+              <a:gd name="connsiteY10" fmla="*/ 331987 h 323850"/>
+              <a:gd name="connsiteX11" fmla="*/ 433283 w 603250"/>
+              <a:gd name="connsiteY11" fmla="*/ 331987 h 323850"/>
+              <a:gd name="connsiteX12" fmla="*/ 433283 w 603250"/>
+              <a:gd name="connsiteY12" fmla="*/ 70559 h 323850"/>
+              <a:gd name="connsiteX13" fmla="*/ 367724 w 603250"/>
+              <a:gd name="connsiteY13" fmla="*/ 70558 h 323850"/>
+              <a:gd name="connsiteX14" fmla="*/ 367724 w 603250"/>
+              <a:gd name="connsiteY14" fmla="*/ 331987 h 323850"/>
+              <a:gd name="connsiteX15" fmla="*/ 187951 w 603250"/>
+              <a:gd name="connsiteY15" fmla="*/ 331987 h 323850"/>
+              <a:gd name="connsiteX16" fmla="*/ 187951 w 603250"/>
+              <a:gd name="connsiteY16" fmla="*/ 70558 h 323850"/>
+              <a:gd name="connsiteX17" fmla="*/ 122651 w 603250"/>
+              <a:gd name="connsiteY17" fmla="*/ 70558 h 323850"/>
+              <a:gd name="connsiteX18" fmla="*/ 122651 w 603250"/>
+              <a:gd name="connsiteY18" fmla="*/ 331987 h 323850"/>
+              <a:gd name="connsiteX19" fmla="*/ 65481 w 603250"/>
+              <a:gd name="connsiteY19" fmla="*/ 331987 h 323850"/>
+              <a:gd name="connsiteX20" fmla="*/ 65480 w 603250"/>
+              <a:gd name="connsiteY20" fmla="*/ 70558 h 323850"/>
+              <a:gd name="connsiteX21" fmla="*/ 8308 w 603250"/>
+              <a:gd name="connsiteY21" fmla="*/ 70558 h 323850"/>
+              <a:gd name="connsiteX22" fmla="*/ 8308 w 603250"/>
+              <a:gd name="connsiteY22" fmla="*/ 13394 h 323850"/>
+            </a:gdLst>
+            <a:ahLst/>
+            <a:cxnLst>
+              <a:cxn ang="0">
+                <a:pos x="connsiteX0" y="connsiteY0"/>
+              </a:cxn>
+              <a:cxn ang="0">
+                <a:pos x="connsiteX1" y="connsiteY1"/>
+              </a:cxn>
+              <a:cxn ang="0">
+                <a:pos x="connsiteX2" y="connsiteY2"/>
+              </a:cxn>
+              <a:cxn ang="0">
+                <a:pos x="connsiteX3" y="connsiteY3"/>
+              </a:cxn>
+              <a:cxn ang="0">
+                <a:pos x="connsiteX4" y="connsiteY4"/>
+              </a:cxn>
+              <a:cxn ang="0">
+                <a:pos x="connsiteX5" y="connsiteY5"/>
+              </a:cxn>
+              <a:cxn ang="0">
+                <a:pos x="connsiteX6" y="connsiteY6"/>
+              </a:cxn>
+              <a:cxn ang="0">
+                <a:pos x="connsiteX7" y="connsiteY7"/>
+              </a:cxn>
+              <a:cxn ang="0">
+                <a:pos x="connsiteX8" y="connsiteY8"/>
+              </a:cxn>
+              <a:cxn ang="0">
+                <a:pos x="connsiteX9" y="connsiteY9"/>
+              </a:cxn>
+              <a:cxn ang="0">
+                <a:pos x="connsiteX10" y="connsiteY10"/>
+              </a:cxn>
+              <a:cxn ang="0">
+                <a:pos x="connsiteX11" y="connsiteY11"/>
+              </a:cxn>
+              <a:cxn ang="0">
+                <a:pos x="connsiteX12" y="connsiteY12"/>
+              </a:cxn>
+              <a:cxn ang="0">
+                <a:pos x="connsiteX13" y="connsiteY13"/>
+              </a:cxn>
+              <a:cxn ang="0">
+                <a:pos x="connsiteX14" y="connsiteY14"/>
+              </a:cxn>
+              <a:cxn ang="0">
+                <a:pos x="connsiteX15" y="connsiteY15"/>
+              </a:cxn>
+              <a:cxn ang="0">
+                <a:pos x="connsiteX16" y="connsiteY16"/>
+              </a:cxn>
+              <a:cxn ang="0">
+                <a:pos x="connsiteX17" y="connsiteY17"/>
+              </a:cxn>
+              <a:cxn ang="0">
+                <a:pos x="connsiteX18" y="connsiteY18"/>
+              </a:cxn>
+              <a:cxn ang="0">
+                <a:pos x="connsiteX19" y="connsiteY19"/>
+              </a:cxn>
+              <a:cxn ang="0">
+                <a:pos x="connsiteX20" y="connsiteY20"/>
+              </a:cxn>
+              <a:cxn ang="0">
+                <a:pos x="connsiteX21" y="connsiteY21"/>
+              </a:cxn>
+              <a:cxn ang="0">
+                <a:pos x="connsiteX22" y="connsiteY22"/>
+              </a:cxn>
+            </a:cxnLst>
+            <a:rect l="l" t="t" r="r" b="b"/>
+            <a:pathLst>
+              <a:path w="603250" h="323850">
+                <a:moveTo>
+                  <a:pt x="8308" y="13394"/>
+                </a:moveTo>
+                <a:lnTo>
+                  <a:pt x="245253" y="13394"/>
+                </a:lnTo>
+                <a:lnTo>
+                  <a:pt x="245254" y="274824"/>
+                </a:lnTo>
+                <a:lnTo>
+                  <a:pt x="310553" y="274824"/>
+                </a:lnTo>
+                <a:lnTo>
+                  <a:pt x="310553" y="13394"/>
+                </a:lnTo>
+                <a:lnTo>
+                  <a:pt x="613305" y="13394"/>
+                </a:lnTo>
+                <a:lnTo>
+                  <a:pt x="613305" y="331987"/>
+                </a:lnTo>
+                <a:lnTo>
+                  <a:pt x="556135" y="331987"/>
+                </a:lnTo>
+                <a:lnTo>
+                  <a:pt x="556135" y="70559"/>
+                </a:lnTo>
+                <a:lnTo>
+                  <a:pt x="490453" y="70559"/>
+                </a:lnTo>
+                <a:lnTo>
+                  <a:pt x="490454" y="331987"/>
+                </a:lnTo>
+                <a:lnTo>
+                  <a:pt x="433283" y="331987"/>
+                </a:lnTo>
+                <a:lnTo>
+                  <a:pt x="433283" y="70559"/>
+                </a:lnTo>
+                <a:lnTo>
+                  <a:pt x="367724" y="70558"/>
+                </a:lnTo>
+                <a:lnTo>
+                  <a:pt x="367724" y="331987"/>
+                </a:lnTo>
+                <a:lnTo>
+                  <a:pt x="187951" y="331987"/>
+                </a:lnTo>
+                <a:lnTo>
+                  <a:pt x="187951" y="70558"/>
+                </a:lnTo>
+                <a:lnTo>
+                  <a:pt x="122651" y="70558"/>
+                </a:lnTo>
+                <a:lnTo>
+                  <a:pt x="122651" y="331987"/>
+                </a:lnTo>
+                <a:lnTo>
+                  <a:pt x="65481" y="331987"/>
+                </a:lnTo>
+                <a:lnTo>
+                  <a:pt x="65480" y="70558"/>
+                </a:lnTo>
+                <a:lnTo>
+                  <a:pt x="8308" y="70558"/>
+                </a:lnTo>
+                <a:lnTo>
+                  <a:pt x="8308" y="13394"/>
+                </a:lnTo>
+                <a:close/>
+              </a:path>
+            </a:pathLst>
+          </a:custGeom>
+          <a:solidFill>
+            <a:srgbClr val="0063BB">
+              <a:alpha val="100000"/>
+            </a:srgbClr>
+          </a:solidFill>
+          <a:ln w="12700">
+            <a:solidFill>
+              <a:srgbClr val="000000">
+                <a:alpha val="0"/>
+              </a:srgbClr>
+            </a:solidFill>
+          </a:ln>
+          <a:effectLst/>
         </p:spPr>
-        <p:txBody>
-          <a:bodyPr/>
+        <p:style>
+          <a:lnRef idx="2">
+            <a:schemeClr val="accent1"/>
+          </a:lnRef>
+          <a:fillRef idx="0">
+            <a:schemeClr val="accent1"/>
+          </a:fillRef>
+          <a:effectRef idx="1">
+            <a:schemeClr val="accent1"/>
+          </a:effectRef>
+          <a:fontRef idx="minor">
+            <a:schemeClr val="tx1"/>
+          </a:fontRef>
+        </p:style>
+        <p:txBody>
+          <a:bodyPr rtlCol="0" anchor="ctr"/>
           <a:lstStyle/>
           <a:p>
             <a:pPr algn="ctr"/>
-            <a:r>
-              <a:rPr lang="de-DE" dirty="0" err="1"/>
-              <a:t>DocBook</a:t>
-            </a:r>
-            <a:endParaRPr lang="de-DE" dirty="0"/>
+            <a:endParaRPr lang="en-US"/>
           </a:p>
         </p:txBody>
       </p:sp>
       <p:pic>
         <p:nvPicPr>
-          <p:cNvPr id="5" name="Grafik 4">
-            <a:extLst>
-              <a:ext uri="{FF2B5EF4-FFF2-40B4-BE49-F238E27FC236}">
-                <a16:creationId xmlns:a16="http://schemas.microsoft.com/office/drawing/2014/main" id="{F34106F0-6CC1-7E45-A429-47EA60503F92}"/>
-              </a:ext>
-            </a:extLst>
-          </p:cNvPr>
+          <p:cNvPr id="182" name="Picture 182"/>
           <p:cNvPicPr>
             <a:picLocks noChangeAspect="1"/>
           </p:cNvPicPr>
@@ -8876,20 +8720,273 @@
         </p:blipFill>
         <p:spPr>
           <a:xfrm>
-            <a:off x="657230" y="1870980"/>
-            <a:ext cx="7829539" cy="1401539"/>
+            <a:off x="4960620" y="1455420"/>
+            <a:ext cx="3855720" cy="3375660"/>
           </a:xfrm>
           <a:prstGeom prst="rect">
             <a:avLst/>
           </a:prstGeom>
         </p:spPr>
       </p:pic>
+      <p:sp>
+        <p:nvSpPr>
+          <p:cNvPr id="2" name="TextBox 182"/>
+          <p:cNvSpPr txBox="1"/>
+          <p:nvPr/>
+        </p:nvSpPr>
+        <p:spPr>
+          <a:xfrm>
+            <a:off x="319125" y="970434"/>
+            <a:ext cx="5156206" cy="1468159"/>
+          </a:xfrm>
+          <a:prstGeom prst="rect">
+            <a:avLst/>
+          </a:prstGeom>
+          <a:noFill/>
+        </p:spPr>
+        <p:txBody>
+          <a:bodyPr wrap="square" lIns="0" tIns="0" rIns="0" bIns="0" rtlCol="0">
+            <a:spAutoFit/>
+          </a:bodyPr>
+          <a:lstStyle/>
+          <a:p>
+            <a:pPr marL="0">
+              <a:lnSpc>
+                <a:spcPct val="100000"/>
+              </a:lnSpc>
+            </a:pPr>
+            <a:r>
+              <a:rPr lang="en-US" altLang="zh-CN" sz="2500" dirty="0" err="1">
+                <a:solidFill>
+                  <a:srgbClr val="000000"/>
+                </a:solidFill>
+                <a:latin typeface="Arial"/>
+                <a:ea typeface="Arial"/>
+              </a:rPr>
+              <a:t>Vielen</a:t>
+            </a:r>
+            <a:r>
+              <a:rPr lang="en-US" altLang="zh-CN" sz="2500" spc="-55" dirty="0">
+                <a:solidFill>
+                  <a:srgbClr val="000000"/>
+                </a:solidFill>
+                <a:latin typeface="Arial"/>
+                <a:cs typeface="Arial"/>
+              </a:rPr>
+              <a:t> </a:t>
+            </a:r>
+            <a:r>
+              <a:rPr lang="en-US" altLang="zh-CN" sz="2500" dirty="0">
+                <a:solidFill>
+                  <a:srgbClr val="000000"/>
+                </a:solidFill>
+                <a:latin typeface="Arial"/>
+                <a:ea typeface="Arial"/>
+              </a:rPr>
+              <a:t>Dank</a:t>
+            </a:r>
+            <a:r>
+              <a:rPr lang="en-US" altLang="zh-CN" sz="2500" spc="-55" dirty="0">
+                <a:solidFill>
+                  <a:srgbClr val="000000"/>
+                </a:solidFill>
+                <a:latin typeface="Arial"/>
+                <a:cs typeface="Arial"/>
+              </a:rPr>
+              <a:t> </a:t>
+            </a:r>
+            <a:r>
+              <a:rPr lang="en-US" altLang="zh-CN" sz="2500" dirty="0" err="1">
+                <a:solidFill>
+                  <a:srgbClr val="000000"/>
+                </a:solidFill>
+                <a:latin typeface="Arial"/>
+                <a:ea typeface="Arial"/>
+              </a:rPr>
+              <a:t>für</a:t>
+            </a:r>
+            <a:r>
+              <a:rPr lang="en-US" altLang="zh-CN" sz="2500" spc="-55" dirty="0">
+                <a:solidFill>
+                  <a:srgbClr val="000000"/>
+                </a:solidFill>
+                <a:latin typeface="Arial"/>
+                <a:cs typeface="Arial"/>
+              </a:rPr>
+              <a:t> </a:t>
+            </a:r>
+            <a:r>
+              <a:rPr lang="en-US" altLang="zh-CN" sz="2500" dirty="0" err="1">
+                <a:solidFill>
+                  <a:srgbClr val="000000"/>
+                </a:solidFill>
+                <a:latin typeface="Arial"/>
+                <a:ea typeface="Arial"/>
+              </a:rPr>
+              <a:t>Ihre</a:t>
+            </a:r>
+            <a:r>
+              <a:rPr lang="en-US" altLang="zh-CN" sz="2500" spc="-60" dirty="0">
+                <a:solidFill>
+                  <a:srgbClr val="000000"/>
+                </a:solidFill>
+                <a:latin typeface="Arial"/>
+                <a:cs typeface="Arial"/>
+              </a:rPr>
+              <a:t> </a:t>
+            </a:r>
+            <a:r>
+              <a:rPr lang="en-US" altLang="zh-CN" sz="2500" dirty="0" err="1">
+                <a:solidFill>
+                  <a:srgbClr val="000000"/>
+                </a:solidFill>
+                <a:latin typeface="Arial"/>
+                <a:ea typeface="Arial"/>
+              </a:rPr>
+              <a:t>Aufmerksamkeit</a:t>
+            </a:r>
+            <a:endParaRPr lang="en-US" altLang="zh-CN" sz="2500" dirty="0">
+              <a:solidFill>
+                <a:srgbClr val="000000"/>
+              </a:solidFill>
+              <a:latin typeface="Arial"/>
+              <a:ea typeface="Arial"/>
+            </a:endParaRPr>
+          </a:p>
+          <a:p>
+            <a:pPr>
+              <a:lnSpc>
+                <a:spcPts val="1169"/>
+              </a:lnSpc>
+            </a:pPr>
+            <a:endParaRPr lang="en-US" dirty="0"/>
+          </a:p>
+          <a:p>
+            <a:pPr hangingPunct="0">
+              <a:lnSpc>
+                <a:spcPct val="150000"/>
+              </a:lnSpc>
+            </a:pPr>
+            <a:r>
+              <a:rPr lang="de-DE" sz="1400" dirty="0"/>
+              <a:t>Lorenzo </a:t>
+            </a:r>
+            <a:r>
+              <a:rPr lang="de-DE" sz="1400" dirty="0" err="1"/>
+              <a:t>Brazzi</a:t>
+            </a:r>
+            <a:r>
+              <a:rPr lang="de-DE" sz="1400" dirty="0"/>
+              <a:t>, Ikbal </a:t>
+            </a:r>
+            <a:r>
+              <a:rPr lang="de-DE" sz="1400" dirty="0" err="1"/>
+              <a:t>Yesiltas</a:t>
+            </a:r>
+            <a:r>
+              <a:rPr lang="de-DE" sz="1400" dirty="0"/>
+              <a:t>, Patrick Reto, Markus Zuber</a:t>
+            </a:r>
+            <a:br>
+              <a:rPr dirty="0"/>
+            </a:br>
+            <a:r>
+              <a:rPr lang="en-US" altLang="zh-CN" sz="1400" spc="-10" dirty="0" err="1">
+                <a:solidFill>
+                  <a:srgbClr val="000000"/>
+                </a:solidFill>
+                <a:latin typeface="Arial"/>
+                <a:ea typeface="Arial"/>
+              </a:rPr>
+              <a:t>Technische</a:t>
+            </a:r>
+            <a:r>
+              <a:rPr lang="en-US" altLang="zh-CN" sz="1400" spc="-5" dirty="0">
+                <a:solidFill>
+                  <a:srgbClr val="000000"/>
+                </a:solidFill>
+                <a:latin typeface="Arial"/>
+                <a:cs typeface="Arial"/>
+              </a:rPr>
+              <a:t> </a:t>
+            </a:r>
+            <a:r>
+              <a:rPr lang="en-US" altLang="zh-CN" sz="1400" spc="-5" dirty="0">
+                <a:solidFill>
+                  <a:srgbClr val="000000"/>
+                </a:solidFill>
+                <a:latin typeface="Arial"/>
+                <a:ea typeface="Arial"/>
+              </a:rPr>
+              <a:t>Universität</a:t>
+            </a:r>
+            <a:r>
+              <a:rPr lang="en-US" altLang="zh-CN" sz="1400" spc="-15" dirty="0">
+                <a:solidFill>
+                  <a:srgbClr val="000000"/>
+                </a:solidFill>
+                <a:latin typeface="Arial"/>
+                <a:cs typeface="Arial"/>
+              </a:rPr>
+              <a:t> </a:t>
+            </a:r>
+            <a:r>
+              <a:rPr lang="en-US" altLang="zh-CN" sz="1400" spc="-10" dirty="0">
+                <a:solidFill>
+                  <a:srgbClr val="000000"/>
+                </a:solidFill>
+                <a:latin typeface="Arial"/>
+                <a:ea typeface="Arial"/>
+              </a:rPr>
+              <a:t>München</a:t>
+            </a:r>
+            <a:r>
+              <a:rPr lang="en-US" altLang="zh-CN" sz="1400" dirty="0">
+                <a:solidFill>
+                  <a:srgbClr val="000000"/>
+                </a:solidFill>
+                <a:latin typeface="Arial"/>
+                <a:cs typeface="Arial"/>
+              </a:rPr>
+              <a:t> </a:t>
+            </a:r>
+            <a:br>
+              <a:rPr dirty="0"/>
+            </a:br>
+            <a:r>
+              <a:rPr lang="en-US" altLang="zh-CN" sz="1400" dirty="0">
+                <a:solidFill>
+                  <a:srgbClr val="000000"/>
+                </a:solidFill>
+                <a:latin typeface="Arial"/>
+                <a:ea typeface="Arial"/>
+              </a:rPr>
+              <a:t>München,</a:t>
+            </a:r>
+            <a:r>
+              <a:rPr lang="en-US" altLang="zh-CN" sz="1400" dirty="0">
+                <a:solidFill>
+                  <a:srgbClr val="000000"/>
+                </a:solidFill>
+                <a:latin typeface="Arial"/>
+                <a:cs typeface="Arial"/>
+              </a:rPr>
+              <a:t> </a:t>
+            </a:r>
+            <a:r>
+              <a:rPr lang="en-US" altLang="zh-CN" sz="1400" dirty="0">
+                <a:solidFill>
+                  <a:srgbClr val="000000"/>
+                </a:solidFill>
+                <a:latin typeface="Arial"/>
+                <a:ea typeface="Arial"/>
+              </a:rPr>
+              <a:t>28.11.2019</a:t>
+            </a:r>
+          </a:p>
+        </p:txBody>
+      </p:sp>
     </p:spTree>
-    <p:extLst>
-      <p:ext uri="{BB962C8B-B14F-4D97-AF65-F5344CB8AC3E}">
-        <p14:creationId xmlns:p14="http://schemas.microsoft.com/office/powerpoint/2010/main" val="3674180149"/>
-      </p:ext>
-    </p:extLst>
   </p:cSld>
   <p:clrMapOvr>
     <a:masterClrMapping/>
@@ -8897,7 +8994,7 @@
 </p:sld>
 </file>
 
-<file path=ppt/slides/slide11.xml><?xml version="1.0" encoding="utf-8"?>
+<file path=ppt/slides/slide2.xml><?xml version="1.0" encoding="utf-8"?>
 <p:sld xmlns:a="http://schemas.openxmlformats.org/drawingml/2006/main" xmlns:r="http://schemas.openxmlformats.org/officeDocument/2006/relationships" xmlns:p="http://schemas.openxmlformats.org/presentationml/2006/main">
   <p:cSld>
     <p:spTree>
@@ -8916,6 +9013,170 @@
       </p:grpSpPr>
       <p:sp>
         <p:nvSpPr>
+          <p:cNvPr id="2" name="Inhaltsplatzhalter 1">
+            <a:extLst>
+              <a:ext uri="{FF2B5EF4-FFF2-40B4-BE49-F238E27FC236}">
+                <a16:creationId xmlns:a16="http://schemas.microsoft.com/office/drawing/2014/main" id="{03F969C4-5754-4A06-8290-46434B7FEA7B}"/>
+              </a:ext>
+            </a:extLst>
+          </p:cNvPr>
+          <p:cNvSpPr>
+            <a:spLocks noGrp="1"/>
+          </p:cNvSpPr>
+          <p:nvPr>
+            <p:ph idx="1"/>
+          </p:nvPr>
+        </p:nvSpPr>
+        <p:spPr>
+          <a:xfrm>
+            <a:off x="319090" y="1123612"/>
+            <a:ext cx="8508999" cy="3441131"/>
+          </a:xfrm>
+        </p:spPr>
+        <p:txBody>
+          <a:bodyPr>
+            <a:normAutofit/>
+          </a:bodyPr>
+          <a:lstStyle/>
+          <a:p>
+            <a:pPr marL="285750" indent="-285750">
+              <a:lnSpc>
+                <a:spcPct val="250000"/>
+              </a:lnSpc>
+              <a:buFont typeface="Arial" panose="020B0604020202020204" pitchFamily="34" charset="0"/>
+              <a:buChar char="•"/>
+            </a:pPr>
+            <a:r>
+              <a:rPr lang="de-DE" b="1" dirty="0"/>
+              <a:t>Inhalte des </a:t>
+            </a:r>
+            <a:r>
+              <a:rPr lang="de-DE" b="1" dirty="0" err="1"/>
+              <a:t>Docbooks</a:t>
+            </a:r>
+            <a:endParaRPr lang="de-DE" b="1" dirty="0"/>
+          </a:p>
+          <a:p>
+            <a:pPr marL="285750" indent="-285750">
+              <a:lnSpc>
+                <a:spcPct val="250000"/>
+              </a:lnSpc>
+              <a:buFont typeface="Arial" panose="020B0604020202020204" pitchFamily="34" charset="0"/>
+              <a:buChar char="•"/>
+            </a:pPr>
+            <a:r>
+              <a:rPr lang="de-DE" b="1" dirty="0" err="1"/>
+              <a:t>DocBook</a:t>
+            </a:r>
+            <a:r>
+              <a:rPr lang="de-DE" b="1" dirty="0"/>
+              <a:t> Tags</a:t>
+            </a:r>
+          </a:p>
+          <a:p>
+            <a:pPr marL="285750" indent="-285750">
+              <a:lnSpc>
+                <a:spcPct val="250000"/>
+              </a:lnSpc>
+              <a:buFont typeface="Arial" panose="020B0604020202020204" pitchFamily="34" charset="0"/>
+              <a:buChar char="•"/>
+            </a:pPr>
+            <a:r>
+              <a:rPr lang="de-DE" b="1" dirty="0"/>
+              <a:t>Beispiel Dokumentation</a:t>
+            </a:r>
+          </a:p>
+          <a:p>
+            <a:pPr marL="285750" indent="-285750">
+              <a:lnSpc>
+                <a:spcPct val="250000"/>
+              </a:lnSpc>
+              <a:buFont typeface="Arial" panose="020B0604020202020204" pitchFamily="34" charset="0"/>
+              <a:buChar char="•"/>
+            </a:pPr>
+            <a:r>
+              <a:rPr lang="de-DE" b="1" dirty="0"/>
+              <a:t>Dokumentation Ausblick MVC-</a:t>
+            </a:r>
+            <a:r>
+              <a:rPr lang="de-DE" b="1" dirty="0" err="1"/>
+              <a:t>Architecture</a:t>
+            </a:r>
+            <a:r>
+              <a:rPr lang="de-DE" b="1" dirty="0"/>
+              <a:t> und </a:t>
+            </a:r>
+            <a:r>
+              <a:rPr lang="de-DE" b="1" dirty="0" err="1"/>
+              <a:t>Xquery</a:t>
+            </a:r>
+            <a:endParaRPr lang="de-DE" b="1" dirty="0"/>
+          </a:p>
+          <a:p>
+            <a:pPr marL="285750" indent="-285750">
+              <a:lnSpc>
+                <a:spcPct val="250000"/>
+              </a:lnSpc>
+              <a:buFont typeface="Arial" panose="020B0604020202020204" pitchFamily="34" charset="0"/>
+              <a:buChar char="•"/>
+            </a:pPr>
+            <a:r>
+              <a:rPr lang="de-DE" b="1" dirty="0"/>
+              <a:t>Live Präsentation Transformation</a:t>
+            </a:r>
+          </a:p>
+          <a:p>
+            <a:pPr marL="285750" indent="-285750">
+              <a:lnSpc>
+                <a:spcPct val="250000"/>
+              </a:lnSpc>
+              <a:buFont typeface="Arial" panose="020B0604020202020204" pitchFamily="34" charset="0"/>
+              <a:buChar char="•"/>
+            </a:pPr>
+            <a:endParaRPr lang="de-DE" b="1" dirty="0"/>
+          </a:p>
+          <a:p>
+            <a:pPr>
+              <a:lnSpc>
+                <a:spcPct val="250000"/>
+              </a:lnSpc>
+            </a:pPr>
+            <a:endParaRPr lang="de-DE" dirty="0"/>
+          </a:p>
+        </p:txBody>
+      </p:sp>
+      <p:sp>
+        <p:nvSpPr>
+          <p:cNvPr id="3" name="Titel 2"/>
+          <p:cNvSpPr>
+            <a:spLocks noGrp="1"/>
+          </p:cNvSpPr>
+          <p:nvPr>
+            <p:ph type="title"/>
+          </p:nvPr>
+        </p:nvSpPr>
+        <p:spPr>
+          <a:xfrm>
+            <a:off x="319089" y="516697"/>
+            <a:ext cx="7446053" cy="380810"/>
+          </a:xfrm>
+          <a:prstGeom prst="rect">
+            <a:avLst/>
+          </a:prstGeom>
+        </p:spPr>
+        <p:txBody>
+          <a:bodyPr/>
+          <a:lstStyle/>
+          <a:p>
+            <a:r>
+              <a:rPr lang="de-DE" dirty="0"/>
+              <a:t>Gliederung</a:t>
+            </a:r>
+          </a:p>
+        </p:txBody>
+      </p:sp>
+      <p:sp>
+        <p:nvSpPr>
           <p:cNvPr id="4" name="Foliennummernplatzhalter 3"/>
           <p:cNvSpPr>
             <a:spLocks noGrp="1"/>
@@ -8924,7 +9185,12 @@
             <p:ph type="sldNum" sz="quarter" idx="11"/>
           </p:nvPr>
         </p:nvSpPr>
-        <p:spPr/>
+        <p:spPr>
+          <a:xfrm>
+            <a:off x="6774934" y="4854985"/>
+            <a:ext cx="2052074" cy="273844"/>
+          </a:xfrm>
+        </p:spPr>
         <p:txBody>
           <a:bodyPr/>
           <a:lstStyle/>
@@ -8932,7 +9198,7 @@
             <a:fld id="{CE58CB1E-F828-4F11-99E0-327109AF9DA4}" type="slidenum">
               <a:rPr lang="de-DE" smtClean="0"/>
               <a:pPr/>
-              <a:t>11</a:t>
+              <a:t>2</a:t>
             </a:fld>
             <a:endParaRPr lang="de-DE" dirty="0"/>
           </a:p>
@@ -8948,7 +9214,12 @@
             <p:ph type="ftr" sz="quarter" idx="12"/>
           </p:nvPr>
         </p:nvSpPr>
-        <p:spPr/>
+        <p:spPr>
+          <a:xfrm>
+            <a:off x="311162" y="4854985"/>
+            <a:ext cx="6464280" cy="273844"/>
+          </a:xfrm>
+        </p:spPr>
         <p:txBody>
           <a:bodyPr/>
           <a:lstStyle/>
@@ -8974,6 +9245,1003 @@
               <a:t>Dokumentation</a:t>
             </a:r>
             <a:endParaRPr lang="en-US" dirty="0"/>
+          </a:p>
+        </p:txBody>
+      </p:sp>
+    </p:spTree>
+    <p:extLst>
+      <p:ext uri="{BB962C8B-B14F-4D97-AF65-F5344CB8AC3E}">
+        <p14:creationId xmlns:p14="http://schemas.microsoft.com/office/powerpoint/2010/main" val="1723338913"/>
+      </p:ext>
+    </p:extLst>
+  </p:cSld>
+  <p:clrMapOvr>
+    <a:masterClrMapping/>
+  </p:clrMapOvr>
+</p:sld>
+</file>
+
+<file path=ppt/slides/slide3.xml><?xml version="1.0" encoding="utf-8"?>
+<p:sld xmlns:a="http://schemas.openxmlformats.org/drawingml/2006/main" xmlns:r="http://schemas.openxmlformats.org/officeDocument/2006/relationships" xmlns:p="http://schemas.openxmlformats.org/presentationml/2006/main">
+  <p:cSld>
+    <p:spTree>
+      <p:nvGrpSpPr>
+        <p:cNvPr id="1" name=""/>
+        <p:cNvGrpSpPr/>
+        <p:nvPr/>
+      </p:nvGrpSpPr>
+      <p:grpSpPr>
+        <a:xfrm>
+          <a:off x="0" y="0"/>
+          <a:ext cx="0" cy="0"/>
+          <a:chOff x="0" y="0"/>
+          <a:chExt cx="0" cy="0"/>
+        </a:xfrm>
+      </p:grpSpPr>
+      <p:graphicFrame>
+        <p:nvGraphicFramePr>
+          <p:cNvPr id="6" name="Content Placeholder 5">
+            <a:extLst>
+              <a:ext uri="{FF2B5EF4-FFF2-40B4-BE49-F238E27FC236}">
+                <a16:creationId xmlns:a16="http://schemas.microsoft.com/office/drawing/2014/main" id="{D31CDFBD-DB0B-4A62-979B-5603023334E8}"/>
+              </a:ext>
+            </a:extLst>
+          </p:cNvPr>
+          <p:cNvGraphicFramePr>
+            <a:graphicFrameLocks noGrp="1"/>
+          </p:cNvGraphicFramePr>
+          <p:nvPr>
+            <p:ph idx="1"/>
+            <p:extLst>
+              <p:ext uri="{D42A27DB-BD31-4B8C-83A1-F6EECF244321}">
+                <p14:modId xmlns:p14="http://schemas.microsoft.com/office/powerpoint/2010/main" val="3371261924"/>
+              </p:ext>
+            </p:extLst>
+          </p:nvPr>
+        </p:nvGraphicFramePr>
+        <p:xfrm>
+          <a:off x="208800" y="1600200"/>
+          <a:ext cx="8744400" cy="3083399"/>
+        </p:xfrm>
+        <a:graphic>
+          <a:graphicData uri="http://schemas.openxmlformats.org/drawingml/2006/table">
+            <a:tbl>
+              <a:tblPr firstRow="1" bandRow="1">
+                <a:tableStyleId>{284E427A-3D55-4303-BF80-6455036E1DE7}</a:tableStyleId>
+              </a:tblPr>
+              <a:tblGrid>
+                <a:gridCol w="4372200">
+                  <a:extLst>
+                    <a:ext uri="{9D8B030D-6E8A-4147-A177-3AD203B41FA5}">
+                      <a16:colId xmlns:a16="http://schemas.microsoft.com/office/drawing/2014/main" val="1583036570"/>
+                    </a:ext>
+                  </a:extLst>
+                </a:gridCol>
+                <a:gridCol w="4372200">
+                  <a:extLst>
+                    <a:ext uri="{9D8B030D-6E8A-4147-A177-3AD203B41FA5}">
+                      <a16:colId xmlns:a16="http://schemas.microsoft.com/office/drawing/2014/main" val="1291359394"/>
+                    </a:ext>
+                  </a:extLst>
+                </a:gridCol>
+              </a:tblGrid>
+              <a:tr h="399180">
+                <a:tc>
+                  <a:txBody>
+                    <a:bodyPr/>
+                    <a:lstStyle/>
+                    <a:p>
+                      <a:r>
+                        <a:rPr lang="en-GB" dirty="0" err="1"/>
+                        <a:t>Sinnvoll</a:t>
+                      </a:r>
+                      <a:endParaRPr lang="en-GB" dirty="0"/>
+                    </a:p>
+                  </a:txBody>
+                  <a:tcPr/>
+                </a:tc>
+                <a:tc>
+                  <a:txBody>
+                    <a:bodyPr/>
+                    <a:lstStyle/>
+                    <a:p>
+                      <a:r>
+                        <a:rPr lang="en-GB" dirty="0" err="1"/>
+                        <a:t>Unpassend</a:t>
+                      </a:r>
+                      <a:endParaRPr lang="en-DE" dirty="0"/>
+                    </a:p>
+                  </a:txBody>
+                  <a:tcPr/>
+                </a:tc>
+                <a:extLst>
+                  <a:ext uri="{0D108BD9-81ED-4DB2-BD59-A6C34878D82A}">
+                    <a16:rowId xmlns:a16="http://schemas.microsoft.com/office/drawing/2014/main" val="3872635839"/>
+                  </a:ext>
+                </a:extLst>
+              </a:tr>
+              <a:tr h="399180">
+                <a:tc>
+                  <a:txBody>
+                    <a:bodyPr/>
+                    <a:lstStyle/>
+                    <a:p>
+                      <a:pPr marL="0" marR="0" lvl="0" indent="0" algn="l" defTabSz="914400" rtl="0" eaLnBrk="1" fontAlgn="auto" latinLnBrk="0" hangingPunct="1">
+                        <a:lnSpc>
+                          <a:spcPct val="100000"/>
+                        </a:lnSpc>
+                        <a:spcBef>
+                          <a:spcPts val="0"/>
+                        </a:spcBef>
+                        <a:spcAft>
+                          <a:spcPts val="0"/>
+                        </a:spcAft>
+                        <a:buClrTx/>
+                        <a:buSzTx/>
+                        <a:buFontTx/>
+                        <a:buNone/>
+                        <a:tabLst/>
+                        <a:defRPr/>
+                      </a:pPr>
+                      <a:r>
+                        <a:rPr lang="en-GB" dirty="0"/>
+                        <a:t>+ </a:t>
+                      </a:r>
+                      <a:r>
+                        <a:rPr lang="en-GB" dirty="0" err="1"/>
+                        <a:t>Designentscheidungen</a:t>
+                      </a:r>
+                      <a:endParaRPr lang="en-GB" dirty="0"/>
+                    </a:p>
+                  </a:txBody>
+                  <a:tcPr/>
+                </a:tc>
+                <a:tc>
+                  <a:txBody>
+                    <a:bodyPr/>
+                    <a:lstStyle/>
+                    <a:p>
+                      <a:r>
+                        <a:rPr lang="en-GB" dirty="0"/>
+                        <a:t>- </a:t>
+                      </a:r>
+                      <a:r>
+                        <a:rPr lang="en-GB" dirty="0" err="1"/>
+                        <a:t>Technische</a:t>
+                      </a:r>
+                      <a:r>
+                        <a:rPr lang="en-GB" dirty="0"/>
+                        <a:t> Details</a:t>
+                      </a:r>
+                      <a:endParaRPr lang="en-DE" dirty="0"/>
+                    </a:p>
+                  </a:txBody>
+                  <a:tcPr/>
+                </a:tc>
+                <a:extLst>
+                  <a:ext uri="{0D108BD9-81ED-4DB2-BD59-A6C34878D82A}">
+                    <a16:rowId xmlns:a16="http://schemas.microsoft.com/office/drawing/2014/main" val="2740196952"/>
+                  </a:ext>
+                </a:extLst>
+              </a:tr>
+              <a:tr h="399180">
+                <a:tc>
+                  <a:txBody>
+                    <a:bodyPr/>
+                    <a:lstStyle/>
+                    <a:p>
+                      <a:r>
+                        <a:rPr lang="en-GB" dirty="0"/>
+                        <a:t>+ </a:t>
+                      </a:r>
+                      <a:r>
+                        <a:rPr lang="en-GB" dirty="0" err="1"/>
+                        <a:t>Benutzte</a:t>
+                      </a:r>
+                      <a:r>
+                        <a:rPr lang="en-GB" dirty="0"/>
+                        <a:t> </a:t>
+                      </a:r>
+                      <a:r>
+                        <a:rPr lang="en-GB" dirty="0" err="1"/>
+                        <a:t>Technologien</a:t>
+                      </a:r>
+                      <a:endParaRPr lang="en-DE" dirty="0"/>
+                    </a:p>
+                  </a:txBody>
+                  <a:tcPr/>
+                </a:tc>
+                <a:tc>
+                  <a:txBody>
+                    <a:bodyPr/>
+                    <a:lstStyle/>
+                    <a:p>
+                      <a:r>
+                        <a:rPr lang="en-GB" dirty="0"/>
+                        <a:t>- Low-Level Programming </a:t>
+                      </a:r>
+                      <a:r>
+                        <a:rPr lang="en-GB" dirty="0" err="1"/>
+                        <a:t>Inhalte</a:t>
+                      </a:r>
+                      <a:endParaRPr lang="en-DE" dirty="0"/>
+                    </a:p>
+                  </a:txBody>
+                  <a:tcPr/>
+                </a:tc>
+                <a:extLst>
+                  <a:ext uri="{0D108BD9-81ED-4DB2-BD59-A6C34878D82A}">
+                    <a16:rowId xmlns:a16="http://schemas.microsoft.com/office/drawing/2014/main" val="2870058176"/>
+                  </a:ext>
+                </a:extLst>
+              </a:tr>
+              <a:tr h="399180">
+                <a:tc>
+                  <a:txBody>
+                    <a:bodyPr/>
+                    <a:lstStyle/>
+                    <a:p>
+                      <a:r>
+                        <a:rPr lang="en-GB" dirty="0"/>
+                        <a:t>+ </a:t>
+                      </a:r>
+                      <a:r>
+                        <a:rPr lang="en-GB" dirty="0" err="1"/>
+                        <a:t>Gedankengänge</a:t>
+                      </a:r>
+                      <a:r>
+                        <a:rPr lang="en-GB" dirty="0"/>
+                        <a:t> und </a:t>
+                      </a:r>
+                      <a:r>
+                        <a:rPr lang="en-GB" dirty="0" err="1"/>
+                        <a:t>Modellierungen</a:t>
+                      </a:r>
+                      <a:endParaRPr lang="en-DE" dirty="0"/>
+                    </a:p>
+                  </a:txBody>
+                  <a:tcPr/>
+                </a:tc>
+                <a:tc>
+                  <a:txBody>
+                    <a:bodyPr/>
+                    <a:lstStyle/>
+                    <a:p>
+                      <a:r>
+                        <a:rPr lang="en-GB" dirty="0"/>
+                        <a:t>- </a:t>
+                      </a:r>
+                      <a:r>
+                        <a:rPr lang="en-GB" dirty="0" err="1"/>
+                        <a:t>Organisatorisches</a:t>
+                      </a:r>
+                      <a:endParaRPr lang="en-DE" dirty="0"/>
+                    </a:p>
+                  </a:txBody>
+                  <a:tcPr/>
+                </a:tc>
+                <a:extLst>
+                  <a:ext uri="{0D108BD9-81ED-4DB2-BD59-A6C34878D82A}">
+                    <a16:rowId xmlns:a16="http://schemas.microsoft.com/office/drawing/2014/main" val="3009659356"/>
+                  </a:ext>
+                </a:extLst>
+              </a:tr>
+              <a:tr h="399180">
+                <a:tc>
+                  <a:txBody>
+                    <a:bodyPr/>
+                    <a:lstStyle/>
+                    <a:p>
+                      <a:r>
+                        <a:rPr lang="en-GB" dirty="0"/>
+                        <a:t>+ High-Level </a:t>
+                      </a:r>
+                      <a:r>
+                        <a:rPr lang="en-GB" dirty="0" err="1"/>
+                        <a:t>Sicht</a:t>
+                      </a:r>
+                      <a:r>
+                        <a:rPr lang="en-GB" dirty="0"/>
+                        <a:t> auf </a:t>
+                      </a:r>
+                      <a:r>
+                        <a:rPr lang="en-GB" dirty="0" err="1"/>
+                        <a:t>Lösung</a:t>
+                      </a:r>
+                      <a:endParaRPr lang="en-DE" dirty="0"/>
+                    </a:p>
+                  </a:txBody>
+                  <a:tcPr/>
+                </a:tc>
+                <a:tc>
+                  <a:txBody>
+                    <a:bodyPr/>
+                    <a:lstStyle/>
+                    <a:p>
+                      <a:endParaRPr lang="en-DE" dirty="0"/>
+                    </a:p>
+                  </a:txBody>
+                  <a:tcPr/>
+                </a:tc>
+                <a:extLst>
+                  <a:ext uri="{0D108BD9-81ED-4DB2-BD59-A6C34878D82A}">
+                    <a16:rowId xmlns:a16="http://schemas.microsoft.com/office/drawing/2014/main" val="685140332"/>
+                  </a:ext>
+                </a:extLst>
+              </a:tr>
+              <a:tr h="399180">
+                <a:tc>
+                  <a:txBody>
+                    <a:bodyPr/>
+                    <a:lstStyle/>
+                    <a:p>
+                      <a:r>
+                        <a:rPr lang="en-GB" dirty="0"/>
+                        <a:t>+ </a:t>
+                      </a:r>
+                      <a:r>
+                        <a:rPr lang="en-GB" dirty="0" err="1"/>
+                        <a:t>Projekt</a:t>
+                      </a:r>
+                      <a:r>
+                        <a:rPr lang="en-GB" dirty="0"/>
+                        <a:t> </a:t>
+                      </a:r>
+                      <a:r>
+                        <a:rPr lang="en-GB" dirty="0" err="1"/>
+                        <a:t>Kontext</a:t>
+                      </a:r>
+                      <a:r>
+                        <a:rPr lang="en-GB" dirty="0"/>
+                        <a:t> und </a:t>
+                      </a:r>
+                      <a:r>
+                        <a:rPr lang="en-GB" dirty="0" err="1"/>
+                        <a:t>Zielsetzung</a:t>
+                      </a:r>
+                      <a:endParaRPr lang="en-DE" dirty="0"/>
+                    </a:p>
+                  </a:txBody>
+                  <a:tcPr/>
+                </a:tc>
+                <a:tc>
+                  <a:txBody>
+                    <a:bodyPr/>
+                    <a:lstStyle/>
+                    <a:p>
+                      <a:endParaRPr lang="en-DE" dirty="0"/>
+                    </a:p>
+                  </a:txBody>
+                  <a:tcPr/>
+                </a:tc>
+                <a:extLst>
+                  <a:ext uri="{0D108BD9-81ED-4DB2-BD59-A6C34878D82A}">
+                    <a16:rowId xmlns:a16="http://schemas.microsoft.com/office/drawing/2014/main" val="2687838530"/>
+                  </a:ext>
+                </a:extLst>
+              </a:tr>
+              <a:tr h="688319">
+                <a:tc>
+                  <a:txBody>
+                    <a:bodyPr/>
+                    <a:lstStyle/>
+                    <a:p>
+                      <a:r>
+                        <a:rPr lang="en-GB" dirty="0"/>
+                        <a:t>+ </a:t>
+                      </a:r>
+                      <a:r>
+                        <a:rPr lang="en-GB" dirty="0" err="1"/>
+                        <a:t>Visuelle</a:t>
+                      </a:r>
+                      <a:r>
+                        <a:rPr lang="en-GB" dirty="0"/>
+                        <a:t> </a:t>
+                      </a:r>
+                      <a:r>
+                        <a:rPr lang="en-GB" dirty="0" err="1"/>
+                        <a:t>Darstellung</a:t>
+                      </a:r>
+                      <a:r>
+                        <a:rPr lang="en-GB" dirty="0"/>
+                        <a:t> </a:t>
+                      </a:r>
+                      <a:r>
+                        <a:rPr lang="en-GB" dirty="0" err="1"/>
+                        <a:t>eines</a:t>
+                      </a:r>
+                      <a:r>
+                        <a:rPr lang="en-GB" dirty="0"/>
+                        <a:t> </a:t>
+                      </a:r>
+                      <a:r>
+                        <a:rPr lang="en-GB" dirty="0" err="1"/>
+                        <a:t>Spielablaufs</a:t>
+                      </a:r>
+                      <a:endParaRPr lang="en-DE" dirty="0"/>
+                    </a:p>
+                  </a:txBody>
+                  <a:tcPr/>
+                </a:tc>
+                <a:tc>
+                  <a:txBody>
+                    <a:bodyPr/>
+                    <a:lstStyle/>
+                    <a:p>
+                      <a:endParaRPr lang="en-DE" dirty="0"/>
+                    </a:p>
+                  </a:txBody>
+                  <a:tcPr/>
+                </a:tc>
+                <a:extLst>
+                  <a:ext uri="{0D108BD9-81ED-4DB2-BD59-A6C34878D82A}">
+                    <a16:rowId xmlns:a16="http://schemas.microsoft.com/office/drawing/2014/main" val="2015855460"/>
+                  </a:ext>
+                </a:extLst>
+              </a:tr>
+            </a:tbl>
+          </a:graphicData>
+        </a:graphic>
+      </p:graphicFrame>
+      <p:sp>
+        <p:nvSpPr>
+          <p:cNvPr id="3" name="Title 2">
+            <a:extLst>
+              <a:ext uri="{FF2B5EF4-FFF2-40B4-BE49-F238E27FC236}">
+                <a16:creationId xmlns:a16="http://schemas.microsoft.com/office/drawing/2014/main" id="{C5EB0E56-BFBA-4465-A864-62B96DC68DA1}"/>
+              </a:ext>
+            </a:extLst>
+          </p:cNvPr>
+          <p:cNvSpPr>
+            <a:spLocks noGrp="1"/>
+          </p:cNvSpPr>
+          <p:nvPr>
+            <p:ph type="title"/>
+          </p:nvPr>
+        </p:nvSpPr>
+        <p:spPr>
+          <a:xfrm>
+            <a:off x="319088" y="972000"/>
+            <a:ext cx="8508999" cy="380810"/>
+          </a:xfrm>
+        </p:spPr>
+        <p:txBody>
+          <a:bodyPr/>
+          <a:lstStyle/>
+          <a:p>
+            <a:pPr algn="ctr"/>
+            <a:r>
+              <a:rPr lang="en-GB" dirty="0" err="1"/>
+              <a:t>DocBook</a:t>
+            </a:r>
+            <a:r>
+              <a:rPr lang="en-GB" dirty="0"/>
+              <a:t> </a:t>
+            </a:r>
+            <a:r>
+              <a:rPr lang="en-GB" dirty="0" err="1"/>
+              <a:t>Inhalte</a:t>
+            </a:r>
+            <a:endParaRPr lang="en-DE" dirty="0"/>
+          </a:p>
+        </p:txBody>
+      </p:sp>
+      <p:sp>
+        <p:nvSpPr>
+          <p:cNvPr id="4" name="Slide Number Placeholder 3">
+            <a:extLst>
+              <a:ext uri="{FF2B5EF4-FFF2-40B4-BE49-F238E27FC236}">
+                <a16:creationId xmlns:a16="http://schemas.microsoft.com/office/drawing/2014/main" id="{C78B5D50-BE2B-49E6-9951-1194DE7D9899}"/>
+              </a:ext>
+            </a:extLst>
+          </p:cNvPr>
+          <p:cNvSpPr>
+            <a:spLocks noGrp="1"/>
+          </p:cNvSpPr>
+          <p:nvPr>
+            <p:ph type="sldNum" sz="quarter" idx="11"/>
+          </p:nvPr>
+        </p:nvSpPr>
+        <p:spPr/>
+        <p:txBody>
+          <a:bodyPr/>
+          <a:lstStyle/>
+          <a:p>
+            <a:fld id="{CE58CB1E-F828-4F11-99E0-327109AF9DA4}" type="slidenum">
+              <a:rPr lang="de-DE" smtClean="0"/>
+              <a:pPr/>
+              <a:t>3</a:t>
+            </a:fld>
+            <a:endParaRPr lang="de-DE" dirty="0"/>
+          </a:p>
+        </p:txBody>
+      </p:sp>
+      <p:sp>
+        <p:nvSpPr>
+          <p:cNvPr id="7" name="Fußzeilenplatzhalter 4">
+            <a:extLst>
+              <a:ext uri="{FF2B5EF4-FFF2-40B4-BE49-F238E27FC236}">
+                <a16:creationId xmlns:a16="http://schemas.microsoft.com/office/drawing/2014/main" id="{B43DD983-1C51-CC40-8D90-D34893AEE4F7}"/>
+              </a:ext>
+            </a:extLst>
+          </p:cNvPr>
+          <p:cNvSpPr>
+            <a:spLocks noGrp="1"/>
+          </p:cNvSpPr>
+          <p:nvPr>
+            <p:ph type="ftr" sz="quarter" idx="12"/>
+          </p:nvPr>
+        </p:nvSpPr>
+        <p:spPr>
+          <a:xfrm>
+            <a:off x="311162" y="4854985"/>
+            <a:ext cx="6464280" cy="273844"/>
+          </a:xfrm>
+        </p:spPr>
+        <p:txBody>
+          <a:bodyPr/>
+          <a:lstStyle/>
+          <a:p>
+            <a:r>
+              <a:rPr lang="en-US" dirty="0" err="1"/>
+              <a:t>Xlink</a:t>
+            </a:r>
+            <a:r>
+              <a:rPr lang="en-US" dirty="0"/>
+              <a:t> | </a:t>
+            </a:r>
+            <a:r>
+              <a:rPr lang="en-US" dirty="0" err="1"/>
+              <a:t>DocBook</a:t>
+            </a:r>
+            <a:r>
+              <a:rPr lang="en-US" dirty="0"/>
+              <a:t> </a:t>
+            </a:r>
+            <a:r>
+              <a:rPr lang="en-US" dirty="0" err="1"/>
+              <a:t>Dokumentation</a:t>
+            </a:r>
+            <a:endParaRPr lang="en-US" dirty="0"/>
+          </a:p>
+        </p:txBody>
+      </p:sp>
+    </p:spTree>
+    <p:extLst>
+      <p:ext uri="{BB962C8B-B14F-4D97-AF65-F5344CB8AC3E}">
+        <p14:creationId xmlns:p14="http://schemas.microsoft.com/office/powerpoint/2010/main" val="3631251342"/>
+      </p:ext>
+    </p:extLst>
+  </p:cSld>
+  <p:clrMapOvr>
+    <a:masterClrMapping/>
+  </p:clrMapOvr>
+</p:sld>
+</file>
+
+<file path=ppt/slides/slide4.xml><?xml version="1.0" encoding="utf-8"?>
+<p:sld xmlns:a="http://schemas.openxmlformats.org/drawingml/2006/main" xmlns:r="http://schemas.openxmlformats.org/officeDocument/2006/relationships" xmlns:p="http://schemas.openxmlformats.org/presentationml/2006/main">
+  <p:cSld>
+    <p:spTree>
+      <p:nvGrpSpPr>
+        <p:cNvPr id="1" name=""/>
+        <p:cNvGrpSpPr/>
+        <p:nvPr/>
+      </p:nvGrpSpPr>
+      <p:grpSpPr>
+        <a:xfrm>
+          <a:off x="0" y="0"/>
+          <a:ext cx="0" cy="0"/>
+          <a:chOff x="0" y="0"/>
+          <a:chExt cx="0" cy="0"/>
+        </a:xfrm>
+      </p:grpSpPr>
+      <p:sp>
+        <p:nvSpPr>
+          <p:cNvPr id="2" name="Content Placeholder 1">
+            <a:extLst>
+              <a:ext uri="{FF2B5EF4-FFF2-40B4-BE49-F238E27FC236}">
+                <a16:creationId xmlns:a16="http://schemas.microsoft.com/office/drawing/2014/main" id="{93DC26E7-1EEB-401E-BC09-3A9BF28D5133}"/>
+              </a:ext>
+            </a:extLst>
+          </p:cNvPr>
+          <p:cNvSpPr>
+            <a:spLocks noGrp="1"/>
+          </p:cNvSpPr>
+          <p:nvPr>
+            <p:ph idx="1"/>
+          </p:nvPr>
+        </p:nvSpPr>
+        <p:spPr>
+          <a:xfrm>
+            <a:off x="318009" y="1435550"/>
+            <a:ext cx="8508999" cy="3095625"/>
+          </a:xfrm>
+        </p:spPr>
+        <p:txBody>
+          <a:bodyPr/>
+          <a:lstStyle/>
+          <a:p>
+            <a:pPr marL="285750" indent="-285750">
+              <a:buFont typeface="Arial" panose="020B0604020202020204" pitchFamily="34" charset="0"/>
+              <a:buChar char="•"/>
+            </a:pPr>
+            <a:r>
+              <a:rPr lang="de-DE" dirty="0"/>
+              <a:t>&lt;</a:t>
+            </a:r>
+            <a:r>
+              <a:rPr lang="de-DE" dirty="0" err="1"/>
+              <a:t>book</a:t>
+            </a:r>
+            <a:r>
+              <a:rPr lang="de-DE" dirty="0"/>
+              <a:t>&gt;</a:t>
+            </a:r>
+          </a:p>
+          <a:p>
+            <a:pPr marL="461963" lvl="1" indent="-285750">
+              <a:buFont typeface="Arial" panose="020B0604020202020204" pitchFamily="34" charset="0"/>
+              <a:buChar char="•"/>
+            </a:pPr>
+            <a:r>
+              <a:rPr lang="de-DE" dirty="0"/>
+              <a:t>&lt;</a:t>
+            </a:r>
+            <a:r>
+              <a:rPr lang="de-DE" dirty="0" err="1"/>
+              <a:t>bookinfo</a:t>
+            </a:r>
+            <a:r>
+              <a:rPr lang="de-DE" dirty="0"/>
+              <a:t>&gt;</a:t>
+            </a:r>
+          </a:p>
+          <a:p>
+            <a:pPr marL="646113" lvl="2" indent="-285750">
+              <a:buFont typeface="Arial" panose="020B0604020202020204" pitchFamily="34" charset="0"/>
+              <a:buChar char="•"/>
+            </a:pPr>
+            <a:r>
+              <a:rPr lang="de-DE" dirty="0"/>
+              <a:t>&lt;title&gt;</a:t>
+            </a:r>
+          </a:p>
+          <a:p>
+            <a:pPr marL="646113" lvl="2" indent="-285750">
+              <a:buFont typeface="Arial" panose="020B0604020202020204" pitchFamily="34" charset="0"/>
+              <a:buChar char="•"/>
+            </a:pPr>
+            <a:r>
+              <a:rPr lang="de-DE" dirty="0"/>
+              <a:t>&lt;</a:t>
+            </a:r>
+            <a:r>
+              <a:rPr lang="de-DE" dirty="0" err="1"/>
+              <a:t>author</a:t>
+            </a:r>
+            <a:r>
+              <a:rPr lang="de-DE" dirty="0"/>
+              <a:t>&gt;</a:t>
+            </a:r>
+          </a:p>
+          <a:p>
+            <a:pPr marL="461963" lvl="1" indent="-285750">
+              <a:buFont typeface="Arial" panose="020B0604020202020204" pitchFamily="34" charset="0"/>
+              <a:buChar char="•"/>
+            </a:pPr>
+            <a:r>
+              <a:rPr lang="de-DE" dirty="0"/>
+              <a:t>&lt;</a:t>
+            </a:r>
+            <a:r>
+              <a:rPr lang="de-DE" dirty="0" err="1"/>
+              <a:t>chapter</a:t>
+            </a:r>
+            <a:r>
+              <a:rPr lang="de-DE" dirty="0"/>
+              <a:t>&gt;</a:t>
+            </a:r>
+          </a:p>
+          <a:p>
+            <a:pPr marL="646113" lvl="2" indent="-285750">
+              <a:buFont typeface="Arial" panose="020B0604020202020204" pitchFamily="34" charset="0"/>
+              <a:buChar char="•"/>
+            </a:pPr>
+            <a:r>
+              <a:rPr lang="de-DE" dirty="0"/>
+              <a:t>&lt;title&gt;</a:t>
+            </a:r>
+          </a:p>
+          <a:p>
+            <a:pPr marL="646113" lvl="2" indent="-285750">
+              <a:buFont typeface="Arial" panose="020B0604020202020204" pitchFamily="34" charset="0"/>
+              <a:buChar char="•"/>
+            </a:pPr>
+            <a:r>
+              <a:rPr lang="de-DE" dirty="0"/>
+              <a:t>&lt;sect1&gt;, &lt;sect2&gt; … &lt;sect5&gt; (inklusive &lt;title&gt;)</a:t>
+            </a:r>
+          </a:p>
+          <a:p>
+            <a:pPr marL="646113" lvl="2" indent="-285750">
+              <a:buFont typeface="Arial" panose="020B0604020202020204" pitchFamily="34" charset="0"/>
+              <a:buChar char="•"/>
+            </a:pPr>
+            <a:r>
+              <a:rPr lang="de-DE" dirty="0"/>
+              <a:t>&lt;</a:t>
+            </a:r>
+            <a:r>
+              <a:rPr lang="de-DE" dirty="0" err="1"/>
+              <a:t>para</a:t>
+            </a:r>
+            <a:r>
+              <a:rPr lang="de-DE" dirty="0"/>
+              <a:t>&gt;</a:t>
+            </a:r>
+          </a:p>
+          <a:p>
+            <a:pPr lvl="2" indent="0">
+              <a:buNone/>
+            </a:pPr>
+            <a:endParaRPr lang="de-DE" dirty="0"/>
+          </a:p>
+          <a:p>
+            <a:pPr lvl="2" indent="0">
+              <a:buNone/>
+            </a:pPr>
+            <a:r>
+              <a:rPr lang="de-DE" sz="1800" dirty="0">
+                <a:sym typeface="Wingdings" pitchFamily="2" charset="2"/>
+              </a:rPr>
+              <a:t> Durch die Tag Struktur wird ein Table </a:t>
+            </a:r>
+            <a:r>
+              <a:rPr lang="de-DE" sz="1800" dirty="0" err="1">
+                <a:sym typeface="Wingdings" pitchFamily="2" charset="2"/>
+              </a:rPr>
+              <a:t>of</a:t>
+            </a:r>
+            <a:r>
+              <a:rPr lang="de-DE" sz="1800" dirty="0">
+                <a:sym typeface="Wingdings" pitchFamily="2" charset="2"/>
+              </a:rPr>
+              <a:t> Contents automatisch erstellt</a:t>
+            </a:r>
+            <a:endParaRPr lang="de-DE" sz="1800" dirty="0"/>
+          </a:p>
+        </p:txBody>
+      </p:sp>
+      <p:sp>
+        <p:nvSpPr>
+          <p:cNvPr id="3" name="Title 2">
+            <a:extLst>
+              <a:ext uri="{FF2B5EF4-FFF2-40B4-BE49-F238E27FC236}">
+                <a16:creationId xmlns:a16="http://schemas.microsoft.com/office/drawing/2014/main" id="{D8C46E17-8363-4833-9041-A5A219E80B58}"/>
+              </a:ext>
+            </a:extLst>
+          </p:cNvPr>
+          <p:cNvSpPr>
+            <a:spLocks noGrp="1"/>
+          </p:cNvSpPr>
+          <p:nvPr>
+            <p:ph type="title"/>
+          </p:nvPr>
+        </p:nvSpPr>
+        <p:spPr>
+          <a:xfrm>
+            <a:off x="311162" y="730931"/>
+            <a:ext cx="8508999" cy="380810"/>
+          </a:xfrm>
+        </p:spPr>
+        <p:txBody>
+          <a:bodyPr/>
+          <a:lstStyle/>
+          <a:p>
+            <a:r>
+              <a:rPr lang="en-GB" dirty="0" err="1"/>
+              <a:t>DocBook</a:t>
+            </a:r>
+            <a:r>
+              <a:rPr lang="en-GB" dirty="0"/>
+              <a:t> Tags</a:t>
+            </a:r>
+            <a:endParaRPr lang="en-DE" dirty="0"/>
+          </a:p>
+        </p:txBody>
+      </p:sp>
+      <p:sp>
+        <p:nvSpPr>
+          <p:cNvPr id="4" name="Slide Number Placeholder 3">
+            <a:extLst>
+              <a:ext uri="{FF2B5EF4-FFF2-40B4-BE49-F238E27FC236}">
+                <a16:creationId xmlns:a16="http://schemas.microsoft.com/office/drawing/2014/main" id="{6EC5727B-503E-46EB-AF38-7A345EDDB075}"/>
+              </a:ext>
+            </a:extLst>
+          </p:cNvPr>
+          <p:cNvSpPr>
+            <a:spLocks noGrp="1"/>
+          </p:cNvSpPr>
+          <p:nvPr>
+            <p:ph type="sldNum" sz="quarter" idx="11"/>
+          </p:nvPr>
+        </p:nvSpPr>
+        <p:spPr/>
+        <p:txBody>
+          <a:bodyPr/>
+          <a:lstStyle/>
+          <a:p>
+            <a:fld id="{CE58CB1E-F828-4F11-99E0-327109AF9DA4}" type="slidenum">
+              <a:rPr lang="de-DE" smtClean="0"/>
+              <a:pPr/>
+              <a:t>4</a:t>
+            </a:fld>
+            <a:endParaRPr lang="de-DE"/>
+          </a:p>
+        </p:txBody>
+      </p:sp>
+      <p:sp>
+        <p:nvSpPr>
+          <p:cNvPr id="6" name="Fußzeilenplatzhalter 4">
+            <a:extLst>
+              <a:ext uri="{FF2B5EF4-FFF2-40B4-BE49-F238E27FC236}">
+                <a16:creationId xmlns:a16="http://schemas.microsoft.com/office/drawing/2014/main" id="{A204A55A-28BF-754D-8027-ED3BBFF5223B}"/>
+              </a:ext>
+            </a:extLst>
+          </p:cNvPr>
+          <p:cNvSpPr>
+            <a:spLocks noGrp="1"/>
+          </p:cNvSpPr>
+          <p:nvPr>
+            <p:ph type="ftr" sz="quarter" idx="12"/>
+          </p:nvPr>
+        </p:nvSpPr>
+        <p:spPr>
+          <a:xfrm>
+            <a:off x="311162" y="4854985"/>
+            <a:ext cx="6464280" cy="273844"/>
+          </a:xfrm>
+        </p:spPr>
+        <p:txBody>
+          <a:bodyPr/>
+          <a:lstStyle/>
+          <a:p>
+            <a:r>
+              <a:rPr lang="en-US" dirty="0" err="1"/>
+              <a:t>Xlink</a:t>
+            </a:r>
+            <a:r>
+              <a:rPr lang="en-US" dirty="0"/>
+              <a:t> | </a:t>
+            </a:r>
+            <a:r>
+              <a:rPr lang="en-US" dirty="0" err="1"/>
+              <a:t>DocBook</a:t>
+            </a:r>
+            <a:r>
+              <a:rPr lang="en-US" dirty="0"/>
+              <a:t> </a:t>
+            </a:r>
+            <a:r>
+              <a:rPr lang="en-US" dirty="0" err="1"/>
+              <a:t>Dokumentation</a:t>
+            </a:r>
+            <a:endParaRPr lang="en-US" dirty="0"/>
+          </a:p>
+        </p:txBody>
+      </p:sp>
+    </p:spTree>
+    <p:extLst>
+      <p:ext uri="{BB962C8B-B14F-4D97-AF65-F5344CB8AC3E}">
+        <p14:creationId xmlns:p14="http://schemas.microsoft.com/office/powerpoint/2010/main" val="3696081603"/>
+      </p:ext>
+    </p:extLst>
+  </p:cSld>
+  <p:clrMapOvr>
+    <a:masterClrMapping/>
+  </p:clrMapOvr>
+</p:sld>
+</file>
+
+<file path=ppt/slides/slide5.xml><?xml version="1.0" encoding="utf-8"?>
+<p:sld xmlns:a="http://schemas.openxmlformats.org/drawingml/2006/main" xmlns:r="http://schemas.openxmlformats.org/officeDocument/2006/relationships" xmlns:p="http://schemas.openxmlformats.org/presentationml/2006/main">
+  <p:cSld>
+    <p:spTree>
+      <p:nvGrpSpPr>
+        <p:cNvPr id="1" name=""/>
+        <p:cNvGrpSpPr/>
+        <p:nvPr/>
+      </p:nvGrpSpPr>
+      <p:grpSpPr>
+        <a:xfrm>
+          <a:off x="0" y="0"/>
+          <a:ext cx="0" cy="0"/>
+          <a:chOff x="0" y="0"/>
+          <a:chExt cx="0" cy="0"/>
+        </a:xfrm>
+      </p:grpSpPr>
+      <p:sp>
+        <p:nvSpPr>
+          <p:cNvPr id="2" name="Inhaltsplatzhalter 1">
+            <a:extLst>
+              <a:ext uri="{FF2B5EF4-FFF2-40B4-BE49-F238E27FC236}">
+                <a16:creationId xmlns:a16="http://schemas.microsoft.com/office/drawing/2014/main" id="{03F969C4-5754-4A06-8290-46434B7FEA7B}"/>
+              </a:ext>
+            </a:extLst>
+          </p:cNvPr>
+          <p:cNvSpPr>
+            <a:spLocks noGrp="1"/>
+          </p:cNvSpPr>
+          <p:nvPr>
+            <p:ph idx="1"/>
+          </p:nvPr>
+        </p:nvSpPr>
+        <p:spPr>
+          <a:xfrm>
+            <a:off x="319090" y="1123612"/>
+            <a:ext cx="8508999" cy="3441131"/>
+          </a:xfrm>
+        </p:spPr>
+        <p:txBody>
+          <a:bodyPr>
+            <a:normAutofit/>
+          </a:bodyPr>
+          <a:lstStyle/>
+          <a:p>
+            <a:pPr marL="461963" lvl="1" indent="-285750">
+              <a:lnSpc>
+                <a:spcPct val="250000"/>
+              </a:lnSpc>
+              <a:buFont typeface="Arial" panose="020B0604020202020204" pitchFamily="34" charset="0"/>
+              <a:buChar char="•"/>
+            </a:pPr>
+            <a:r>
+              <a:rPr lang="de-DE" dirty="0"/>
+              <a:t>Karten</a:t>
+            </a:r>
+          </a:p>
+          <a:p>
+            <a:pPr marL="461963" lvl="1" indent="-285750">
+              <a:lnSpc>
+                <a:spcPct val="250000"/>
+              </a:lnSpc>
+              <a:buFont typeface="Arial" panose="020B0604020202020204" pitchFamily="34" charset="0"/>
+              <a:buChar char="•"/>
+            </a:pPr>
+            <a:r>
+              <a:rPr lang="de-DE" dirty="0"/>
+              <a:t>Tisch</a:t>
+            </a:r>
+          </a:p>
+          <a:p>
+            <a:pPr marL="461963" lvl="1" indent="-285750">
+              <a:lnSpc>
+                <a:spcPct val="250000"/>
+              </a:lnSpc>
+              <a:buFont typeface="Arial" panose="020B0604020202020204" pitchFamily="34" charset="0"/>
+              <a:buChar char="•"/>
+            </a:pPr>
+            <a:r>
+              <a:rPr lang="de-DE" dirty="0"/>
+              <a:t>Chips</a:t>
+            </a:r>
+          </a:p>
+          <a:p>
+            <a:pPr marL="461963" lvl="1" indent="-285750">
+              <a:lnSpc>
+                <a:spcPct val="250000"/>
+              </a:lnSpc>
+              <a:buFont typeface="Arial" panose="020B0604020202020204" pitchFamily="34" charset="0"/>
+              <a:buChar char="•"/>
+            </a:pPr>
+            <a:r>
+              <a:rPr lang="de-DE" dirty="0"/>
+              <a:t>XSLT Prozessor</a:t>
+            </a:r>
+          </a:p>
+          <a:p>
+            <a:endParaRPr lang="de-DE" dirty="0"/>
           </a:p>
         </p:txBody>
       </p:sp>
@@ -8988,6 +10256,10 @@
           </p:nvPr>
         </p:nvSpPr>
         <p:spPr>
+          <a:xfrm>
+            <a:off x="319089" y="516697"/>
+            <a:ext cx="7446053" cy="307777"/>
+          </a:xfrm>
           <a:prstGeom prst="rect">
             <a:avLst/>
           </a:prstGeom>
@@ -8996,20 +10268,433 @@
           <a:bodyPr/>
           <a:lstStyle/>
           <a:p>
-            <a:pPr algn="ctr"/>
+            <a:r>
+              <a:rPr lang="de-DE" b="1" dirty="0"/>
+              <a:t>Dokumentation ‚design </a:t>
+            </a:r>
+            <a:r>
+              <a:rPr lang="de-DE" b="1" dirty="0" err="1"/>
+              <a:t>choices</a:t>
+            </a:r>
+            <a:r>
+              <a:rPr lang="de-DE" b="1" dirty="0"/>
+              <a:t>‘</a:t>
+            </a:r>
+            <a:endParaRPr lang="de-DE" dirty="0"/>
+          </a:p>
+        </p:txBody>
+      </p:sp>
+      <p:sp>
+        <p:nvSpPr>
+          <p:cNvPr id="4" name="Foliennummernplatzhalter 3"/>
+          <p:cNvSpPr>
+            <a:spLocks noGrp="1"/>
+          </p:cNvSpPr>
+          <p:nvPr>
+            <p:ph type="sldNum" sz="quarter" idx="11"/>
+          </p:nvPr>
+        </p:nvSpPr>
+        <p:spPr>
+          <a:xfrm>
+            <a:off x="6774934" y="4854985"/>
+            <a:ext cx="2052074" cy="273844"/>
+          </a:xfrm>
+        </p:spPr>
+        <p:txBody>
+          <a:bodyPr/>
+          <a:lstStyle/>
+          <a:p>
+            <a:fld id="{CE58CB1E-F828-4F11-99E0-327109AF9DA4}" type="slidenum">
+              <a:rPr lang="de-DE" smtClean="0"/>
+              <a:pPr/>
+              <a:t>5</a:t>
+            </a:fld>
+            <a:endParaRPr lang="de-DE" dirty="0"/>
+          </a:p>
+        </p:txBody>
+      </p:sp>
+      <p:sp>
+        <p:nvSpPr>
+          <p:cNvPr id="6" name="Fußzeilenplatzhalter 4"/>
+          <p:cNvSpPr>
+            <a:spLocks noGrp="1"/>
+          </p:cNvSpPr>
+          <p:nvPr>
+            <p:ph type="ftr" sz="quarter" idx="12"/>
+          </p:nvPr>
+        </p:nvSpPr>
+        <p:spPr>
+          <a:xfrm>
+            <a:off x="311162" y="4854985"/>
+            <a:ext cx="6464280" cy="273844"/>
+          </a:xfrm>
+        </p:spPr>
+        <p:txBody>
+          <a:bodyPr/>
+          <a:lstStyle/>
+          <a:p>
+            <a:r>
+              <a:rPr lang="en-US" dirty="0" err="1"/>
+              <a:t>Xlink</a:t>
+            </a:r>
+            <a:r>
+              <a:rPr lang="en-US" dirty="0"/>
+              <a:t> | </a:t>
+            </a:r>
+            <a:r>
+              <a:rPr lang="en-US" dirty="0" err="1"/>
+              <a:t>DocBook</a:t>
+            </a:r>
+            <a:r>
+              <a:rPr lang="en-US" dirty="0"/>
+              <a:t> </a:t>
+            </a:r>
+            <a:r>
+              <a:rPr lang="en-US" dirty="0" err="1"/>
+              <a:t>Dokumentation</a:t>
+            </a:r>
+            <a:endParaRPr lang="en-US" dirty="0"/>
+          </a:p>
+        </p:txBody>
+      </p:sp>
+    </p:spTree>
+    <p:extLst>
+      <p:ext uri="{BB962C8B-B14F-4D97-AF65-F5344CB8AC3E}">
+        <p14:creationId xmlns:p14="http://schemas.microsoft.com/office/powerpoint/2010/main" val="3111610646"/>
+      </p:ext>
+    </p:extLst>
+  </p:cSld>
+  <p:clrMapOvr>
+    <a:masterClrMapping/>
+  </p:clrMapOvr>
+</p:sld>
+</file>
+
+<file path=ppt/slides/slide6.xml><?xml version="1.0" encoding="utf-8"?>
+<p:sld xmlns:a="http://schemas.openxmlformats.org/drawingml/2006/main" xmlns:r="http://schemas.openxmlformats.org/officeDocument/2006/relationships" xmlns:p="http://schemas.openxmlformats.org/presentationml/2006/main">
+  <p:cSld>
+    <p:spTree>
+      <p:nvGrpSpPr>
+        <p:cNvPr id="1" name=""/>
+        <p:cNvGrpSpPr/>
+        <p:nvPr/>
+      </p:nvGrpSpPr>
+      <p:grpSpPr>
+        <a:xfrm>
+          <a:off x="0" y="0"/>
+          <a:ext cx="0" cy="0"/>
+          <a:chOff x="0" y="0"/>
+          <a:chExt cx="0" cy="0"/>
+        </a:xfrm>
+      </p:grpSpPr>
+      <p:sp>
+        <p:nvSpPr>
+          <p:cNvPr id="2" name="Inhaltsplatzhalter 1">
+            <a:extLst>
+              <a:ext uri="{FF2B5EF4-FFF2-40B4-BE49-F238E27FC236}">
+                <a16:creationId xmlns:a16="http://schemas.microsoft.com/office/drawing/2014/main" id="{03F969C4-5754-4A06-8290-46434B7FEA7B}"/>
+              </a:ext>
+            </a:extLst>
+          </p:cNvPr>
+          <p:cNvSpPr>
+            <a:spLocks noGrp="1"/>
+          </p:cNvSpPr>
+          <p:nvPr>
+            <p:ph idx="1"/>
+          </p:nvPr>
+        </p:nvSpPr>
+        <p:spPr>
+          <a:xfrm>
+            <a:off x="319090" y="1123612"/>
+            <a:ext cx="8508999" cy="3441131"/>
+          </a:xfrm>
+        </p:spPr>
+        <p:txBody>
+          <a:bodyPr>
+            <a:normAutofit/>
+          </a:bodyPr>
+          <a:lstStyle/>
+          <a:p>
+            <a:pPr marL="461963" lvl="1" indent="-285750">
+              <a:lnSpc>
+                <a:spcPct val="250000"/>
+              </a:lnSpc>
+              <a:buFont typeface="Arial" panose="020B0604020202020204" pitchFamily="34" charset="0"/>
+              <a:buChar char="•"/>
+            </a:pPr>
+            <a:r>
+              <a:rPr lang="de-DE" dirty="0"/>
+              <a:t>XML</a:t>
+            </a:r>
+          </a:p>
+          <a:p>
+            <a:pPr marL="461963" lvl="1" indent="-285750">
+              <a:lnSpc>
+                <a:spcPct val="250000"/>
+              </a:lnSpc>
+              <a:buFont typeface="Arial" panose="020B0604020202020204" pitchFamily="34" charset="0"/>
+              <a:buChar char="•"/>
+            </a:pPr>
+            <a:r>
+              <a:rPr lang="de-DE" dirty="0"/>
+              <a:t>SVG</a:t>
+            </a:r>
+          </a:p>
+          <a:p>
+            <a:pPr marL="461963" lvl="1" indent="-285750">
+              <a:lnSpc>
+                <a:spcPct val="250000"/>
+              </a:lnSpc>
+              <a:buFont typeface="Arial" panose="020B0604020202020204" pitchFamily="34" charset="0"/>
+              <a:buChar char="•"/>
+            </a:pPr>
+            <a:r>
+              <a:rPr lang="de-DE" dirty="0" err="1"/>
+              <a:t>DocBook</a:t>
+            </a:r>
+            <a:endParaRPr lang="de-DE" dirty="0"/>
+          </a:p>
+          <a:p>
+            <a:pPr marL="461963" lvl="1" indent="-285750">
+              <a:lnSpc>
+                <a:spcPct val="250000"/>
+              </a:lnSpc>
+              <a:buFont typeface="Arial" panose="020B0604020202020204" pitchFamily="34" charset="0"/>
+              <a:buChar char="•"/>
+            </a:pPr>
             <a:r>
               <a:rPr lang="de-DE" dirty="0"/>
               <a:t>XSLT</a:t>
             </a:r>
           </a:p>
+          <a:p>
+            <a:endParaRPr lang="de-DE" dirty="0"/>
+          </a:p>
+        </p:txBody>
+      </p:sp>
+      <p:sp>
+        <p:nvSpPr>
+          <p:cNvPr id="3" name="Titel 2"/>
+          <p:cNvSpPr>
+            <a:spLocks noGrp="1"/>
+          </p:cNvSpPr>
+          <p:nvPr>
+            <p:ph type="title"/>
+          </p:nvPr>
+        </p:nvSpPr>
+        <p:spPr>
+          <a:xfrm>
+            <a:off x="319089" y="516697"/>
+            <a:ext cx="7446053" cy="455253"/>
+          </a:xfrm>
+          <a:prstGeom prst="rect">
+            <a:avLst/>
+          </a:prstGeom>
+        </p:spPr>
+        <p:txBody>
+          <a:bodyPr/>
+          <a:lstStyle/>
+          <a:p>
+            <a:pPr>
+              <a:lnSpc>
+                <a:spcPct val="150000"/>
+              </a:lnSpc>
+            </a:pPr>
+            <a:r>
+              <a:rPr lang="de-DE" b="1" dirty="0"/>
+              <a:t>Dokumentation ‚</a:t>
+            </a:r>
+            <a:r>
+              <a:rPr lang="de-DE" b="1" dirty="0" err="1"/>
+              <a:t>used</a:t>
+            </a:r>
+            <a:r>
+              <a:rPr lang="de-DE" b="1" dirty="0"/>
+              <a:t> </a:t>
+            </a:r>
+            <a:r>
+              <a:rPr lang="de-DE" b="1" dirty="0" err="1"/>
+              <a:t>technologies</a:t>
+            </a:r>
+            <a:r>
+              <a:rPr lang="de-DE" b="1" dirty="0"/>
+              <a:t>‘</a:t>
+            </a:r>
+          </a:p>
+        </p:txBody>
+      </p:sp>
+      <p:sp>
+        <p:nvSpPr>
+          <p:cNvPr id="4" name="Foliennummernplatzhalter 3"/>
+          <p:cNvSpPr>
+            <a:spLocks noGrp="1"/>
+          </p:cNvSpPr>
+          <p:nvPr>
+            <p:ph type="sldNum" sz="quarter" idx="11"/>
+          </p:nvPr>
+        </p:nvSpPr>
+        <p:spPr>
+          <a:xfrm>
+            <a:off x="6774934" y="4854985"/>
+            <a:ext cx="2052074" cy="273844"/>
+          </a:xfrm>
+        </p:spPr>
+        <p:txBody>
+          <a:bodyPr/>
+          <a:lstStyle/>
+          <a:p>
+            <a:fld id="{CE58CB1E-F828-4F11-99E0-327109AF9DA4}" type="slidenum">
+              <a:rPr lang="de-DE" smtClean="0"/>
+              <a:pPr/>
+              <a:t>6</a:t>
+            </a:fld>
+            <a:endParaRPr lang="de-DE" dirty="0"/>
+          </a:p>
+        </p:txBody>
+      </p:sp>
+      <p:sp>
+        <p:nvSpPr>
+          <p:cNvPr id="6" name="Fußzeilenplatzhalter 4"/>
+          <p:cNvSpPr>
+            <a:spLocks noGrp="1"/>
+          </p:cNvSpPr>
+          <p:nvPr>
+            <p:ph type="ftr" sz="quarter" idx="12"/>
+          </p:nvPr>
+        </p:nvSpPr>
+        <p:spPr>
+          <a:xfrm>
+            <a:off x="311162" y="4854985"/>
+            <a:ext cx="6464280" cy="273844"/>
+          </a:xfrm>
+        </p:spPr>
+        <p:txBody>
+          <a:bodyPr/>
+          <a:lstStyle/>
+          <a:p>
+            <a:r>
+              <a:rPr lang="en-US" dirty="0" err="1"/>
+              <a:t>Xlink</a:t>
+            </a:r>
+            <a:r>
+              <a:rPr lang="en-US" dirty="0"/>
+              <a:t> | </a:t>
+            </a:r>
+            <a:r>
+              <a:rPr lang="en-US" dirty="0" err="1"/>
+              <a:t>DocBook</a:t>
+            </a:r>
+            <a:r>
+              <a:rPr lang="en-US" dirty="0"/>
+              <a:t> </a:t>
+            </a:r>
+            <a:r>
+              <a:rPr lang="en-US" dirty="0" err="1"/>
+              <a:t>Dokumentation</a:t>
+            </a:r>
+            <a:endParaRPr lang="en-US" dirty="0"/>
+          </a:p>
+        </p:txBody>
+      </p:sp>
+    </p:spTree>
+    <p:extLst>
+      <p:ext uri="{BB962C8B-B14F-4D97-AF65-F5344CB8AC3E}">
+        <p14:creationId xmlns:p14="http://schemas.microsoft.com/office/powerpoint/2010/main" val="3317155020"/>
+      </p:ext>
+    </p:extLst>
+  </p:cSld>
+  <p:clrMapOvr>
+    <a:masterClrMapping/>
+  </p:clrMapOvr>
+</p:sld>
+</file>
+
+<file path=ppt/slides/slide7.xml><?xml version="1.0" encoding="utf-8"?>
+<p:sld xmlns:a="http://schemas.openxmlformats.org/drawingml/2006/main" xmlns:r="http://schemas.openxmlformats.org/officeDocument/2006/relationships" xmlns:p="http://schemas.openxmlformats.org/presentationml/2006/main">
+  <p:cSld>
+    <p:spTree>
+      <p:nvGrpSpPr>
+        <p:cNvPr id="1" name=""/>
+        <p:cNvGrpSpPr/>
+        <p:nvPr/>
+      </p:nvGrpSpPr>
+      <p:grpSpPr>
+        <a:xfrm>
+          <a:off x="0" y="0"/>
+          <a:ext cx="0" cy="0"/>
+          <a:chOff x="0" y="0"/>
+          <a:chExt cx="0" cy="0"/>
+        </a:xfrm>
+      </p:grpSpPr>
+      <p:sp>
+        <p:nvSpPr>
+          <p:cNvPr id="4" name="Foliennummernplatzhalter 3"/>
+          <p:cNvSpPr>
+            <a:spLocks noGrp="1"/>
+          </p:cNvSpPr>
+          <p:nvPr>
+            <p:ph type="sldNum" sz="quarter" idx="11"/>
+          </p:nvPr>
+        </p:nvSpPr>
+        <p:spPr/>
+        <p:txBody>
+          <a:bodyPr/>
+          <a:lstStyle/>
+          <a:p>
+            <a:fld id="{CE58CB1E-F828-4F11-99E0-327109AF9DA4}" type="slidenum">
+              <a:rPr lang="de-DE" smtClean="0"/>
+              <a:pPr/>
+              <a:t>7</a:t>
+            </a:fld>
+            <a:endParaRPr lang="de-DE" dirty="0"/>
+          </a:p>
+        </p:txBody>
+      </p:sp>
+      <p:sp>
+        <p:nvSpPr>
+          <p:cNvPr id="6" name="Fußzeilenplatzhalter 4"/>
+          <p:cNvSpPr>
+            <a:spLocks noGrp="1"/>
+          </p:cNvSpPr>
+          <p:nvPr>
+            <p:ph type="ftr" sz="quarter" idx="12"/>
+          </p:nvPr>
+        </p:nvSpPr>
+        <p:spPr/>
+        <p:txBody>
+          <a:bodyPr/>
+          <a:lstStyle/>
+          <a:p>
+            <a:r>
+              <a:rPr lang="en-US" dirty="0" err="1"/>
+              <a:t>Xlink</a:t>
+            </a:r>
+            <a:r>
+              <a:rPr lang="en-US" dirty="0"/>
+              <a:t> | </a:t>
+            </a:r>
+            <a:r>
+              <a:rPr lang="en-US" dirty="0" err="1"/>
+              <a:t>DocBook</a:t>
+            </a:r>
+            <a:r>
+              <a:rPr lang="en-US" dirty="0"/>
+              <a:t> </a:t>
+            </a:r>
+            <a:r>
+              <a:rPr lang="en-US" dirty="0" err="1"/>
+              <a:t>Dokumentation</a:t>
+            </a:r>
+            <a:endParaRPr lang="en-US" dirty="0"/>
+          </a:p>
         </p:txBody>
       </p:sp>
       <p:pic>
         <p:nvPicPr>
-          <p:cNvPr id="18" name="Grafik 17" descr="Ein Bild, das Bildschirm, Computer enthält.&#10;&#10;Automatisch generierte Beschreibung">
+          <p:cNvPr id="5" name="Grafik 4" descr="Ein Bild, das Screenshot enthält.&#10;&#10;Automatisch generierte Beschreibung">
             <a:extLst>
               <a:ext uri="{FF2B5EF4-FFF2-40B4-BE49-F238E27FC236}">
-                <a16:creationId xmlns:a16="http://schemas.microsoft.com/office/drawing/2014/main" id="{21F62656-57E6-6D4A-B8F6-2B130F85A673}"/>
+                <a16:creationId xmlns:a16="http://schemas.microsoft.com/office/drawing/2014/main" id="{1631115C-725F-F846-9B77-0B11A7C72DCB}"/>
               </a:ext>
             </a:extLst>
           </p:cNvPr>
@@ -9026,8 +10711,8 @@
         </p:blipFill>
         <p:spPr>
           <a:xfrm>
-            <a:off x="365760" y="1795101"/>
-            <a:ext cx="8412480" cy="1553297"/>
+            <a:off x="925252" y="294582"/>
+            <a:ext cx="7215448" cy="4545732"/>
           </a:xfrm>
           <a:prstGeom prst="rect">
             <a:avLst/>
@@ -9037,7 +10722,7 @@
     </p:spTree>
     <p:extLst>
       <p:ext uri="{BB962C8B-B14F-4D97-AF65-F5344CB8AC3E}">
-        <p14:creationId xmlns:p14="http://schemas.microsoft.com/office/powerpoint/2010/main" val="928262507"/>
+        <p14:creationId xmlns:p14="http://schemas.microsoft.com/office/powerpoint/2010/main" val="560121441"/>
       </p:ext>
     </p:extLst>
   </p:cSld>
@@ -9047,7 +10732,7 @@
 </p:sld>
 </file>
 
-<file path=ppt/slides/slide12.xml><?xml version="1.0" encoding="utf-8"?>
+<file path=ppt/slides/slide8.xml><?xml version="1.0" encoding="utf-8"?>
 <p:sld xmlns:a="http://schemas.openxmlformats.org/drawingml/2006/main" xmlns:r="http://schemas.openxmlformats.org/officeDocument/2006/relationships" xmlns:p="http://schemas.openxmlformats.org/presentationml/2006/main">
   <p:cSld>
     <p:spTree>
@@ -9082,7 +10767,7 @@
             <a:fld id="{CE58CB1E-F828-4F11-99E0-327109AF9DA4}" type="slidenum">
               <a:rPr lang="de-DE" smtClean="0"/>
               <a:pPr/>
-              <a:t>12</a:t>
+              <a:t>8</a:t>
             </a:fld>
             <a:endParaRPr lang="de-DE" dirty="0"/>
           </a:p>
@@ -9622,7 +11307,7 @@
 </p:sld>
 </file>
 
-<file path=ppt/slides/slide13.xml><?xml version="1.0" encoding="utf-8"?>
+<file path=ppt/slides/slide9.xml><?xml version="1.0" encoding="utf-8"?>
 <p:sld xmlns:a="http://schemas.openxmlformats.org/drawingml/2006/main" xmlns:r="http://schemas.openxmlformats.org/officeDocument/2006/relationships" xmlns:p="http://schemas.openxmlformats.org/presentationml/2006/main">
   <p:cSld>
     <p:spTree>
@@ -9657,7 +11342,7 @@
             <a:fld id="{CE58CB1E-F828-4F11-99E0-327109AF9DA4}" type="slidenum">
               <a:rPr lang="de-DE" smtClean="0"/>
               <a:pPr/>
-              <a:t>13</a:t>
+              <a:t>9</a:t>
             </a:fld>
             <a:endParaRPr lang="de-DE" dirty="0"/>
           </a:p>
@@ -9732,15 +11417,7 @@
             </a:r>
             <a:r>
               <a:rPr lang="de-DE" dirty="0"/>
-              <a:t> </a:t>
-            </a:r>
-            <a:r>
-              <a:rPr lang="de-DE" dirty="0" err="1"/>
-              <a:t>and</a:t>
-            </a:r>
-            <a:r>
-              <a:rPr lang="de-DE" dirty="0"/>
-              <a:t> </a:t>
+              <a:t> und </a:t>
             </a:r>
             <a:r>
               <a:rPr lang="de-DE" dirty="0" err="1"/>
@@ -9765,7 +11442,7 @@
           <p:nvPr>
             <p:extLst>
               <p:ext uri="{D42A27DB-BD31-4B8C-83A1-F6EECF244321}">
-                <p14:modId xmlns:p14="http://schemas.microsoft.com/office/powerpoint/2010/main" val="2473033461"/>
+                <p14:modId xmlns:p14="http://schemas.microsoft.com/office/powerpoint/2010/main" val="800060986"/>
               </p:ext>
             </p:extLst>
           </p:nvPr>
@@ -9943,7 +11620,7 @@
                       <a:pPr algn="ctr"/>
                       <a:r>
                         <a:rPr lang="de-DE" dirty="0" err="1"/>
-                        <a:t>evaluateRound</a:t>
+                        <a:t>roundCompleted</a:t>
                       </a:r>
                       <a:endParaRPr lang="de-DE" dirty="0"/>
                     </a:p>
@@ -9994,7 +11671,7 @@
                       <a:pPr algn="ctr"/>
                       <a:r>
                         <a:rPr lang="de-DE" dirty="0" err="1"/>
-                        <a:t>roundCompleted</a:t>
+                        <a:t>evaluateRound</a:t>
                       </a:r>
                       <a:endParaRPr lang="de-DE" dirty="0"/>
                     </a:p>
@@ -10225,7 +11902,7 @@
                     <a:lstStyle/>
                     <a:p>
                       <a:pPr algn="ctr"/>
-                      <a:endParaRPr lang="de-DE"/>
+                      <a:endParaRPr lang="de-DE" dirty="0"/>
                     </a:p>
                   </a:txBody>
                   <a:tcPr/>
@@ -10304,1760 +11981,6 @@
     <p:extLst>
       <p:ext uri="{BB962C8B-B14F-4D97-AF65-F5344CB8AC3E}">
         <p14:creationId xmlns:p14="http://schemas.microsoft.com/office/powerpoint/2010/main" val="858543680"/>
-      </p:ext>
-    </p:extLst>
-  </p:cSld>
-  <p:clrMapOvr>
-    <a:masterClrMapping/>
-  </p:clrMapOvr>
-</p:sld>
-</file>
-
-<file path=ppt/slides/slide14.xml><?xml version="1.0" encoding="utf-8"?>
-<p:sld xmlns:a="http://schemas.openxmlformats.org/drawingml/2006/main" xmlns:r="http://schemas.openxmlformats.org/officeDocument/2006/relationships" xmlns:p="http://schemas.openxmlformats.org/presentationml/2006/main">
-  <p:cSld>
-    <p:spTree>
-      <p:nvGrpSpPr>
-        <p:cNvPr id="1" name=""/>
-        <p:cNvGrpSpPr/>
-        <p:nvPr/>
-      </p:nvGrpSpPr>
-      <p:grpSpPr>
-        <a:xfrm>
-          <a:off x="0" y="0"/>
-          <a:ext cx="0" cy="0"/>
-          <a:chOff x="0" y="0"/>
-          <a:chExt cx="0" cy="0"/>
-        </a:xfrm>
-      </p:grpSpPr>
-      <p:sp>
-        <p:nvSpPr>
-          <p:cNvPr id="180" name="Freeform 180"/>
-          <p:cNvSpPr/>
-          <p:nvPr/>
-        </p:nvSpPr>
-        <p:spPr>
-          <a:xfrm>
-            <a:off x="8210550" y="311150"/>
-            <a:ext cx="603250" cy="323850"/>
-          </a:xfrm>
-          <a:custGeom>
-            <a:avLst/>
-            <a:gdLst>
-              <a:gd name="connsiteX0" fmla="*/ 8308 w 603250"/>
-              <a:gd name="connsiteY0" fmla="*/ 13394 h 323850"/>
-              <a:gd name="connsiteX1" fmla="*/ 245253 w 603250"/>
-              <a:gd name="connsiteY1" fmla="*/ 13394 h 323850"/>
-              <a:gd name="connsiteX2" fmla="*/ 245254 w 603250"/>
-              <a:gd name="connsiteY2" fmla="*/ 274824 h 323850"/>
-              <a:gd name="connsiteX3" fmla="*/ 310553 w 603250"/>
-              <a:gd name="connsiteY3" fmla="*/ 274824 h 323850"/>
-              <a:gd name="connsiteX4" fmla="*/ 310553 w 603250"/>
-              <a:gd name="connsiteY4" fmla="*/ 13394 h 323850"/>
-              <a:gd name="connsiteX5" fmla="*/ 613305 w 603250"/>
-              <a:gd name="connsiteY5" fmla="*/ 13394 h 323850"/>
-              <a:gd name="connsiteX6" fmla="*/ 613305 w 603250"/>
-              <a:gd name="connsiteY6" fmla="*/ 331987 h 323850"/>
-              <a:gd name="connsiteX7" fmla="*/ 556135 w 603250"/>
-              <a:gd name="connsiteY7" fmla="*/ 331987 h 323850"/>
-              <a:gd name="connsiteX8" fmla="*/ 556135 w 603250"/>
-              <a:gd name="connsiteY8" fmla="*/ 70559 h 323850"/>
-              <a:gd name="connsiteX9" fmla="*/ 490453 w 603250"/>
-              <a:gd name="connsiteY9" fmla="*/ 70559 h 323850"/>
-              <a:gd name="connsiteX10" fmla="*/ 490454 w 603250"/>
-              <a:gd name="connsiteY10" fmla="*/ 331987 h 323850"/>
-              <a:gd name="connsiteX11" fmla="*/ 433283 w 603250"/>
-              <a:gd name="connsiteY11" fmla="*/ 331987 h 323850"/>
-              <a:gd name="connsiteX12" fmla="*/ 433283 w 603250"/>
-              <a:gd name="connsiteY12" fmla="*/ 70559 h 323850"/>
-              <a:gd name="connsiteX13" fmla="*/ 367724 w 603250"/>
-              <a:gd name="connsiteY13" fmla="*/ 70558 h 323850"/>
-              <a:gd name="connsiteX14" fmla="*/ 367724 w 603250"/>
-              <a:gd name="connsiteY14" fmla="*/ 331987 h 323850"/>
-              <a:gd name="connsiteX15" fmla="*/ 187951 w 603250"/>
-              <a:gd name="connsiteY15" fmla="*/ 331987 h 323850"/>
-              <a:gd name="connsiteX16" fmla="*/ 187951 w 603250"/>
-              <a:gd name="connsiteY16" fmla="*/ 70558 h 323850"/>
-              <a:gd name="connsiteX17" fmla="*/ 122651 w 603250"/>
-              <a:gd name="connsiteY17" fmla="*/ 70558 h 323850"/>
-              <a:gd name="connsiteX18" fmla="*/ 122651 w 603250"/>
-              <a:gd name="connsiteY18" fmla="*/ 331987 h 323850"/>
-              <a:gd name="connsiteX19" fmla="*/ 65481 w 603250"/>
-              <a:gd name="connsiteY19" fmla="*/ 331987 h 323850"/>
-              <a:gd name="connsiteX20" fmla="*/ 65480 w 603250"/>
-              <a:gd name="connsiteY20" fmla="*/ 70558 h 323850"/>
-              <a:gd name="connsiteX21" fmla="*/ 8308 w 603250"/>
-              <a:gd name="connsiteY21" fmla="*/ 70558 h 323850"/>
-              <a:gd name="connsiteX22" fmla="*/ 8308 w 603250"/>
-              <a:gd name="connsiteY22" fmla="*/ 13394 h 323850"/>
-            </a:gdLst>
-            <a:ahLst/>
-            <a:cxnLst>
-              <a:cxn ang="0">
-                <a:pos x="connsiteX0" y="connsiteY0"/>
-              </a:cxn>
-              <a:cxn ang="0">
-                <a:pos x="connsiteX1" y="connsiteY1"/>
-              </a:cxn>
-              <a:cxn ang="0">
-                <a:pos x="connsiteX2" y="connsiteY2"/>
-              </a:cxn>
-              <a:cxn ang="0">
-                <a:pos x="connsiteX3" y="connsiteY3"/>
-              </a:cxn>
-              <a:cxn ang="0">
-                <a:pos x="connsiteX4" y="connsiteY4"/>
-              </a:cxn>
-              <a:cxn ang="0">
-                <a:pos x="connsiteX5" y="connsiteY5"/>
-              </a:cxn>
-              <a:cxn ang="0">
-                <a:pos x="connsiteX6" y="connsiteY6"/>
-              </a:cxn>
-              <a:cxn ang="0">
-                <a:pos x="connsiteX7" y="connsiteY7"/>
-              </a:cxn>
-              <a:cxn ang="0">
-                <a:pos x="connsiteX8" y="connsiteY8"/>
-              </a:cxn>
-              <a:cxn ang="0">
-                <a:pos x="connsiteX9" y="connsiteY9"/>
-              </a:cxn>
-              <a:cxn ang="0">
-                <a:pos x="connsiteX10" y="connsiteY10"/>
-              </a:cxn>
-              <a:cxn ang="0">
-                <a:pos x="connsiteX11" y="connsiteY11"/>
-              </a:cxn>
-              <a:cxn ang="0">
-                <a:pos x="connsiteX12" y="connsiteY12"/>
-              </a:cxn>
-              <a:cxn ang="0">
-                <a:pos x="connsiteX13" y="connsiteY13"/>
-              </a:cxn>
-              <a:cxn ang="0">
-                <a:pos x="connsiteX14" y="connsiteY14"/>
-              </a:cxn>
-              <a:cxn ang="0">
-                <a:pos x="connsiteX15" y="connsiteY15"/>
-              </a:cxn>
-              <a:cxn ang="0">
-                <a:pos x="connsiteX16" y="connsiteY16"/>
-              </a:cxn>
-              <a:cxn ang="0">
-                <a:pos x="connsiteX17" y="connsiteY17"/>
-              </a:cxn>
-              <a:cxn ang="0">
-                <a:pos x="connsiteX18" y="connsiteY18"/>
-              </a:cxn>
-              <a:cxn ang="0">
-                <a:pos x="connsiteX19" y="connsiteY19"/>
-              </a:cxn>
-              <a:cxn ang="0">
-                <a:pos x="connsiteX20" y="connsiteY20"/>
-              </a:cxn>
-              <a:cxn ang="0">
-                <a:pos x="connsiteX21" y="connsiteY21"/>
-              </a:cxn>
-              <a:cxn ang="0">
-                <a:pos x="connsiteX22" y="connsiteY22"/>
-              </a:cxn>
-            </a:cxnLst>
-            <a:rect l="l" t="t" r="r" b="b"/>
-            <a:pathLst>
-              <a:path w="603250" h="323850">
-                <a:moveTo>
-                  <a:pt x="8308" y="13394"/>
-                </a:moveTo>
-                <a:lnTo>
-                  <a:pt x="245253" y="13394"/>
-                </a:lnTo>
-                <a:lnTo>
-                  <a:pt x="245254" y="274824"/>
-                </a:lnTo>
-                <a:lnTo>
-                  <a:pt x="310553" y="274824"/>
-                </a:lnTo>
-                <a:lnTo>
-                  <a:pt x="310553" y="13394"/>
-                </a:lnTo>
-                <a:lnTo>
-                  <a:pt x="613305" y="13394"/>
-                </a:lnTo>
-                <a:lnTo>
-                  <a:pt x="613305" y="331987"/>
-                </a:lnTo>
-                <a:lnTo>
-                  <a:pt x="556135" y="331987"/>
-                </a:lnTo>
-                <a:lnTo>
-                  <a:pt x="556135" y="70559"/>
-                </a:lnTo>
-                <a:lnTo>
-                  <a:pt x="490453" y="70559"/>
-                </a:lnTo>
-                <a:lnTo>
-                  <a:pt x="490454" y="331987"/>
-                </a:lnTo>
-                <a:lnTo>
-                  <a:pt x="433283" y="331987"/>
-                </a:lnTo>
-                <a:lnTo>
-                  <a:pt x="433283" y="70559"/>
-                </a:lnTo>
-                <a:lnTo>
-                  <a:pt x="367724" y="70558"/>
-                </a:lnTo>
-                <a:lnTo>
-                  <a:pt x="367724" y="331987"/>
-                </a:lnTo>
-                <a:lnTo>
-                  <a:pt x="187951" y="331987"/>
-                </a:lnTo>
-                <a:lnTo>
-                  <a:pt x="187951" y="70558"/>
-                </a:lnTo>
-                <a:lnTo>
-                  <a:pt x="122651" y="70558"/>
-                </a:lnTo>
-                <a:lnTo>
-                  <a:pt x="122651" y="331987"/>
-                </a:lnTo>
-                <a:lnTo>
-                  <a:pt x="65481" y="331987"/>
-                </a:lnTo>
-                <a:lnTo>
-                  <a:pt x="65480" y="70558"/>
-                </a:lnTo>
-                <a:lnTo>
-                  <a:pt x="8308" y="70558"/>
-                </a:lnTo>
-                <a:lnTo>
-                  <a:pt x="8308" y="13394"/>
-                </a:lnTo>
-                <a:close/>
-              </a:path>
-            </a:pathLst>
-          </a:custGeom>
-          <a:solidFill>
-            <a:srgbClr val="0063BB">
-              <a:alpha val="100000"/>
-            </a:srgbClr>
-          </a:solidFill>
-          <a:ln w="12700">
-            <a:solidFill>
-              <a:srgbClr val="000000">
-                <a:alpha val="0"/>
-              </a:srgbClr>
-            </a:solidFill>
-          </a:ln>
-          <a:effectLst/>
-        </p:spPr>
-        <p:style>
-          <a:lnRef idx="2">
-            <a:schemeClr val="accent1"/>
-          </a:lnRef>
-          <a:fillRef idx="0">
-            <a:schemeClr val="accent1"/>
-          </a:fillRef>
-          <a:effectRef idx="1">
-            <a:schemeClr val="accent1"/>
-          </a:effectRef>
-          <a:fontRef idx="minor">
-            <a:schemeClr val="tx1"/>
-          </a:fontRef>
-        </p:style>
-        <p:txBody>
-          <a:bodyPr rtlCol="0" anchor="ctr"/>
-          <a:lstStyle/>
-          <a:p>
-            <a:pPr algn="ctr"/>
-            <a:endParaRPr lang="en-US"/>
-          </a:p>
-        </p:txBody>
-      </p:sp>
-      <p:pic>
-        <p:nvPicPr>
-          <p:cNvPr id="182" name="Picture 182"/>
-          <p:cNvPicPr>
-            <a:picLocks noChangeAspect="1"/>
-          </p:cNvPicPr>
-          <p:nvPr/>
-        </p:nvPicPr>
-        <p:blipFill>
-          <a:blip r:embed="rId2"/>
-          <a:stretch>
-            <a:fillRect/>
-          </a:stretch>
-        </p:blipFill>
-        <p:spPr>
-          <a:xfrm>
-            <a:off x="4960620" y="1455420"/>
-            <a:ext cx="3855720" cy="3375660"/>
-          </a:xfrm>
-          <a:prstGeom prst="rect">
-            <a:avLst/>
-          </a:prstGeom>
-        </p:spPr>
-      </p:pic>
-      <p:sp>
-        <p:nvSpPr>
-          <p:cNvPr id="2" name="TextBox 182"/>
-          <p:cNvSpPr txBox="1"/>
-          <p:nvPr/>
-        </p:nvSpPr>
-        <p:spPr>
-          <a:xfrm>
-            <a:off x="319125" y="970434"/>
-            <a:ext cx="5156206" cy="1468159"/>
-          </a:xfrm>
-          <a:prstGeom prst="rect">
-            <a:avLst/>
-          </a:prstGeom>
-          <a:noFill/>
-        </p:spPr>
-        <p:txBody>
-          <a:bodyPr wrap="square" lIns="0" tIns="0" rIns="0" bIns="0" rtlCol="0">
-            <a:spAutoFit/>
-          </a:bodyPr>
-          <a:lstStyle/>
-          <a:p>
-            <a:pPr marL="0">
-              <a:lnSpc>
-                <a:spcPct val="100000"/>
-              </a:lnSpc>
-            </a:pPr>
-            <a:r>
-              <a:rPr lang="en-US" altLang="zh-CN" sz="2500" dirty="0" err="1">
-                <a:solidFill>
-                  <a:srgbClr val="000000"/>
-                </a:solidFill>
-                <a:latin typeface="Arial"/>
-                <a:ea typeface="Arial"/>
-              </a:rPr>
-              <a:t>Vielen</a:t>
-            </a:r>
-            <a:r>
-              <a:rPr lang="en-US" altLang="zh-CN" sz="2500" spc="-55" dirty="0">
-                <a:solidFill>
-                  <a:srgbClr val="000000"/>
-                </a:solidFill>
-                <a:latin typeface="Arial"/>
-                <a:cs typeface="Arial"/>
-              </a:rPr>
-              <a:t> </a:t>
-            </a:r>
-            <a:r>
-              <a:rPr lang="en-US" altLang="zh-CN" sz="2500" dirty="0">
-                <a:solidFill>
-                  <a:srgbClr val="000000"/>
-                </a:solidFill>
-                <a:latin typeface="Arial"/>
-                <a:ea typeface="Arial"/>
-              </a:rPr>
-              <a:t>Dank</a:t>
-            </a:r>
-            <a:r>
-              <a:rPr lang="en-US" altLang="zh-CN" sz="2500" spc="-55" dirty="0">
-                <a:solidFill>
-                  <a:srgbClr val="000000"/>
-                </a:solidFill>
-                <a:latin typeface="Arial"/>
-                <a:cs typeface="Arial"/>
-              </a:rPr>
-              <a:t> </a:t>
-            </a:r>
-            <a:r>
-              <a:rPr lang="en-US" altLang="zh-CN" sz="2500" dirty="0" err="1">
-                <a:solidFill>
-                  <a:srgbClr val="000000"/>
-                </a:solidFill>
-                <a:latin typeface="Arial"/>
-                <a:ea typeface="Arial"/>
-              </a:rPr>
-              <a:t>für</a:t>
-            </a:r>
-            <a:r>
-              <a:rPr lang="en-US" altLang="zh-CN" sz="2500" spc="-55" dirty="0">
-                <a:solidFill>
-                  <a:srgbClr val="000000"/>
-                </a:solidFill>
-                <a:latin typeface="Arial"/>
-                <a:cs typeface="Arial"/>
-              </a:rPr>
-              <a:t> </a:t>
-            </a:r>
-            <a:r>
-              <a:rPr lang="en-US" altLang="zh-CN" sz="2500" dirty="0" err="1">
-                <a:solidFill>
-                  <a:srgbClr val="000000"/>
-                </a:solidFill>
-                <a:latin typeface="Arial"/>
-                <a:ea typeface="Arial"/>
-              </a:rPr>
-              <a:t>Ihre</a:t>
-            </a:r>
-            <a:r>
-              <a:rPr lang="en-US" altLang="zh-CN" sz="2500" spc="-60" dirty="0">
-                <a:solidFill>
-                  <a:srgbClr val="000000"/>
-                </a:solidFill>
-                <a:latin typeface="Arial"/>
-                <a:cs typeface="Arial"/>
-              </a:rPr>
-              <a:t> </a:t>
-            </a:r>
-            <a:r>
-              <a:rPr lang="en-US" altLang="zh-CN" sz="2500" dirty="0" err="1">
-                <a:solidFill>
-                  <a:srgbClr val="000000"/>
-                </a:solidFill>
-                <a:latin typeface="Arial"/>
-                <a:ea typeface="Arial"/>
-              </a:rPr>
-              <a:t>Aufmerksamkeit</a:t>
-            </a:r>
-            <a:endParaRPr lang="en-US" altLang="zh-CN" sz="2500" dirty="0">
-              <a:solidFill>
-                <a:srgbClr val="000000"/>
-              </a:solidFill>
-              <a:latin typeface="Arial"/>
-              <a:ea typeface="Arial"/>
-            </a:endParaRPr>
-          </a:p>
-          <a:p>
-            <a:pPr>
-              <a:lnSpc>
-                <a:spcPts val="1169"/>
-              </a:lnSpc>
-            </a:pPr>
-            <a:endParaRPr lang="en-US" dirty="0"/>
-          </a:p>
-          <a:p>
-            <a:pPr hangingPunct="0">
-              <a:lnSpc>
-                <a:spcPct val="150000"/>
-              </a:lnSpc>
-            </a:pPr>
-            <a:r>
-              <a:rPr lang="de-DE" sz="1400" dirty="0"/>
-              <a:t>Lorenzo </a:t>
-            </a:r>
-            <a:r>
-              <a:rPr lang="de-DE" sz="1400" dirty="0" err="1"/>
-              <a:t>Brazzi</a:t>
-            </a:r>
-            <a:r>
-              <a:rPr lang="de-DE" sz="1400" dirty="0"/>
-              <a:t>, Ikbal </a:t>
-            </a:r>
-            <a:r>
-              <a:rPr lang="de-DE" sz="1400" dirty="0" err="1"/>
-              <a:t>Yesiltas</a:t>
-            </a:r>
-            <a:r>
-              <a:rPr lang="de-DE" sz="1400" dirty="0"/>
-              <a:t>, Patrick Reto, Markus Zuber</a:t>
-            </a:r>
-            <a:br>
-              <a:rPr dirty="0"/>
-            </a:br>
-            <a:r>
-              <a:rPr lang="en-US" altLang="zh-CN" sz="1400" spc="-10" dirty="0" err="1">
-                <a:solidFill>
-                  <a:srgbClr val="000000"/>
-                </a:solidFill>
-                <a:latin typeface="Arial"/>
-                <a:ea typeface="Arial"/>
-              </a:rPr>
-              <a:t>Technische</a:t>
-            </a:r>
-            <a:r>
-              <a:rPr lang="en-US" altLang="zh-CN" sz="1400" spc="-5" dirty="0">
-                <a:solidFill>
-                  <a:srgbClr val="000000"/>
-                </a:solidFill>
-                <a:latin typeface="Arial"/>
-                <a:cs typeface="Arial"/>
-              </a:rPr>
-              <a:t> </a:t>
-            </a:r>
-            <a:r>
-              <a:rPr lang="en-US" altLang="zh-CN" sz="1400" spc="-5" dirty="0">
-                <a:solidFill>
-                  <a:srgbClr val="000000"/>
-                </a:solidFill>
-                <a:latin typeface="Arial"/>
-                <a:ea typeface="Arial"/>
-              </a:rPr>
-              <a:t>Universität</a:t>
-            </a:r>
-            <a:r>
-              <a:rPr lang="en-US" altLang="zh-CN" sz="1400" spc="-15" dirty="0">
-                <a:solidFill>
-                  <a:srgbClr val="000000"/>
-                </a:solidFill>
-                <a:latin typeface="Arial"/>
-                <a:cs typeface="Arial"/>
-              </a:rPr>
-              <a:t> </a:t>
-            </a:r>
-            <a:r>
-              <a:rPr lang="en-US" altLang="zh-CN" sz="1400" spc="-10" dirty="0">
-                <a:solidFill>
-                  <a:srgbClr val="000000"/>
-                </a:solidFill>
-                <a:latin typeface="Arial"/>
-                <a:ea typeface="Arial"/>
-              </a:rPr>
-              <a:t>München</a:t>
-            </a:r>
-            <a:r>
-              <a:rPr lang="en-US" altLang="zh-CN" sz="1400" dirty="0">
-                <a:solidFill>
-                  <a:srgbClr val="000000"/>
-                </a:solidFill>
-                <a:latin typeface="Arial"/>
-                <a:cs typeface="Arial"/>
-              </a:rPr>
-              <a:t> </a:t>
-            </a:r>
-            <a:br>
-              <a:rPr dirty="0"/>
-            </a:br>
-            <a:r>
-              <a:rPr lang="en-US" altLang="zh-CN" sz="1400" dirty="0">
-                <a:solidFill>
-                  <a:srgbClr val="000000"/>
-                </a:solidFill>
-                <a:latin typeface="Arial"/>
-                <a:ea typeface="Arial"/>
-              </a:rPr>
-              <a:t>München,</a:t>
-            </a:r>
-            <a:r>
-              <a:rPr lang="en-US" altLang="zh-CN" sz="1400" dirty="0">
-                <a:solidFill>
-                  <a:srgbClr val="000000"/>
-                </a:solidFill>
-                <a:latin typeface="Arial"/>
-                <a:cs typeface="Arial"/>
-              </a:rPr>
-              <a:t> </a:t>
-            </a:r>
-            <a:r>
-              <a:rPr lang="en-US" altLang="zh-CN" sz="1400" dirty="0">
-                <a:solidFill>
-                  <a:srgbClr val="000000"/>
-                </a:solidFill>
-                <a:latin typeface="Arial"/>
-                <a:ea typeface="Arial"/>
-              </a:rPr>
-              <a:t>28.11.2019</a:t>
-            </a:r>
-          </a:p>
-        </p:txBody>
-      </p:sp>
-    </p:spTree>
-  </p:cSld>
-  <p:clrMapOvr>
-    <a:masterClrMapping/>
-  </p:clrMapOvr>
-</p:sld>
-</file>
-
-<file path=ppt/slides/slide2.xml><?xml version="1.0" encoding="utf-8"?>
-<p:sld xmlns:a="http://schemas.openxmlformats.org/drawingml/2006/main" xmlns:r="http://schemas.openxmlformats.org/officeDocument/2006/relationships" xmlns:p="http://schemas.openxmlformats.org/presentationml/2006/main">
-  <p:cSld>
-    <p:spTree>
-      <p:nvGrpSpPr>
-        <p:cNvPr id="1" name=""/>
-        <p:cNvGrpSpPr/>
-        <p:nvPr/>
-      </p:nvGrpSpPr>
-      <p:grpSpPr>
-        <a:xfrm>
-          <a:off x="0" y="0"/>
-          <a:ext cx="0" cy="0"/>
-          <a:chOff x="0" y="0"/>
-          <a:chExt cx="0" cy="0"/>
-        </a:xfrm>
-      </p:grpSpPr>
-      <p:sp>
-        <p:nvSpPr>
-          <p:cNvPr id="4" name="Foliennummernplatzhalter 3"/>
-          <p:cNvSpPr>
-            <a:spLocks noGrp="1"/>
-          </p:cNvSpPr>
-          <p:nvPr>
-            <p:ph type="sldNum" sz="quarter" idx="11"/>
-          </p:nvPr>
-        </p:nvSpPr>
-        <p:spPr/>
-        <p:txBody>
-          <a:bodyPr/>
-          <a:lstStyle/>
-          <a:p>
-            <a:fld id="{CE58CB1E-F828-4F11-99E0-327109AF9DA4}" type="slidenum">
-              <a:rPr lang="de-DE" smtClean="0"/>
-              <a:pPr/>
-              <a:t>2</a:t>
-            </a:fld>
-            <a:endParaRPr lang="de-DE" dirty="0"/>
-          </a:p>
-        </p:txBody>
-      </p:sp>
-      <p:sp>
-        <p:nvSpPr>
-          <p:cNvPr id="6" name="Fußzeilenplatzhalter 4"/>
-          <p:cNvSpPr>
-            <a:spLocks noGrp="1"/>
-          </p:cNvSpPr>
-          <p:nvPr>
-            <p:ph type="ftr" sz="quarter" idx="12"/>
-          </p:nvPr>
-        </p:nvSpPr>
-        <p:spPr/>
-        <p:txBody>
-          <a:bodyPr/>
-          <a:lstStyle/>
-          <a:p>
-            <a:r>
-              <a:rPr lang="en-US" dirty="0" err="1"/>
-              <a:t>Xlink</a:t>
-            </a:r>
-            <a:r>
-              <a:rPr lang="en-US" dirty="0"/>
-              <a:t> | </a:t>
-            </a:r>
-            <a:r>
-              <a:rPr lang="en-US" dirty="0" err="1"/>
-              <a:t>DocBook</a:t>
-            </a:r>
-            <a:r>
-              <a:rPr lang="en-US" dirty="0"/>
-              <a:t> </a:t>
-            </a:r>
-            <a:r>
-              <a:rPr lang="en-US" dirty="0" err="1"/>
-              <a:t>Dokumentation</a:t>
-            </a:r>
-            <a:endParaRPr lang="en-US" dirty="0"/>
-          </a:p>
-        </p:txBody>
-      </p:sp>
-      <p:sp>
-        <p:nvSpPr>
-          <p:cNvPr id="3" name="Titel 2"/>
-          <p:cNvSpPr>
-            <a:spLocks noGrp="1"/>
-          </p:cNvSpPr>
-          <p:nvPr>
-            <p:ph type="title"/>
-          </p:nvPr>
-        </p:nvSpPr>
-        <p:spPr>
-          <a:xfrm>
-            <a:off x="317935" y="2417861"/>
-            <a:ext cx="8508999" cy="332976"/>
-          </a:xfrm>
-          <a:prstGeom prst="rect">
-            <a:avLst/>
-          </a:prstGeom>
-        </p:spPr>
-        <p:txBody>
-          <a:bodyPr/>
-          <a:lstStyle/>
-          <a:p>
-            <a:pPr algn="ctr"/>
-            <a:r>
-              <a:rPr lang="de-DE" sz="3500" dirty="0"/>
-              <a:t>Dokumentation ‚design </a:t>
-            </a:r>
-            <a:r>
-              <a:rPr lang="de-DE" sz="3500" dirty="0" err="1"/>
-              <a:t>choices</a:t>
-            </a:r>
-            <a:r>
-              <a:rPr lang="de-DE" sz="3500" dirty="0"/>
-              <a:t>‘</a:t>
-            </a:r>
-          </a:p>
-        </p:txBody>
-      </p:sp>
-    </p:spTree>
-    <p:extLst>
-      <p:ext uri="{BB962C8B-B14F-4D97-AF65-F5344CB8AC3E}">
-        <p14:creationId xmlns:p14="http://schemas.microsoft.com/office/powerpoint/2010/main" val="3371693387"/>
-      </p:ext>
-    </p:extLst>
-  </p:cSld>
-  <p:clrMapOvr>
-    <a:masterClrMapping/>
-  </p:clrMapOvr>
-</p:sld>
-</file>
-
-<file path=ppt/slides/slide3.xml><?xml version="1.0" encoding="utf-8"?>
-<p:sld xmlns:a="http://schemas.openxmlformats.org/drawingml/2006/main" xmlns:r="http://schemas.openxmlformats.org/officeDocument/2006/relationships" xmlns:p="http://schemas.openxmlformats.org/presentationml/2006/main">
-  <p:cSld>
-    <p:spTree>
-      <p:nvGrpSpPr>
-        <p:cNvPr id="1" name=""/>
-        <p:cNvGrpSpPr/>
-        <p:nvPr/>
-      </p:nvGrpSpPr>
-      <p:grpSpPr>
-        <a:xfrm>
-          <a:off x="0" y="0"/>
-          <a:ext cx="0" cy="0"/>
-          <a:chOff x="0" y="0"/>
-          <a:chExt cx="0" cy="0"/>
-        </a:xfrm>
-      </p:grpSpPr>
-      <p:sp>
-        <p:nvSpPr>
-          <p:cNvPr id="4" name="Foliennummernplatzhalter 3"/>
-          <p:cNvSpPr>
-            <a:spLocks noGrp="1"/>
-          </p:cNvSpPr>
-          <p:nvPr>
-            <p:ph type="sldNum" sz="quarter" idx="11"/>
-          </p:nvPr>
-        </p:nvSpPr>
-        <p:spPr/>
-        <p:txBody>
-          <a:bodyPr/>
-          <a:lstStyle/>
-          <a:p>
-            <a:fld id="{CE58CB1E-F828-4F11-99E0-327109AF9DA4}" type="slidenum">
-              <a:rPr lang="de-DE" smtClean="0"/>
-              <a:pPr/>
-              <a:t>3</a:t>
-            </a:fld>
-            <a:endParaRPr lang="de-DE" dirty="0"/>
-          </a:p>
-        </p:txBody>
-      </p:sp>
-      <p:sp>
-        <p:nvSpPr>
-          <p:cNvPr id="6" name="Fußzeilenplatzhalter 4"/>
-          <p:cNvSpPr>
-            <a:spLocks noGrp="1"/>
-          </p:cNvSpPr>
-          <p:nvPr>
-            <p:ph type="ftr" sz="quarter" idx="12"/>
-          </p:nvPr>
-        </p:nvSpPr>
-        <p:spPr/>
-        <p:txBody>
-          <a:bodyPr/>
-          <a:lstStyle/>
-          <a:p>
-            <a:r>
-              <a:rPr lang="en-US" dirty="0" err="1"/>
-              <a:t>Xlink</a:t>
-            </a:r>
-            <a:r>
-              <a:rPr lang="en-US" dirty="0"/>
-              <a:t> | </a:t>
-            </a:r>
-            <a:r>
-              <a:rPr lang="en-US" dirty="0" err="1"/>
-              <a:t>DocBook</a:t>
-            </a:r>
-            <a:r>
-              <a:rPr lang="en-US" dirty="0"/>
-              <a:t> </a:t>
-            </a:r>
-            <a:r>
-              <a:rPr lang="en-US" dirty="0" err="1"/>
-              <a:t>Dokumentation</a:t>
-            </a:r>
-            <a:endParaRPr lang="en-US" dirty="0"/>
-          </a:p>
-        </p:txBody>
-      </p:sp>
-      <p:sp>
-        <p:nvSpPr>
-          <p:cNvPr id="3" name="Titel 2"/>
-          <p:cNvSpPr>
-            <a:spLocks noGrp="1"/>
-          </p:cNvSpPr>
-          <p:nvPr>
-            <p:ph type="title"/>
-          </p:nvPr>
-        </p:nvSpPr>
-        <p:spPr>
-          <a:xfrm>
-            <a:off x="319091" y="745751"/>
-            <a:ext cx="8508999" cy="307777"/>
-          </a:xfrm>
-          <a:prstGeom prst="rect">
-            <a:avLst/>
-          </a:prstGeom>
-        </p:spPr>
-        <p:txBody>
-          <a:bodyPr/>
-          <a:lstStyle/>
-          <a:p>
-            <a:pPr algn="ctr"/>
-            <a:r>
-              <a:rPr lang="de-DE" dirty="0"/>
-              <a:t>Cards</a:t>
-            </a:r>
-          </a:p>
-        </p:txBody>
-      </p:sp>
-      <p:pic>
-        <p:nvPicPr>
-          <p:cNvPr id="5" name="Grafik 4" descr="Ein Bild, das Screenshot enthält.&#10;&#10;Automatisch generierte Beschreibung">
-            <a:extLst>
-              <a:ext uri="{FF2B5EF4-FFF2-40B4-BE49-F238E27FC236}">
-                <a16:creationId xmlns:a16="http://schemas.microsoft.com/office/drawing/2014/main" id="{2E4369A1-98D1-ED48-A09C-D8E9C25A65B6}"/>
-              </a:ext>
-            </a:extLst>
-          </p:cNvPr>
-          <p:cNvPicPr>
-            <a:picLocks noChangeAspect="1"/>
-          </p:cNvPicPr>
-          <p:nvPr/>
-        </p:nvPicPr>
-        <p:blipFill>
-          <a:blip r:embed="rId3"/>
-          <a:stretch>
-            <a:fillRect/>
-          </a:stretch>
-        </p:blipFill>
-        <p:spPr>
-          <a:xfrm>
-            <a:off x="594360" y="1483681"/>
-            <a:ext cx="7955280" cy="2311079"/>
-          </a:xfrm>
-          <a:prstGeom prst="rect">
-            <a:avLst/>
-          </a:prstGeom>
-        </p:spPr>
-      </p:pic>
-    </p:spTree>
-    <p:extLst>
-      <p:ext uri="{BB962C8B-B14F-4D97-AF65-F5344CB8AC3E}">
-        <p14:creationId xmlns:p14="http://schemas.microsoft.com/office/powerpoint/2010/main" val="3547445929"/>
-      </p:ext>
-    </p:extLst>
-  </p:cSld>
-  <p:clrMapOvr>
-    <a:masterClrMapping/>
-  </p:clrMapOvr>
-</p:sld>
-</file>
-
-<file path=ppt/slides/slide4.xml><?xml version="1.0" encoding="utf-8"?>
-<p:sld xmlns:a="http://schemas.openxmlformats.org/drawingml/2006/main" xmlns:r="http://schemas.openxmlformats.org/officeDocument/2006/relationships" xmlns:p="http://schemas.openxmlformats.org/presentationml/2006/main">
-  <p:cSld>
-    <p:spTree>
-      <p:nvGrpSpPr>
-        <p:cNvPr id="1" name=""/>
-        <p:cNvGrpSpPr/>
-        <p:nvPr/>
-      </p:nvGrpSpPr>
-      <p:grpSpPr>
-        <a:xfrm>
-          <a:off x="0" y="0"/>
-          <a:ext cx="0" cy="0"/>
-          <a:chOff x="0" y="0"/>
-          <a:chExt cx="0" cy="0"/>
-        </a:xfrm>
-      </p:grpSpPr>
-      <p:sp>
-        <p:nvSpPr>
-          <p:cNvPr id="4" name="Foliennummernplatzhalter 3"/>
-          <p:cNvSpPr>
-            <a:spLocks noGrp="1"/>
-          </p:cNvSpPr>
-          <p:nvPr>
-            <p:ph type="sldNum" sz="quarter" idx="11"/>
-          </p:nvPr>
-        </p:nvSpPr>
-        <p:spPr/>
-        <p:txBody>
-          <a:bodyPr/>
-          <a:lstStyle/>
-          <a:p>
-            <a:fld id="{CE58CB1E-F828-4F11-99E0-327109AF9DA4}" type="slidenum">
-              <a:rPr lang="de-DE" smtClean="0"/>
-              <a:pPr/>
-              <a:t>4</a:t>
-            </a:fld>
-            <a:endParaRPr lang="de-DE" dirty="0"/>
-          </a:p>
-        </p:txBody>
-      </p:sp>
-      <p:sp>
-        <p:nvSpPr>
-          <p:cNvPr id="6" name="Fußzeilenplatzhalter 4"/>
-          <p:cNvSpPr>
-            <a:spLocks noGrp="1"/>
-          </p:cNvSpPr>
-          <p:nvPr>
-            <p:ph type="ftr" sz="quarter" idx="12"/>
-          </p:nvPr>
-        </p:nvSpPr>
-        <p:spPr/>
-        <p:txBody>
-          <a:bodyPr/>
-          <a:lstStyle/>
-          <a:p>
-            <a:r>
-              <a:rPr lang="en-US" dirty="0" err="1"/>
-              <a:t>Xlink</a:t>
-            </a:r>
-            <a:r>
-              <a:rPr lang="en-US" dirty="0"/>
-              <a:t> | </a:t>
-            </a:r>
-            <a:r>
-              <a:rPr lang="en-US" dirty="0" err="1"/>
-              <a:t>DocBook</a:t>
-            </a:r>
-            <a:r>
-              <a:rPr lang="en-US" dirty="0"/>
-              <a:t> </a:t>
-            </a:r>
-            <a:r>
-              <a:rPr lang="en-US" dirty="0" err="1"/>
-              <a:t>Dokumentation</a:t>
-            </a:r>
-            <a:endParaRPr lang="en-US" dirty="0"/>
-          </a:p>
-        </p:txBody>
-      </p:sp>
-      <p:sp>
-        <p:nvSpPr>
-          <p:cNvPr id="3" name="Titel 2"/>
-          <p:cNvSpPr>
-            <a:spLocks noGrp="1"/>
-          </p:cNvSpPr>
-          <p:nvPr>
-            <p:ph type="title"/>
-          </p:nvPr>
-        </p:nvSpPr>
-        <p:spPr>
-          <a:xfrm>
-            <a:off x="319091" y="745751"/>
-            <a:ext cx="8508999" cy="307777"/>
-          </a:xfrm>
-          <a:prstGeom prst="rect">
-            <a:avLst/>
-          </a:prstGeom>
-        </p:spPr>
-        <p:txBody>
-          <a:bodyPr/>
-          <a:lstStyle/>
-          <a:p>
-            <a:pPr algn="ctr"/>
-            <a:r>
-              <a:rPr lang="de-DE" dirty="0"/>
-              <a:t>Table</a:t>
-            </a:r>
-          </a:p>
-        </p:txBody>
-      </p:sp>
-      <p:pic>
-        <p:nvPicPr>
-          <p:cNvPr id="9" name="Grafik 8" descr="Ein Bild, das Essen, Zeichnung enthält.&#10;&#10;Automatisch generierte Beschreibung">
-            <a:extLst>
-              <a:ext uri="{FF2B5EF4-FFF2-40B4-BE49-F238E27FC236}">
-                <a16:creationId xmlns:a16="http://schemas.microsoft.com/office/drawing/2014/main" id="{A4DB09E4-A961-254C-A9AB-E018B963E7BE}"/>
-              </a:ext>
-            </a:extLst>
-          </p:cNvPr>
-          <p:cNvPicPr>
-            <a:picLocks noChangeAspect="1"/>
-          </p:cNvPicPr>
-          <p:nvPr/>
-        </p:nvPicPr>
-        <p:blipFill>
-          <a:blip r:embed="rId3"/>
-          <a:stretch>
-            <a:fillRect/>
-          </a:stretch>
-        </p:blipFill>
-        <p:spPr>
-          <a:xfrm>
-            <a:off x="319091" y="1982565"/>
-            <a:ext cx="8567445" cy="1178370"/>
-          </a:xfrm>
-          <a:prstGeom prst="rect">
-            <a:avLst/>
-          </a:prstGeom>
-        </p:spPr>
-      </p:pic>
-    </p:spTree>
-    <p:extLst>
-      <p:ext uri="{BB962C8B-B14F-4D97-AF65-F5344CB8AC3E}">
-        <p14:creationId xmlns:p14="http://schemas.microsoft.com/office/powerpoint/2010/main" val="4277464630"/>
-      </p:ext>
-    </p:extLst>
-  </p:cSld>
-  <p:clrMapOvr>
-    <a:masterClrMapping/>
-  </p:clrMapOvr>
-</p:sld>
-</file>
-
-<file path=ppt/slides/slide5.xml><?xml version="1.0" encoding="utf-8"?>
-<p:sld xmlns:a="http://schemas.openxmlformats.org/drawingml/2006/main" xmlns:r="http://schemas.openxmlformats.org/officeDocument/2006/relationships" xmlns:p="http://schemas.openxmlformats.org/presentationml/2006/main">
-  <p:cSld>
-    <p:spTree>
-      <p:nvGrpSpPr>
-        <p:cNvPr id="1" name=""/>
-        <p:cNvGrpSpPr/>
-        <p:nvPr/>
-      </p:nvGrpSpPr>
-      <p:grpSpPr>
-        <a:xfrm>
-          <a:off x="0" y="0"/>
-          <a:ext cx="0" cy="0"/>
-          <a:chOff x="0" y="0"/>
-          <a:chExt cx="0" cy="0"/>
-        </a:xfrm>
-      </p:grpSpPr>
-      <p:sp>
-        <p:nvSpPr>
-          <p:cNvPr id="4" name="Foliennummernplatzhalter 3"/>
-          <p:cNvSpPr>
-            <a:spLocks noGrp="1"/>
-          </p:cNvSpPr>
-          <p:nvPr>
-            <p:ph type="sldNum" sz="quarter" idx="11"/>
-          </p:nvPr>
-        </p:nvSpPr>
-        <p:spPr/>
-        <p:txBody>
-          <a:bodyPr/>
-          <a:lstStyle/>
-          <a:p>
-            <a:fld id="{CE58CB1E-F828-4F11-99E0-327109AF9DA4}" type="slidenum">
-              <a:rPr lang="de-DE" smtClean="0"/>
-              <a:pPr/>
-              <a:t>5</a:t>
-            </a:fld>
-            <a:endParaRPr lang="de-DE" dirty="0"/>
-          </a:p>
-        </p:txBody>
-      </p:sp>
-      <p:sp>
-        <p:nvSpPr>
-          <p:cNvPr id="6" name="Fußzeilenplatzhalter 4"/>
-          <p:cNvSpPr>
-            <a:spLocks noGrp="1"/>
-          </p:cNvSpPr>
-          <p:nvPr>
-            <p:ph type="ftr" sz="quarter" idx="12"/>
-          </p:nvPr>
-        </p:nvSpPr>
-        <p:spPr/>
-        <p:txBody>
-          <a:bodyPr/>
-          <a:lstStyle/>
-          <a:p>
-            <a:r>
-              <a:rPr lang="en-US" dirty="0" err="1"/>
-              <a:t>Xlink</a:t>
-            </a:r>
-            <a:r>
-              <a:rPr lang="en-US" dirty="0"/>
-              <a:t> | </a:t>
-            </a:r>
-            <a:r>
-              <a:rPr lang="en-US" dirty="0" err="1"/>
-              <a:t>DocBook</a:t>
-            </a:r>
-            <a:r>
-              <a:rPr lang="en-US" dirty="0"/>
-              <a:t> </a:t>
-            </a:r>
-            <a:r>
-              <a:rPr lang="en-US" dirty="0" err="1"/>
-              <a:t>Dokumentation</a:t>
-            </a:r>
-            <a:endParaRPr lang="en-US" dirty="0"/>
-          </a:p>
-        </p:txBody>
-      </p:sp>
-      <p:sp>
-        <p:nvSpPr>
-          <p:cNvPr id="3" name="Titel 2"/>
-          <p:cNvSpPr>
-            <a:spLocks noGrp="1"/>
-          </p:cNvSpPr>
-          <p:nvPr>
-            <p:ph type="title"/>
-          </p:nvPr>
-        </p:nvSpPr>
-        <p:spPr>
-          <a:xfrm>
-            <a:off x="319091" y="745751"/>
-            <a:ext cx="8508999" cy="307777"/>
-          </a:xfrm>
-          <a:prstGeom prst="rect">
-            <a:avLst/>
-          </a:prstGeom>
-        </p:spPr>
-        <p:txBody>
-          <a:bodyPr/>
-          <a:lstStyle/>
-          <a:p>
-            <a:pPr algn="ctr"/>
-            <a:r>
-              <a:rPr lang="de-DE" dirty="0"/>
-              <a:t>Chips</a:t>
-            </a:r>
-          </a:p>
-        </p:txBody>
-      </p:sp>
-      <p:pic>
-        <p:nvPicPr>
-          <p:cNvPr id="5" name="Grafik 4">
-            <a:extLst>
-              <a:ext uri="{FF2B5EF4-FFF2-40B4-BE49-F238E27FC236}">
-                <a16:creationId xmlns:a16="http://schemas.microsoft.com/office/drawing/2014/main" id="{A3E410BE-085D-204E-B8C9-F5D4534C1563}"/>
-              </a:ext>
-            </a:extLst>
-          </p:cNvPr>
-          <p:cNvPicPr>
-            <a:picLocks noChangeAspect="1"/>
-          </p:cNvPicPr>
-          <p:nvPr/>
-        </p:nvPicPr>
-        <p:blipFill>
-          <a:blip r:embed="rId3"/>
-          <a:stretch>
-            <a:fillRect/>
-          </a:stretch>
-        </p:blipFill>
-        <p:spPr>
-          <a:xfrm>
-            <a:off x="159448" y="2046029"/>
-            <a:ext cx="8825103" cy="1051442"/>
-          </a:xfrm>
-          <a:prstGeom prst="rect">
-            <a:avLst/>
-          </a:prstGeom>
-        </p:spPr>
-      </p:pic>
-    </p:spTree>
-    <p:extLst>
-      <p:ext uri="{BB962C8B-B14F-4D97-AF65-F5344CB8AC3E}">
-        <p14:creationId xmlns:p14="http://schemas.microsoft.com/office/powerpoint/2010/main" val="2748728225"/>
-      </p:ext>
-    </p:extLst>
-  </p:cSld>
-  <p:clrMapOvr>
-    <a:masterClrMapping/>
-  </p:clrMapOvr>
-</p:sld>
-</file>
-
-<file path=ppt/slides/slide6.xml><?xml version="1.0" encoding="utf-8"?>
-<p:sld xmlns:a="http://schemas.openxmlformats.org/drawingml/2006/main" xmlns:r="http://schemas.openxmlformats.org/officeDocument/2006/relationships" xmlns:p="http://schemas.openxmlformats.org/presentationml/2006/main">
-  <p:cSld>
-    <p:spTree>
-      <p:nvGrpSpPr>
-        <p:cNvPr id="1" name=""/>
-        <p:cNvGrpSpPr/>
-        <p:nvPr/>
-      </p:nvGrpSpPr>
-      <p:grpSpPr>
-        <a:xfrm>
-          <a:off x="0" y="0"/>
-          <a:ext cx="0" cy="0"/>
-          <a:chOff x="0" y="0"/>
-          <a:chExt cx="0" cy="0"/>
-        </a:xfrm>
-      </p:grpSpPr>
-      <p:sp>
-        <p:nvSpPr>
-          <p:cNvPr id="4" name="Foliennummernplatzhalter 3"/>
-          <p:cNvSpPr>
-            <a:spLocks noGrp="1"/>
-          </p:cNvSpPr>
-          <p:nvPr>
-            <p:ph type="sldNum" sz="quarter" idx="11"/>
-          </p:nvPr>
-        </p:nvSpPr>
-        <p:spPr/>
-        <p:txBody>
-          <a:bodyPr/>
-          <a:lstStyle/>
-          <a:p>
-            <a:fld id="{CE58CB1E-F828-4F11-99E0-327109AF9DA4}" type="slidenum">
-              <a:rPr lang="de-DE" smtClean="0"/>
-              <a:pPr/>
-              <a:t>6</a:t>
-            </a:fld>
-            <a:endParaRPr lang="de-DE" dirty="0"/>
-          </a:p>
-        </p:txBody>
-      </p:sp>
-      <p:sp>
-        <p:nvSpPr>
-          <p:cNvPr id="6" name="Fußzeilenplatzhalter 4"/>
-          <p:cNvSpPr>
-            <a:spLocks noGrp="1"/>
-          </p:cNvSpPr>
-          <p:nvPr>
-            <p:ph type="ftr" sz="quarter" idx="12"/>
-          </p:nvPr>
-        </p:nvSpPr>
-        <p:spPr/>
-        <p:txBody>
-          <a:bodyPr/>
-          <a:lstStyle/>
-          <a:p>
-            <a:r>
-              <a:rPr lang="en-US" dirty="0" err="1"/>
-              <a:t>Xlink</a:t>
-            </a:r>
-            <a:r>
-              <a:rPr lang="en-US" dirty="0"/>
-              <a:t> | </a:t>
-            </a:r>
-            <a:r>
-              <a:rPr lang="en-US" dirty="0" err="1"/>
-              <a:t>DocBook</a:t>
-            </a:r>
-            <a:r>
-              <a:rPr lang="en-US" dirty="0"/>
-              <a:t> </a:t>
-            </a:r>
-            <a:r>
-              <a:rPr lang="en-US" dirty="0" err="1"/>
-              <a:t>Dokumentation</a:t>
-            </a:r>
-            <a:endParaRPr lang="en-US" dirty="0"/>
-          </a:p>
-        </p:txBody>
-      </p:sp>
-      <p:sp>
-        <p:nvSpPr>
-          <p:cNvPr id="3" name="Titel 2"/>
-          <p:cNvSpPr>
-            <a:spLocks noGrp="1"/>
-          </p:cNvSpPr>
-          <p:nvPr>
-            <p:ph type="title"/>
-          </p:nvPr>
-        </p:nvSpPr>
-        <p:spPr>
-          <a:xfrm>
-            <a:off x="319091" y="745751"/>
-            <a:ext cx="8508999" cy="307777"/>
-          </a:xfrm>
-          <a:prstGeom prst="rect">
-            <a:avLst/>
-          </a:prstGeom>
-        </p:spPr>
-        <p:txBody>
-          <a:bodyPr/>
-          <a:lstStyle/>
-          <a:p>
-            <a:pPr algn="ctr"/>
-            <a:r>
-              <a:rPr lang="de-DE" dirty="0"/>
-              <a:t>XSLT </a:t>
-            </a:r>
-            <a:r>
-              <a:rPr lang="de-DE" dirty="0" err="1"/>
-              <a:t>Processor</a:t>
-            </a:r>
-            <a:endParaRPr lang="de-DE" dirty="0"/>
-          </a:p>
-        </p:txBody>
-      </p:sp>
-      <p:pic>
-        <p:nvPicPr>
-          <p:cNvPr id="7" name="Grafik 6" descr="Ein Bild, das Screenshot, sitzend, Monitor, schwarz enthält.&#10;&#10;Automatisch generierte Beschreibung">
-            <a:extLst>
-              <a:ext uri="{FF2B5EF4-FFF2-40B4-BE49-F238E27FC236}">
-                <a16:creationId xmlns:a16="http://schemas.microsoft.com/office/drawing/2014/main" id="{B5AB30A1-F8B1-4843-AE22-A1D883103B40}"/>
-              </a:ext>
-            </a:extLst>
-          </p:cNvPr>
-          <p:cNvPicPr>
-            <a:picLocks noChangeAspect="1"/>
-          </p:cNvPicPr>
-          <p:nvPr/>
-        </p:nvPicPr>
-        <p:blipFill>
-          <a:blip r:embed="rId3"/>
-          <a:stretch>
-            <a:fillRect/>
-          </a:stretch>
-        </p:blipFill>
-        <p:spPr>
-          <a:xfrm>
-            <a:off x="411480" y="1836048"/>
-            <a:ext cx="8321040" cy="1471404"/>
-          </a:xfrm>
-          <a:prstGeom prst="rect">
-            <a:avLst/>
-          </a:prstGeom>
-        </p:spPr>
-      </p:pic>
-    </p:spTree>
-    <p:extLst>
-      <p:ext uri="{BB962C8B-B14F-4D97-AF65-F5344CB8AC3E}">
-        <p14:creationId xmlns:p14="http://schemas.microsoft.com/office/powerpoint/2010/main" val="3603912618"/>
-      </p:ext>
-    </p:extLst>
-  </p:cSld>
-  <p:clrMapOvr>
-    <a:masterClrMapping/>
-  </p:clrMapOvr>
-</p:sld>
-</file>
-
-<file path=ppt/slides/slide7.xml><?xml version="1.0" encoding="utf-8"?>
-<p:sld xmlns:a="http://schemas.openxmlformats.org/drawingml/2006/main" xmlns:r="http://schemas.openxmlformats.org/officeDocument/2006/relationships" xmlns:p="http://schemas.openxmlformats.org/presentationml/2006/main">
-  <p:cSld>
-    <p:spTree>
-      <p:nvGrpSpPr>
-        <p:cNvPr id="1" name=""/>
-        <p:cNvGrpSpPr/>
-        <p:nvPr/>
-      </p:nvGrpSpPr>
-      <p:grpSpPr>
-        <a:xfrm>
-          <a:off x="0" y="0"/>
-          <a:ext cx="0" cy="0"/>
-          <a:chOff x="0" y="0"/>
-          <a:chExt cx="0" cy="0"/>
-        </a:xfrm>
-      </p:grpSpPr>
-      <p:sp>
-        <p:nvSpPr>
-          <p:cNvPr id="4" name="Foliennummernplatzhalter 3"/>
-          <p:cNvSpPr>
-            <a:spLocks noGrp="1"/>
-          </p:cNvSpPr>
-          <p:nvPr>
-            <p:ph type="sldNum" sz="quarter" idx="11"/>
-          </p:nvPr>
-        </p:nvSpPr>
-        <p:spPr/>
-        <p:txBody>
-          <a:bodyPr/>
-          <a:lstStyle/>
-          <a:p>
-            <a:fld id="{CE58CB1E-F828-4F11-99E0-327109AF9DA4}" type="slidenum">
-              <a:rPr lang="de-DE" smtClean="0"/>
-              <a:pPr/>
-              <a:t>7</a:t>
-            </a:fld>
-            <a:endParaRPr lang="de-DE" dirty="0"/>
-          </a:p>
-        </p:txBody>
-      </p:sp>
-      <p:sp>
-        <p:nvSpPr>
-          <p:cNvPr id="6" name="Fußzeilenplatzhalter 4"/>
-          <p:cNvSpPr>
-            <a:spLocks noGrp="1"/>
-          </p:cNvSpPr>
-          <p:nvPr>
-            <p:ph type="ftr" sz="quarter" idx="12"/>
-          </p:nvPr>
-        </p:nvSpPr>
-        <p:spPr/>
-        <p:txBody>
-          <a:bodyPr/>
-          <a:lstStyle/>
-          <a:p>
-            <a:r>
-              <a:rPr lang="en-US" dirty="0" err="1"/>
-              <a:t>Xlink</a:t>
-            </a:r>
-            <a:r>
-              <a:rPr lang="en-US" dirty="0"/>
-              <a:t> | </a:t>
-            </a:r>
-            <a:r>
-              <a:rPr lang="en-US" dirty="0" err="1"/>
-              <a:t>DocBook</a:t>
-            </a:r>
-            <a:r>
-              <a:rPr lang="en-US" dirty="0"/>
-              <a:t> </a:t>
-            </a:r>
-            <a:r>
-              <a:rPr lang="en-US" dirty="0" err="1"/>
-              <a:t>Dokumentation</a:t>
-            </a:r>
-            <a:endParaRPr lang="en-US" dirty="0"/>
-          </a:p>
-        </p:txBody>
-      </p:sp>
-      <p:sp>
-        <p:nvSpPr>
-          <p:cNvPr id="3" name="Titel 2"/>
-          <p:cNvSpPr>
-            <a:spLocks noGrp="1"/>
-          </p:cNvSpPr>
-          <p:nvPr>
-            <p:ph type="title"/>
-          </p:nvPr>
-        </p:nvSpPr>
-        <p:spPr>
-          <a:xfrm>
-            <a:off x="317935" y="2417861"/>
-            <a:ext cx="8508999" cy="332976"/>
-          </a:xfrm>
-          <a:prstGeom prst="rect">
-            <a:avLst/>
-          </a:prstGeom>
-        </p:spPr>
-        <p:txBody>
-          <a:bodyPr/>
-          <a:lstStyle/>
-          <a:p>
-            <a:pPr algn="ctr"/>
-            <a:r>
-              <a:rPr lang="de-DE" sz="3500" dirty="0"/>
-              <a:t>Dokumentation ‚</a:t>
-            </a:r>
-            <a:r>
-              <a:rPr lang="de-DE" sz="3500" dirty="0" err="1"/>
-              <a:t>used</a:t>
-            </a:r>
-            <a:r>
-              <a:rPr lang="de-DE" sz="3500" dirty="0"/>
-              <a:t> </a:t>
-            </a:r>
-            <a:r>
-              <a:rPr lang="de-DE" sz="3500" dirty="0" err="1"/>
-              <a:t>technologies</a:t>
-            </a:r>
-            <a:r>
-              <a:rPr lang="de-DE" sz="3500" dirty="0"/>
-              <a:t>‘</a:t>
-            </a:r>
-          </a:p>
-        </p:txBody>
-      </p:sp>
-    </p:spTree>
-    <p:extLst>
-      <p:ext uri="{BB962C8B-B14F-4D97-AF65-F5344CB8AC3E}">
-        <p14:creationId xmlns:p14="http://schemas.microsoft.com/office/powerpoint/2010/main" val="3738177429"/>
-      </p:ext>
-    </p:extLst>
-  </p:cSld>
-  <p:clrMapOvr>
-    <a:masterClrMapping/>
-  </p:clrMapOvr>
-</p:sld>
-</file>
-
-<file path=ppt/slides/slide8.xml><?xml version="1.0" encoding="utf-8"?>
-<p:sld xmlns:a="http://schemas.openxmlformats.org/drawingml/2006/main" xmlns:r="http://schemas.openxmlformats.org/officeDocument/2006/relationships" xmlns:p="http://schemas.openxmlformats.org/presentationml/2006/main">
-  <p:cSld>
-    <p:spTree>
-      <p:nvGrpSpPr>
-        <p:cNvPr id="1" name=""/>
-        <p:cNvGrpSpPr/>
-        <p:nvPr/>
-      </p:nvGrpSpPr>
-      <p:grpSpPr>
-        <a:xfrm>
-          <a:off x="0" y="0"/>
-          <a:ext cx="0" cy="0"/>
-          <a:chOff x="0" y="0"/>
-          <a:chExt cx="0" cy="0"/>
-        </a:xfrm>
-      </p:grpSpPr>
-      <p:sp>
-        <p:nvSpPr>
-          <p:cNvPr id="4" name="Foliennummernplatzhalter 3"/>
-          <p:cNvSpPr>
-            <a:spLocks noGrp="1"/>
-          </p:cNvSpPr>
-          <p:nvPr>
-            <p:ph type="sldNum" sz="quarter" idx="11"/>
-          </p:nvPr>
-        </p:nvSpPr>
-        <p:spPr/>
-        <p:txBody>
-          <a:bodyPr/>
-          <a:lstStyle/>
-          <a:p>
-            <a:fld id="{CE58CB1E-F828-4F11-99E0-327109AF9DA4}" type="slidenum">
-              <a:rPr lang="de-DE" smtClean="0"/>
-              <a:pPr/>
-              <a:t>8</a:t>
-            </a:fld>
-            <a:endParaRPr lang="de-DE" dirty="0"/>
-          </a:p>
-        </p:txBody>
-      </p:sp>
-      <p:sp>
-        <p:nvSpPr>
-          <p:cNvPr id="6" name="Fußzeilenplatzhalter 4"/>
-          <p:cNvSpPr>
-            <a:spLocks noGrp="1"/>
-          </p:cNvSpPr>
-          <p:nvPr>
-            <p:ph type="ftr" sz="quarter" idx="12"/>
-          </p:nvPr>
-        </p:nvSpPr>
-        <p:spPr/>
-        <p:txBody>
-          <a:bodyPr/>
-          <a:lstStyle/>
-          <a:p>
-            <a:r>
-              <a:rPr lang="en-US" dirty="0" err="1"/>
-              <a:t>Xlink</a:t>
-            </a:r>
-            <a:r>
-              <a:rPr lang="en-US" dirty="0"/>
-              <a:t> | </a:t>
-            </a:r>
-            <a:r>
-              <a:rPr lang="en-US" dirty="0" err="1"/>
-              <a:t>DocBook</a:t>
-            </a:r>
-            <a:r>
-              <a:rPr lang="en-US" dirty="0"/>
-              <a:t> </a:t>
-            </a:r>
-            <a:r>
-              <a:rPr lang="en-US" dirty="0" err="1"/>
-              <a:t>Dokumentation</a:t>
-            </a:r>
-            <a:endParaRPr lang="en-US" dirty="0"/>
-          </a:p>
-        </p:txBody>
-      </p:sp>
-      <p:sp>
-        <p:nvSpPr>
-          <p:cNvPr id="3" name="Titel 2"/>
-          <p:cNvSpPr>
-            <a:spLocks noGrp="1"/>
-          </p:cNvSpPr>
-          <p:nvPr>
-            <p:ph type="title"/>
-          </p:nvPr>
-        </p:nvSpPr>
-        <p:spPr>
-          <a:xfrm>
-            <a:off x="319091" y="745751"/>
-            <a:ext cx="8508999" cy="307777"/>
-          </a:xfrm>
-          <a:prstGeom prst="rect">
-            <a:avLst/>
-          </a:prstGeom>
-        </p:spPr>
-        <p:txBody>
-          <a:bodyPr/>
-          <a:lstStyle/>
-          <a:p>
-            <a:pPr algn="ctr"/>
-            <a:r>
-              <a:rPr lang="de-DE" dirty="0"/>
-              <a:t>XML</a:t>
-            </a:r>
-          </a:p>
-        </p:txBody>
-      </p:sp>
-      <p:pic>
-        <p:nvPicPr>
-          <p:cNvPr id="8" name="Grafik 7" descr="Ein Bild, das Zeichnung enthält.&#10;&#10;Automatisch generierte Beschreibung">
-            <a:extLst>
-              <a:ext uri="{FF2B5EF4-FFF2-40B4-BE49-F238E27FC236}">
-                <a16:creationId xmlns:a16="http://schemas.microsoft.com/office/drawing/2014/main" id="{03460A96-09D0-DD47-880D-0B75A69E3696}"/>
-              </a:ext>
-            </a:extLst>
-          </p:cNvPr>
-          <p:cNvPicPr>
-            <a:picLocks noChangeAspect="1"/>
-          </p:cNvPicPr>
-          <p:nvPr/>
-        </p:nvPicPr>
-        <p:blipFill>
-          <a:blip r:embed="rId3"/>
-          <a:stretch>
-            <a:fillRect/>
-          </a:stretch>
-        </p:blipFill>
-        <p:spPr>
-          <a:xfrm>
-            <a:off x="282271" y="1810474"/>
-            <a:ext cx="8579457" cy="1522551"/>
-          </a:xfrm>
-          <a:prstGeom prst="rect">
-            <a:avLst/>
-          </a:prstGeom>
-        </p:spPr>
-      </p:pic>
-    </p:spTree>
-    <p:extLst>
-      <p:ext uri="{BB962C8B-B14F-4D97-AF65-F5344CB8AC3E}">
-        <p14:creationId xmlns:p14="http://schemas.microsoft.com/office/powerpoint/2010/main" val="560121441"/>
-      </p:ext>
-    </p:extLst>
-  </p:cSld>
-  <p:clrMapOvr>
-    <a:masterClrMapping/>
-  </p:clrMapOvr>
-</p:sld>
-</file>
-
-<file path=ppt/slides/slide9.xml><?xml version="1.0" encoding="utf-8"?>
-<p:sld xmlns:a="http://schemas.openxmlformats.org/drawingml/2006/main" xmlns:r="http://schemas.openxmlformats.org/officeDocument/2006/relationships" xmlns:p="http://schemas.openxmlformats.org/presentationml/2006/main">
-  <p:cSld>
-    <p:spTree>
-      <p:nvGrpSpPr>
-        <p:cNvPr id="1" name=""/>
-        <p:cNvGrpSpPr/>
-        <p:nvPr/>
-      </p:nvGrpSpPr>
-      <p:grpSpPr>
-        <a:xfrm>
-          <a:off x="0" y="0"/>
-          <a:ext cx="0" cy="0"/>
-          <a:chOff x="0" y="0"/>
-          <a:chExt cx="0" cy="0"/>
-        </a:xfrm>
-      </p:grpSpPr>
-      <p:sp>
-        <p:nvSpPr>
-          <p:cNvPr id="4" name="Foliennummernplatzhalter 3"/>
-          <p:cNvSpPr>
-            <a:spLocks noGrp="1"/>
-          </p:cNvSpPr>
-          <p:nvPr>
-            <p:ph type="sldNum" sz="quarter" idx="11"/>
-          </p:nvPr>
-        </p:nvSpPr>
-        <p:spPr/>
-        <p:txBody>
-          <a:bodyPr/>
-          <a:lstStyle/>
-          <a:p>
-            <a:fld id="{CE58CB1E-F828-4F11-99E0-327109AF9DA4}" type="slidenum">
-              <a:rPr lang="de-DE" smtClean="0"/>
-              <a:pPr/>
-              <a:t>9</a:t>
-            </a:fld>
-            <a:endParaRPr lang="de-DE" dirty="0"/>
-          </a:p>
-        </p:txBody>
-      </p:sp>
-      <p:sp>
-        <p:nvSpPr>
-          <p:cNvPr id="6" name="Fußzeilenplatzhalter 4"/>
-          <p:cNvSpPr>
-            <a:spLocks noGrp="1"/>
-          </p:cNvSpPr>
-          <p:nvPr>
-            <p:ph type="ftr" sz="quarter" idx="12"/>
-          </p:nvPr>
-        </p:nvSpPr>
-        <p:spPr/>
-        <p:txBody>
-          <a:bodyPr/>
-          <a:lstStyle/>
-          <a:p>
-            <a:r>
-              <a:rPr lang="en-US" dirty="0" err="1"/>
-              <a:t>Xlink</a:t>
-            </a:r>
-            <a:r>
-              <a:rPr lang="en-US" dirty="0"/>
-              <a:t> | </a:t>
-            </a:r>
-            <a:r>
-              <a:rPr lang="en-US" dirty="0" err="1"/>
-              <a:t>DocBook</a:t>
-            </a:r>
-            <a:r>
-              <a:rPr lang="en-US" dirty="0"/>
-              <a:t> </a:t>
-            </a:r>
-            <a:r>
-              <a:rPr lang="en-US" dirty="0" err="1"/>
-              <a:t>Dokumentation</a:t>
-            </a:r>
-            <a:endParaRPr lang="en-US" dirty="0"/>
-          </a:p>
-        </p:txBody>
-      </p:sp>
-      <p:sp>
-        <p:nvSpPr>
-          <p:cNvPr id="3" name="Titel 2"/>
-          <p:cNvSpPr>
-            <a:spLocks noGrp="1"/>
-          </p:cNvSpPr>
-          <p:nvPr>
-            <p:ph type="title"/>
-          </p:nvPr>
-        </p:nvSpPr>
-        <p:spPr>
-          <a:xfrm>
-            <a:off x="319091" y="745751"/>
-            <a:ext cx="8508999" cy="307777"/>
-          </a:xfrm>
-          <a:prstGeom prst="rect">
-            <a:avLst/>
-          </a:prstGeom>
-        </p:spPr>
-        <p:txBody>
-          <a:bodyPr/>
-          <a:lstStyle/>
-          <a:p>
-            <a:pPr algn="ctr"/>
-            <a:r>
-              <a:rPr lang="de-DE" dirty="0"/>
-              <a:t>SVG</a:t>
-            </a:r>
-          </a:p>
-        </p:txBody>
-      </p:sp>
-      <p:pic>
-        <p:nvPicPr>
-          <p:cNvPr id="5" name="Grafik 4" descr="Ein Bild, das Screenshot enthält.&#10;&#10;Automatisch generierte Beschreibung">
-            <a:extLst>
-              <a:ext uri="{FF2B5EF4-FFF2-40B4-BE49-F238E27FC236}">
-                <a16:creationId xmlns:a16="http://schemas.microsoft.com/office/drawing/2014/main" id="{7256CF38-DE25-D84F-9D6D-FD6F0C2376DA}"/>
-              </a:ext>
-            </a:extLst>
-          </p:cNvPr>
-          <p:cNvPicPr>
-            <a:picLocks noChangeAspect="1"/>
-          </p:cNvPicPr>
-          <p:nvPr/>
-        </p:nvPicPr>
-        <p:blipFill>
-          <a:blip r:embed="rId2"/>
-          <a:stretch>
-            <a:fillRect/>
-          </a:stretch>
-        </p:blipFill>
-        <p:spPr>
-          <a:xfrm>
-            <a:off x="657231" y="1231162"/>
-            <a:ext cx="7829538" cy="3332010"/>
-          </a:xfrm>
-          <a:prstGeom prst="rect">
-            <a:avLst/>
-          </a:prstGeom>
-        </p:spPr>
-      </p:pic>
-    </p:spTree>
-    <p:extLst>
-      <p:ext uri="{BB962C8B-B14F-4D97-AF65-F5344CB8AC3E}">
-        <p14:creationId xmlns:p14="http://schemas.microsoft.com/office/powerpoint/2010/main" val="2624432542"/>
       </p:ext>
     </p:extLst>
   </p:cSld>
